--- a/dsa2017-java-online/handouts/data-day07-graph/Lecture 12 - Chapter 08 - Graphs - Part 1.pptx
+++ b/dsa2017-java-online/handouts/data-day07-graph/Lecture 12 - Chapter 08 - Graphs - Part 1.pptx
@@ -288,7 +288,7 @@
           <a:p>
             <a:fld id="{912909EE-3318-2B49-BBCA-50C0EA6484E2}" type="datetimeFigureOut">
               <a:rPr lang="en-US" smtClean="0"/>
-              <a:t>27-May-17</a:t>
+              <a:t>31-May-17</a:t>
             </a:fld>
             <a:endParaRPr lang="en-US"/>
           </a:p>
@@ -4125,14 +4125,14 @@
           <a:noFill/>
           <a:extLst>
             <a:ext uri="{909E8E84-426E-40dd-AFC4-6F175D3DCCD1}">
-              <a14:hiddenFill xmlns:a14="http://schemas.microsoft.com/office/drawing/2010/main" xmlns="">
+              <a14:hiddenFill xmlns="" xmlns:a14="http://schemas.microsoft.com/office/drawing/2010/main">
                 <a:solidFill>
                   <a:srgbClr val="FFFFFF"/>
                 </a:solidFill>
               </a14:hiddenFill>
             </a:ext>
             <a:ext uri="{91240B29-F687-4f45-9708-019B960494DF}">
-              <a14:hiddenLine xmlns:a14="http://schemas.microsoft.com/office/drawing/2010/main" xmlns="" w="9525">
+              <a14:hiddenLine xmlns="" xmlns:a14="http://schemas.microsoft.com/office/drawing/2010/main" w="9525">
                 <a:solidFill>
                   <a:srgbClr val="000000"/>
                 </a:solidFill>
@@ -4142,7 +4142,7 @@
               </a14:hiddenLine>
             </a:ext>
             <a:ext uri="{FAA26D3D-D897-4be2-8F04-BA451C77F1D7}">
-              <ma14:placeholderFlag xmlns:ma14="http://schemas.microsoft.com/office/mac/drawingml/2011/main" xmlns="" val="1"/>
+              <ma14:placeholderFlag xmlns="" xmlns:ma14="http://schemas.microsoft.com/office/mac/drawingml/2011/main" val="1"/>
             </a:ext>
           </a:extLst>
         </p:spPr>
@@ -4563,7 +4563,7 @@
           <a:graphicData uri="http://schemas.openxmlformats.org/presentationml/2006/ole">
             <mc:AlternateContent xmlns:mc="http://schemas.openxmlformats.org/markup-compatibility/2006">
               <mc:Choice xmlns:v="urn:schemas-microsoft-com:vml" Requires="v">
-                <p:oleObj spid="_x0000_s1309" name="Equation" r:id="rId3" imgW="1244600" imgH="203200" progId="Equation.3">
+                <p:oleObj spid="_x0000_s1310" name="Equation" r:id="rId3" imgW="1244600" imgH="203200" progId="Equation.3">
                   <p:embed/>
                 </p:oleObj>
               </mc:Choice>
@@ -5599,14 +5599,14 @@
           <a:noFill/>
           <a:extLst>
             <a:ext uri="{909E8E84-426E-40dd-AFC4-6F175D3DCCD1}">
-              <a14:hiddenFill xmlns:a14="http://schemas.microsoft.com/office/drawing/2010/main" xmlns="">
+              <a14:hiddenFill xmlns="" xmlns:a14="http://schemas.microsoft.com/office/drawing/2010/main">
                 <a:solidFill>
                   <a:srgbClr val="FFFFFF"/>
                 </a:solidFill>
               </a14:hiddenFill>
             </a:ext>
             <a:ext uri="{91240B29-F687-4f45-9708-019B960494DF}">
-              <a14:hiddenLine xmlns:a14="http://schemas.microsoft.com/office/drawing/2010/main" xmlns="" w="9525">
+              <a14:hiddenLine xmlns="" xmlns:a14="http://schemas.microsoft.com/office/drawing/2010/main" w="9525">
                 <a:solidFill>
                   <a:srgbClr val="000000"/>
                 </a:solidFill>
@@ -5616,7 +5616,7 @@
               </a14:hiddenLine>
             </a:ext>
             <a:ext uri="{FAA26D3D-D897-4be2-8F04-BA451C77F1D7}">
-              <ma14:placeholderFlag xmlns:ma14="http://schemas.microsoft.com/office/mac/drawingml/2011/main" xmlns="" val="1"/>
+              <ma14:placeholderFlag xmlns="" xmlns:ma14="http://schemas.microsoft.com/office/mac/drawingml/2011/main" val="1"/>
             </a:ext>
           </a:extLst>
         </p:spPr>
@@ -5652,14 +5652,14 @@
           <a:noFill/>
           <a:extLst>
             <a:ext uri="{909E8E84-426E-40dd-AFC4-6F175D3DCCD1}">
-              <a14:hiddenFill xmlns:a14="http://schemas.microsoft.com/office/drawing/2010/main" xmlns="">
+              <a14:hiddenFill xmlns="" xmlns:a14="http://schemas.microsoft.com/office/drawing/2010/main">
                 <a:solidFill>
                   <a:srgbClr val="FFFFFF"/>
                 </a:solidFill>
               </a14:hiddenFill>
             </a:ext>
             <a:ext uri="{91240B29-F687-4f45-9708-019B960494DF}">
-              <a14:hiddenLine xmlns:a14="http://schemas.microsoft.com/office/drawing/2010/main" xmlns="" w="9525">
+              <a14:hiddenLine xmlns="" xmlns:a14="http://schemas.microsoft.com/office/drawing/2010/main" w="9525">
                 <a:solidFill>
                   <a:srgbClr val="000000"/>
                 </a:solidFill>
@@ -5669,7 +5669,7 @@
               </a14:hiddenLine>
             </a:ext>
             <a:ext uri="{FAA26D3D-D897-4be2-8F04-BA451C77F1D7}">
-              <ma14:placeholderFlag xmlns:ma14="http://schemas.microsoft.com/office/mac/drawingml/2011/main" xmlns="" val="1"/>
+              <ma14:placeholderFlag xmlns="" xmlns:ma14="http://schemas.microsoft.com/office/mac/drawingml/2011/main" val="1"/>
             </a:ext>
           </a:extLst>
         </p:spPr>
@@ -13346,6 +13346,74 @@
           <a:p>
             <a:pPr algn="ctr"/>
             <a:endParaRPr lang="en-US"/>
+          </a:p>
+        </p:txBody>
+      </p:sp>
+      <p:sp>
+        <p:nvSpPr>
+          <p:cNvPr id="3" name="Rectangle 2"/>
+          <p:cNvSpPr/>
+          <p:nvPr/>
+        </p:nvSpPr>
+        <p:spPr>
+          <a:xfrm>
+            <a:off x="6553200" y="3674527"/>
+            <a:ext cx="2286000" cy="1214587"/>
+          </a:xfrm>
+          <a:prstGeom prst="rect">
+            <a:avLst/>
+          </a:prstGeom>
+        </p:spPr>
+        <p:style>
+          <a:lnRef idx="2">
+            <a:schemeClr val="accent1">
+              <a:shade val="50000"/>
+            </a:schemeClr>
+          </a:lnRef>
+          <a:fillRef idx="1">
+            <a:schemeClr val="accent1"/>
+          </a:fillRef>
+          <a:effectRef idx="0">
+            <a:schemeClr val="accent1"/>
+          </a:effectRef>
+          <a:fontRef idx="minor">
+            <a:schemeClr val="lt1"/>
+          </a:fontRef>
+        </p:style>
+        <p:txBody>
+          <a:bodyPr rtlCol="0" anchor="ctr"/>
+          <a:lstStyle/>
+          <a:p>
+            <a:pPr algn="ctr"/>
+            <a:r>
+              <a:rPr lang="en-US" dirty="0" err="1"/>
+              <a:t>MyNodeTag</a:t>
+            </a:r>
+            <a:endParaRPr lang="en-US" dirty="0"/>
+          </a:p>
+          <a:p>
+            <a:pPr algn="ctr"/>
+            <a:r>
+              <a:rPr lang="en-US" dirty="0"/>
+              <a:t>+ </a:t>
+            </a:r>
+            <a:r>
+              <a:rPr lang="en-US" dirty="0" err="1"/>
+              <a:t>parentNod</a:t>
+            </a:r>
+            <a:endParaRPr lang="en-US" dirty="0"/>
+          </a:p>
+          <a:p>
+            <a:pPr algn="ctr"/>
+            <a:r>
+              <a:rPr lang="en-US" dirty="0"/>
+              <a:t>+ </a:t>
+            </a:r>
+            <a:r>
+              <a:rPr lang="en-US" dirty="0" err="1"/>
+              <a:t>distanceFromPar</a:t>
+            </a:r>
+            <a:endParaRPr lang="en-US" dirty="0"/>
           </a:p>
         </p:txBody>
       </p:sp>
@@ -25155,14 +25223,14 @@
           <a:noFill/>
           <a:extLst>
             <a:ext uri="{909E8E84-426E-40dd-AFC4-6F175D3DCCD1}">
-              <a14:hiddenFill xmlns:a14="http://schemas.microsoft.com/office/drawing/2010/main" xmlns="">
+              <a14:hiddenFill xmlns="" xmlns:a14="http://schemas.microsoft.com/office/drawing/2010/main">
                 <a:solidFill>
                   <a:srgbClr val="FFFFFF"/>
                 </a:solidFill>
               </a14:hiddenFill>
             </a:ext>
             <a:ext uri="{91240B29-F687-4f45-9708-019B960494DF}">
-              <a14:hiddenLine xmlns:a14="http://schemas.microsoft.com/office/drawing/2010/main" xmlns="" w="9525">
+              <a14:hiddenLine xmlns="" xmlns:a14="http://schemas.microsoft.com/office/drawing/2010/main" w="9525">
                 <a:solidFill>
                   <a:srgbClr val="000000"/>
                 </a:solidFill>
@@ -25172,7 +25240,7 @@
               </a14:hiddenLine>
             </a:ext>
             <a:ext uri="{FAA26D3D-D897-4be2-8F04-BA451C77F1D7}">
-              <ma14:placeholderFlag xmlns:ma14="http://schemas.microsoft.com/office/mac/drawingml/2011/main" xmlns="" val="1"/>
+              <ma14:placeholderFlag xmlns="" xmlns:ma14="http://schemas.microsoft.com/office/mac/drawingml/2011/main" val="1"/>
             </a:ext>
           </a:extLst>
         </p:spPr>
@@ -25208,14 +25276,14 @@
           <a:noFill/>
           <a:extLst>
             <a:ext uri="{909E8E84-426E-40dd-AFC4-6F175D3DCCD1}">
-              <a14:hiddenFill xmlns:a14="http://schemas.microsoft.com/office/drawing/2010/main" xmlns="">
+              <a14:hiddenFill xmlns="" xmlns:a14="http://schemas.microsoft.com/office/drawing/2010/main">
                 <a:solidFill>
                   <a:srgbClr val="FFFFFF"/>
                 </a:solidFill>
               </a14:hiddenFill>
             </a:ext>
             <a:ext uri="{91240B29-F687-4f45-9708-019B960494DF}">
-              <a14:hiddenLine xmlns:a14="http://schemas.microsoft.com/office/drawing/2010/main" xmlns="" w="9525">
+              <a14:hiddenLine xmlns="" xmlns:a14="http://schemas.microsoft.com/office/drawing/2010/main" w="9525">
                 <a:solidFill>
                   <a:srgbClr val="000000"/>
                 </a:solidFill>
@@ -25225,7 +25293,7 @@
               </a14:hiddenLine>
             </a:ext>
             <a:ext uri="{FAA26D3D-D897-4be2-8F04-BA451C77F1D7}">
-              <ma14:placeholderFlag xmlns:ma14="http://schemas.microsoft.com/office/mac/drawingml/2011/main" xmlns="" val="1"/>
+              <ma14:placeholderFlag xmlns="" xmlns:ma14="http://schemas.microsoft.com/office/mac/drawingml/2011/main" val="1"/>
             </a:ext>
           </a:extLst>
         </p:spPr>

--- a/dsa2017-java-online/handouts/data-day07-graph/Lecture 12 - Chapter 08 - Graphs - Part 1.pptx
+++ b/dsa2017-java-online/handouts/data-day07-graph/Lecture 12 - Chapter 08 - Graphs - Part 1.pptx
@@ -5,7 +5,7 @@
     <p:sldMasterId id="2147483648" r:id="rId1"/>
   </p:sldMasterIdLst>
   <p:notesMasterIdLst>
-    <p:notesMasterId r:id="rId49"/>
+    <p:notesMasterId r:id="rId50"/>
   </p:notesMasterIdLst>
   <p:sldIdLst>
     <p:sldId id="279" r:id="rId2"/>
@@ -54,7 +54,8 @@
     <p:sldId id="327" r:id="rId45"/>
     <p:sldId id="328" r:id="rId46"/>
     <p:sldId id="329" r:id="rId47"/>
-    <p:sldId id="283" r:id="rId48"/>
+    <p:sldId id="332" r:id="rId48"/>
+    <p:sldId id="283" r:id="rId49"/>
   </p:sldIdLst>
   <p:sldSz cx="9144000" cy="6858000" type="screen4x3"/>
   <p:notesSz cx="6858000" cy="9144000"/>
@@ -288,7 +289,7 @@
           <a:p>
             <a:fld id="{912909EE-3318-2B49-BBCA-50C0EA6484E2}" type="datetimeFigureOut">
               <a:rPr lang="en-US" smtClean="0"/>
-              <a:t>31-May-17</a:t>
+              <a:t>04-Jun-17</a:t>
             </a:fld>
             <a:endParaRPr lang="en-US"/>
           </a:p>
@@ -728,7 +729,7 @@
           <a:p>
             <a:fld id="{0F700D64-C8A8-F44C-A3D6-898140BB9211}" type="slidenum">
               <a:rPr lang="en-US" smtClean="0"/>
-              <a:t>47</a:t>
+              <a:t>48</a:t>
             </a:fld>
             <a:endParaRPr lang="en-US"/>
           </a:p>
@@ -4125,14 +4126,14 @@
           <a:noFill/>
           <a:extLst>
             <a:ext uri="{909E8E84-426E-40dd-AFC4-6F175D3DCCD1}">
-              <a14:hiddenFill xmlns="" xmlns:a14="http://schemas.microsoft.com/office/drawing/2010/main">
+              <a14:hiddenFill xmlns:a14="http://schemas.microsoft.com/office/drawing/2010/main" xmlns="">
                 <a:solidFill>
                   <a:srgbClr val="FFFFFF"/>
                 </a:solidFill>
               </a14:hiddenFill>
             </a:ext>
             <a:ext uri="{91240B29-F687-4f45-9708-019B960494DF}">
-              <a14:hiddenLine xmlns="" xmlns:a14="http://schemas.microsoft.com/office/drawing/2010/main" w="9525">
+              <a14:hiddenLine xmlns:a14="http://schemas.microsoft.com/office/drawing/2010/main" xmlns="" w="9525">
                 <a:solidFill>
                   <a:srgbClr val="000000"/>
                 </a:solidFill>
@@ -4142,7 +4143,7 @@
               </a14:hiddenLine>
             </a:ext>
             <a:ext uri="{FAA26D3D-D897-4be2-8F04-BA451C77F1D7}">
-              <ma14:placeholderFlag xmlns="" xmlns:ma14="http://schemas.microsoft.com/office/mac/drawingml/2011/main" val="1"/>
+              <ma14:placeholderFlag xmlns:ma14="http://schemas.microsoft.com/office/mac/drawingml/2011/main" xmlns="" val="1"/>
             </a:ext>
           </a:extLst>
         </p:spPr>
@@ -4563,7 +4564,7 @@
           <a:graphicData uri="http://schemas.openxmlformats.org/presentationml/2006/ole">
             <mc:AlternateContent xmlns:mc="http://schemas.openxmlformats.org/markup-compatibility/2006">
               <mc:Choice xmlns:v="urn:schemas-microsoft-com:vml" Requires="v">
-                <p:oleObj spid="_x0000_s1310" name="Equation" r:id="rId3" imgW="1244600" imgH="203200" progId="Equation.3">
+                <p:oleObj spid="_x0000_s1312" name="Equation" r:id="rId3" imgW="1244600" imgH="203200" progId="Equation.3">
                   <p:embed/>
                 </p:oleObj>
               </mc:Choice>
@@ -5599,14 +5600,14 @@
           <a:noFill/>
           <a:extLst>
             <a:ext uri="{909E8E84-426E-40dd-AFC4-6F175D3DCCD1}">
-              <a14:hiddenFill xmlns="" xmlns:a14="http://schemas.microsoft.com/office/drawing/2010/main">
+              <a14:hiddenFill xmlns:a14="http://schemas.microsoft.com/office/drawing/2010/main" xmlns="">
                 <a:solidFill>
                   <a:srgbClr val="FFFFFF"/>
                 </a:solidFill>
               </a14:hiddenFill>
             </a:ext>
             <a:ext uri="{91240B29-F687-4f45-9708-019B960494DF}">
-              <a14:hiddenLine xmlns="" xmlns:a14="http://schemas.microsoft.com/office/drawing/2010/main" w="9525">
+              <a14:hiddenLine xmlns:a14="http://schemas.microsoft.com/office/drawing/2010/main" xmlns="" w="9525">
                 <a:solidFill>
                   <a:srgbClr val="000000"/>
                 </a:solidFill>
@@ -5616,7 +5617,7 @@
               </a14:hiddenLine>
             </a:ext>
             <a:ext uri="{FAA26D3D-D897-4be2-8F04-BA451C77F1D7}">
-              <ma14:placeholderFlag xmlns="" xmlns:ma14="http://schemas.microsoft.com/office/mac/drawingml/2011/main" val="1"/>
+              <ma14:placeholderFlag xmlns:ma14="http://schemas.microsoft.com/office/mac/drawingml/2011/main" xmlns="" val="1"/>
             </a:ext>
           </a:extLst>
         </p:spPr>
@@ -5652,14 +5653,14 @@
           <a:noFill/>
           <a:extLst>
             <a:ext uri="{909E8E84-426E-40dd-AFC4-6F175D3DCCD1}">
-              <a14:hiddenFill xmlns="" xmlns:a14="http://schemas.microsoft.com/office/drawing/2010/main">
+              <a14:hiddenFill xmlns:a14="http://schemas.microsoft.com/office/drawing/2010/main" xmlns="">
                 <a:solidFill>
                   <a:srgbClr val="FFFFFF"/>
                 </a:solidFill>
               </a14:hiddenFill>
             </a:ext>
             <a:ext uri="{91240B29-F687-4f45-9708-019B960494DF}">
-              <a14:hiddenLine xmlns="" xmlns:a14="http://schemas.microsoft.com/office/drawing/2010/main" w="9525">
+              <a14:hiddenLine xmlns:a14="http://schemas.microsoft.com/office/drawing/2010/main" xmlns="" w="9525">
                 <a:solidFill>
                   <a:srgbClr val="000000"/>
                 </a:solidFill>
@@ -5669,7 +5670,7 @@
               </a14:hiddenLine>
             </a:ext>
             <a:ext uri="{FAA26D3D-D897-4be2-8F04-BA451C77F1D7}">
-              <ma14:placeholderFlag xmlns="" xmlns:ma14="http://schemas.microsoft.com/office/mac/drawingml/2011/main" val="1"/>
+              <ma14:placeholderFlag xmlns:ma14="http://schemas.microsoft.com/office/mac/drawingml/2011/main" xmlns="" val="1"/>
             </a:ext>
           </a:extLst>
         </p:spPr>
@@ -25211,6 +25212,2359 @@
       </p:grpSpPr>
       <p:sp>
         <p:nvSpPr>
+          <p:cNvPr id="2" name="Title 1">
+            <a:extLst>
+              <a:ext uri="{FF2B5EF4-FFF2-40B4-BE49-F238E27FC236}">
+                <a16:creationId xmlns:a16="http://schemas.microsoft.com/office/drawing/2014/main" id="{EFCD251B-1E90-45E4-B93A-0F43EE894C6C}"/>
+              </a:ext>
+            </a:extLst>
+          </p:cNvPr>
+          <p:cNvSpPr>
+            <a:spLocks noGrp="1"/>
+          </p:cNvSpPr>
+          <p:nvPr>
+            <p:ph type="title"/>
+          </p:nvPr>
+        </p:nvSpPr>
+        <p:spPr/>
+        <p:txBody>
+          <a:bodyPr/>
+          <a:lstStyle/>
+          <a:p>
+            <a:r>
+              <a:rPr lang="en-US" dirty="0"/>
+              <a:t>The test of shortest path</a:t>
+            </a:r>
+          </a:p>
+        </p:txBody>
+      </p:sp>
+      <p:sp>
+        <p:nvSpPr>
+          <p:cNvPr id="3" name="Content Placeholder 2">
+            <a:extLst>
+              <a:ext uri="{FF2B5EF4-FFF2-40B4-BE49-F238E27FC236}">
+                <a16:creationId xmlns:a16="http://schemas.microsoft.com/office/drawing/2014/main" id="{CF7C8A9D-1990-442C-A7DC-41CD07016367}"/>
+              </a:ext>
+            </a:extLst>
+          </p:cNvPr>
+          <p:cNvSpPr>
+            <a:spLocks noGrp="1"/>
+          </p:cNvSpPr>
+          <p:nvPr>
+            <p:ph idx="1"/>
+          </p:nvPr>
+        </p:nvSpPr>
+        <p:spPr>
+          <a:xfrm>
+            <a:off x="76200" y="1066800"/>
+            <a:ext cx="8915400" cy="1783080"/>
+          </a:xfrm>
+        </p:spPr>
+        <p:txBody>
+          <a:bodyPr/>
+          <a:lstStyle/>
+          <a:p>
+            <a:r>
+              <a:rPr lang="en-US" dirty="0"/>
+              <a:t>The line/chain: the distance is 1 for all</a:t>
+            </a:r>
+          </a:p>
+          <a:p>
+            <a:r>
+              <a:rPr lang="en-US" dirty="0"/>
+              <a:t>The tree</a:t>
+            </a:r>
+          </a:p>
+          <a:p>
+            <a:r>
+              <a:rPr lang="en-US" dirty="0"/>
+              <a:t>The flow</a:t>
+            </a:r>
+          </a:p>
+          <a:p>
+            <a:endParaRPr lang="en-US" dirty="0"/>
+          </a:p>
+        </p:txBody>
+      </p:sp>
+      <p:sp>
+        <p:nvSpPr>
+          <p:cNvPr id="4" name="Oval 3">
+            <a:extLst>
+              <a:ext uri="{FF2B5EF4-FFF2-40B4-BE49-F238E27FC236}">
+                <a16:creationId xmlns:a16="http://schemas.microsoft.com/office/drawing/2014/main" id="{663D6CEA-2863-4259-AEA2-4FDE60E3400D}"/>
+              </a:ext>
+            </a:extLst>
+          </p:cNvPr>
+          <p:cNvSpPr/>
+          <p:nvPr/>
+        </p:nvSpPr>
+        <p:spPr>
+          <a:xfrm>
+            <a:off x="609600" y="3048000"/>
+            <a:ext cx="457200" cy="457200"/>
+          </a:xfrm>
+          <a:prstGeom prst="ellipse">
+            <a:avLst/>
+          </a:prstGeom>
+        </p:spPr>
+        <p:style>
+          <a:lnRef idx="2">
+            <a:schemeClr val="accent1">
+              <a:shade val="50000"/>
+            </a:schemeClr>
+          </a:lnRef>
+          <a:fillRef idx="1">
+            <a:schemeClr val="accent1"/>
+          </a:fillRef>
+          <a:effectRef idx="0">
+            <a:schemeClr val="accent1"/>
+          </a:effectRef>
+          <a:fontRef idx="minor">
+            <a:schemeClr val="lt1"/>
+          </a:fontRef>
+        </p:style>
+        <p:txBody>
+          <a:bodyPr rtlCol="0" anchor="ctr"/>
+          <a:lstStyle/>
+          <a:p>
+            <a:pPr algn="ctr"/>
+            <a:r>
+              <a:rPr lang="en-US" dirty="0"/>
+              <a:t>1</a:t>
+            </a:r>
+          </a:p>
+        </p:txBody>
+      </p:sp>
+      <p:sp>
+        <p:nvSpPr>
+          <p:cNvPr id="5" name="Oval 4">
+            <a:extLst>
+              <a:ext uri="{FF2B5EF4-FFF2-40B4-BE49-F238E27FC236}">
+                <a16:creationId xmlns:a16="http://schemas.microsoft.com/office/drawing/2014/main" id="{E8627F87-23FF-466D-9D8E-6CFAB13BF5A7}"/>
+              </a:ext>
+            </a:extLst>
+          </p:cNvPr>
+          <p:cNvSpPr/>
+          <p:nvPr/>
+        </p:nvSpPr>
+        <p:spPr>
+          <a:xfrm>
+            <a:off x="1676400" y="3048000"/>
+            <a:ext cx="457200" cy="457200"/>
+          </a:xfrm>
+          <a:prstGeom prst="ellipse">
+            <a:avLst/>
+          </a:prstGeom>
+        </p:spPr>
+        <p:style>
+          <a:lnRef idx="2">
+            <a:schemeClr val="accent1">
+              <a:shade val="50000"/>
+            </a:schemeClr>
+          </a:lnRef>
+          <a:fillRef idx="1">
+            <a:schemeClr val="accent1"/>
+          </a:fillRef>
+          <a:effectRef idx="0">
+            <a:schemeClr val="accent1"/>
+          </a:effectRef>
+          <a:fontRef idx="minor">
+            <a:schemeClr val="lt1"/>
+          </a:fontRef>
+        </p:style>
+        <p:txBody>
+          <a:bodyPr rtlCol="0" anchor="ctr"/>
+          <a:lstStyle/>
+          <a:p>
+            <a:pPr algn="ctr"/>
+            <a:r>
+              <a:rPr lang="en-US" dirty="0"/>
+              <a:t>2</a:t>
+            </a:r>
+          </a:p>
+        </p:txBody>
+      </p:sp>
+      <p:sp>
+        <p:nvSpPr>
+          <p:cNvPr id="6" name="Oval 5">
+            <a:extLst>
+              <a:ext uri="{FF2B5EF4-FFF2-40B4-BE49-F238E27FC236}">
+                <a16:creationId xmlns:a16="http://schemas.microsoft.com/office/drawing/2014/main" id="{721E25A2-5FFD-4245-910F-60350118AF8B}"/>
+              </a:ext>
+            </a:extLst>
+          </p:cNvPr>
+          <p:cNvSpPr/>
+          <p:nvPr/>
+        </p:nvSpPr>
+        <p:spPr>
+          <a:xfrm>
+            <a:off x="2819400" y="3048000"/>
+            <a:ext cx="457200" cy="457200"/>
+          </a:xfrm>
+          <a:prstGeom prst="ellipse">
+            <a:avLst/>
+          </a:prstGeom>
+        </p:spPr>
+        <p:style>
+          <a:lnRef idx="2">
+            <a:schemeClr val="accent1">
+              <a:shade val="50000"/>
+            </a:schemeClr>
+          </a:lnRef>
+          <a:fillRef idx="1">
+            <a:schemeClr val="accent1"/>
+          </a:fillRef>
+          <a:effectRef idx="0">
+            <a:schemeClr val="accent1"/>
+          </a:effectRef>
+          <a:fontRef idx="minor">
+            <a:schemeClr val="lt1"/>
+          </a:fontRef>
+        </p:style>
+        <p:txBody>
+          <a:bodyPr rtlCol="0" anchor="ctr"/>
+          <a:lstStyle/>
+          <a:p>
+            <a:pPr algn="ctr"/>
+            <a:r>
+              <a:rPr lang="en-US" dirty="0"/>
+              <a:t>3</a:t>
+            </a:r>
+          </a:p>
+        </p:txBody>
+      </p:sp>
+      <p:sp>
+        <p:nvSpPr>
+          <p:cNvPr id="7" name="Oval 6">
+            <a:extLst>
+              <a:ext uri="{FF2B5EF4-FFF2-40B4-BE49-F238E27FC236}">
+                <a16:creationId xmlns:a16="http://schemas.microsoft.com/office/drawing/2014/main" id="{CC4F5185-0CB5-4D39-BB76-90D9B2D5C081}"/>
+              </a:ext>
+            </a:extLst>
+          </p:cNvPr>
+          <p:cNvSpPr/>
+          <p:nvPr/>
+        </p:nvSpPr>
+        <p:spPr>
+          <a:xfrm>
+            <a:off x="3886200" y="3063240"/>
+            <a:ext cx="457200" cy="457200"/>
+          </a:xfrm>
+          <a:prstGeom prst="ellipse">
+            <a:avLst/>
+          </a:prstGeom>
+        </p:spPr>
+        <p:style>
+          <a:lnRef idx="2">
+            <a:schemeClr val="accent1">
+              <a:shade val="50000"/>
+            </a:schemeClr>
+          </a:lnRef>
+          <a:fillRef idx="1">
+            <a:schemeClr val="accent1"/>
+          </a:fillRef>
+          <a:effectRef idx="0">
+            <a:schemeClr val="accent1"/>
+          </a:effectRef>
+          <a:fontRef idx="minor">
+            <a:schemeClr val="lt1"/>
+          </a:fontRef>
+        </p:style>
+        <p:txBody>
+          <a:bodyPr rtlCol="0" anchor="ctr"/>
+          <a:lstStyle/>
+          <a:p>
+            <a:pPr algn="ctr"/>
+            <a:r>
+              <a:rPr lang="en-US" dirty="0"/>
+              <a:t>4</a:t>
+            </a:r>
+          </a:p>
+        </p:txBody>
+      </p:sp>
+      <p:cxnSp>
+        <p:nvCxnSpPr>
+          <p:cNvPr id="9" name="Straight Arrow Connector 8">
+            <a:extLst>
+              <a:ext uri="{FF2B5EF4-FFF2-40B4-BE49-F238E27FC236}">
+                <a16:creationId xmlns:a16="http://schemas.microsoft.com/office/drawing/2014/main" id="{E7998757-995B-4F59-AD54-AF868AE01CB4}"/>
+              </a:ext>
+            </a:extLst>
+          </p:cNvPr>
+          <p:cNvCxnSpPr>
+            <a:stCxn id="4" idx="6"/>
+            <a:endCxn id="5" idx="2"/>
+          </p:cNvCxnSpPr>
+          <p:nvPr/>
+        </p:nvCxnSpPr>
+        <p:spPr>
+          <a:xfrm>
+            <a:off x="1066800" y="3276600"/>
+            <a:ext cx="609600" cy="0"/>
+          </a:xfrm>
+          <a:prstGeom prst="straightConnector1">
+            <a:avLst/>
+          </a:prstGeom>
+          <a:ln>
+            <a:tailEnd type="triangle"/>
+          </a:ln>
+        </p:spPr>
+        <p:style>
+          <a:lnRef idx="1">
+            <a:schemeClr val="accent1"/>
+          </a:lnRef>
+          <a:fillRef idx="0">
+            <a:schemeClr val="accent1"/>
+          </a:fillRef>
+          <a:effectRef idx="0">
+            <a:schemeClr val="accent1"/>
+          </a:effectRef>
+          <a:fontRef idx="minor">
+            <a:schemeClr val="tx1"/>
+          </a:fontRef>
+        </p:style>
+      </p:cxnSp>
+      <p:cxnSp>
+        <p:nvCxnSpPr>
+          <p:cNvPr id="10" name="Straight Arrow Connector 9">
+            <a:extLst>
+              <a:ext uri="{FF2B5EF4-FFF2-40B4-BE49-F238E27FC236}">
+                <a16:creationId xmlns:a16="http://schemas.microsoft.com/office/drawing/2014/main" id="{5F7575E3-C2A4-4B4A-B64A-CCC17FE9C5FD}"/>
+              </a:ext>
+            </a:extLst>
+          </p:cNvPr>
+          <p:cNvCxnSpPr>
+            <a:cxnSpLocks/>
+            <a:stCxn id="5" idx="6"/>
+            <a:endCxn id="6" idx="2"/>
+          </p:cNvCxnSpPr>
+          <p:nvPr/>
+        </p:nvCxnSpPr>
+        <p:spPr>
+          <a:xfrm>
+            <a:off x="2133600" y="3276600"/>
+            <a:ext cx="685800" cy="0"/>
+          </a:xfrm>
+          <a:prstGeom prst="straightConnector1">
+            <a:avLst/>
+          </a:prstGeom>
+          <a:ln>
+            <a:tailEnd type="triangle"/>
+          </a:ln>
+        </p:spPr>
+        <p:style>
+          <a:lnRef idx="1">
+            <a:schemeClr val="accent1"/>
+          </a:lnRef>
+          <a:fillRef idx="0">
+            <a:schemeClr val="accent1"/>
+          </a:fillRef>
+          <a:effectRef idx="0">
+            <a:schemeClr val="accent1"/>
+          </a:effectRef>
+          <a:fontRef idx="minor">
+            <a:schemeClr val="tx1"/>
+          </a:fontRef>
+        </p:style>
+      </p:cxnSp>
+      <p:cxnSp>
+        <p:nvCxnSpPr>
+          <p:cNvPr id="13" name="Straight Arrow Connector 12">
+            <a:extLst>
+              <a:ext uri="{FF2B5EF4-FFF2-40B4-BE49-F238E27FC236}">
+                <a16:creationId xmlns:a16="http://schemas.microsoft.com/office/drawing/2014/main" id="{60C75514-A4A7-434A-BC2F-34074A402C57}"/>
+              </a:ext>
+            </a:extLst>
+          </p:cNvPr>
+          <p:cNvCxnSpPr>
+            <a:cxnSpLocks/>
+            <a:stCxn id="6" idx="6"/>
+            <a:endCxn id="7" idx="2"/>
+          </p:cNvCxnSpPr>
+          <p:nvPr/>
+        </p:nvCxnSpPr>
+        <p:spPr>
+          <a:xfrm>
+            <a:off x="3276600" y="3276600"/>
+            <a:ext cx="609600" cy="15240"/>
+          </a:xfrm>
+          <a:prstGeom prst="straightConnector1">
+            <a:avLst/>
+          </a:prstGeom>
+          <a:ln>
+            <a:tailEnd type="triangle"/>
+          </a:ln>
+        </p:spPr>
+        <p:style>
+          <a:lnRef idx="1">
+            <a:schemeClr val="accent1"/>
+          </a:lnRef>
+          <a:fillRef idx="0">
+            <a:schemeClr val="accent1"/>
+          </a:fillRef>
+          <a:effectRef idx="0">
+            <a:schemeClr val="accent1"/>
+          </a:effectRef>
+          <a:fontRef idx="minor">
+            <a:schemeClr val="tx1"/>
+          </a:fontRef>
+        </p:style>
+      </p:cxnSp>
+      <p:sp>
+        <p:nvSpPr>
+          <p:cNvPr id="16" name="Oval 15">
+            <a:extLst>
+              <a:ext uri="{FF2B5EF4-FFF2-40B4-BE49-F238E27FC236}">
+                <a16:creationId xmlns:a16="http://schemas.microsoft.com/office/drawing/2014/main" id="{27EF0E20-6DF4-4612-ACAF-5ADEDEA9079C}"/>
+              </a:ext>
+            </a:extLst>
+          </p:cNvPr>
+          <p:cNvSpPr/>
+          <p:nvPr/>
+        </p:nvSpPr>
+        <p:spPr>
+          <a:xfrm>
+            <a:off x="609600" y="4046221"/>
+            <a:ext cx="457200" cy="457200"/>
+          </a:xfrm>
+          <a:prstGeom prst="ellipse">
+            <a:avLst/>
+          </a:prstGeom>
+        </p:spPr>
+        <p:style>
+          <a:lnRef idx="2">
+            <a:schemeClr val="accent1">
+              <a:shade val="50000"/>
+            </a:schemeClr>
+          </a:lnRef>
+          <a:fillRef idx="1">
+            <a:schemeClr val="accent1"/>
+          </a:fillRef>
+          <a:effectRef idx="0">
+            <a:schemeClr val="accent1"/>
+          </a:effectRef>
+          <a:fontRef idx="minor">
+            <a:schemeClr val="lt1"/>
+          </a:fontRef>
+        </p:style>
+        <p:txBody>
+          <a:bodyPr rtlCol="0" anchor="ctr"/>
+          <a:lstStyle/>
+          <a:p>
+            <a:pPr algn="ctr"/>
+            <a:r>
+              <a:rPr lang="en-US" dirty="0"/>
+              <a:t>1</a:t>
+            </a:r>
+          </a:p>
+        </p:txBody>
+      </p:sp>
+      <p:sp>
+        <p:nvSpPr>
+          <p:cNvPr id="17" name="Oval 16">
+            <a:extLst>
+              <a:ext uri="{FF2B5EF4-FFF2-40B4-BE49-F238E27FC236}">
+                <a16:creationId xmlns:a16="http://schemas.microsoft.com/office/drawing/2014/main" id="{A76A0A03-35F5-4C0F-98EE-1E88B8EA6D72}"/>
+              </a:ext>
+            </a:extLst>
+          </p:cNvPr>
+          <p:cNvSpPr/>
+          <p:nvPr/>
+        </p:nvSpPr>
+        <p:spPr>
+          <a:xfrm>
+            <a:off x="1676400" y="4046221"/>
+            <a:ext cx="457200" cy="457200"/>
+          </a:xfrm>
+          <a:prstGeom prst="ellipse">
+            <a:avLst/>
+          </a:prstGeom>
+        </p:spPr>
+        <p:style>
+          <a:lnRef idx="2">
+            <a:schemeClr val="accent1">
+              <a:shade val="50000"/>
+            </a:schemeClr>
+          </a:lnRef>
+          <a:fillRef idx="1">
+            <a:schemeClr val="accent1"/>
+          </a:fillRef>
+          <a:effectRef idx="0">
+            <a:schemeClr val="accent1"/>
+          </a:effectRef>
+          <a:fontRef idx="minor">
+            <a:schemeClr val="lt1"/>
+          </a:fontRef>
+        </p:style>
+        <p:txBody>
+          <a:bodyPr rtlCol="0" anchor="ctr"/>
+          <a:lstStyle/>
+          <a:p>
+            <a:pPr algn="ctr"/>
+            <a:r>
+              <a:rPr lang="en-US" dirty="0"/>
+              <a:t>2</a:t>
+            </a:r>
+          </a:p>
+        </p:txBody>
+      </p:sp>
+      <p:sp>
+        <p:nvSpPr>
+          <p:cNvPr id="18" name="Oval 17">
+            <a:extLst>
+              <a:ext uri="{FF2B5EF4-FFF2-40B4-BE49-F238E27FC236}">
+                <a16:creationId xmlns:a16="http://schemas.microsoft.com/office/drawing/2014/main" id="{938EF504-608F-4FDA-AFF5-4F8ACABD3DDC}"/>
+              </a:ext>
+            </a:extLst>
+          </p:cNvPr>
+          <p:cNvSpPr/>
+          <p:nvPr/>
+        </p:nvSpPr>
+        <p:spPr>
+          <a:xfrm>
+            <a:off x="2819400" y="4046221"/>
+            <a:ext cx="457200" cy="457200"/>
+          </a:xfrm>
+          <a:prstGeom prst="ellipse">
+            <a:avLst/>
+          </a:prstGeom>
+        </p:spPr>
+        <p:style>
+          <a:lnRef idx="2">
+            <a:schemeClr val="accent1">
+              <a:shade val="50000"/>
+            </a:schemeClr>
+          </a:lnRef>
+          <a:fillRef idx="1">
+            <a:schemeClr val="accent1"/>
+          </a:fillRef>
+          <a:effectRef idx="0">
+            <a:schemeClr val="accent1"/>
+          </a:effectRef>
+          <a:fontRef idx="minor">
+            <a:schemeClr val="lt1"/>
+          </a:fontRef>
+        </p:style>
+        <p:txBody>
+          <a:bodyPr rtlCol="0" anchor="ctr"/>
+          <a:lstStyle/>
+          <a:p>
+            <a:pPr algn="ctr"/>
+            <a:r>
+              <a:rPr lang="en-US" dirty="0"/>
+              <a:t>3</a:t>
+            </a:r>
+          </a:p>
+        </p:txBody>
+      </p:sp>
+      <p:sp>
+        <p:nvSpPr>
+          <p:cNvPr id="19" name="Oval 18">
+            <a:extLst>
+              <a:ext uri="{FF2B5EF4-FFF2-40B4-BE49-F238E27FC236}">
+                <a16:creationId xmlns:a16="http://schemas.microsoft.com/office/drawing/2014/main" id="{F5BAA6BF-ECE0-4778-9878-C6B2B1D636D4}"/>
+              </a:ext>
+            </a:extLst>
+          </p:cNvPr>
+          <p:cNvSpPr/>
+          <p:nvPr/>
+        </p:nvSpPr>
+        <p:spPr>
+          <a:xfrm>
+            <a:off x="3886200" y="4061461"/>
+            <a:ext cx="457200" cy="457200"/>
+          </a:xfrm>
+          <a:prstGeom prst="ellipse">
+            <a:avLst/>
+          </a:prstGeom>
+        </p:spPr>
+        <p:style>
+          <a:lnRef idx="2">
+            <a:schemeClr val="accent1">
+              <a:shade val="50000"/>
+            </a:schemeClr>
+          </a:lnRef>
+          <a:fillRef idx="1">
+            <a:schemeClr val="accent1"/>
+          </a:fillRef>
+          <a:effectRef idx="0">
+            <a:schemeClr val="accent1"/>
+          </a:effectRef>
+          <a:fontRef idx="minor">
+            <a:schemeClr val="lt1"/>
+          </a:fontRef>
+        </p:style>
+        <p:txBody>
+          <a:bodyPr rtlCol="0" anchor="ctr"/>
+          <a:lstStyle/>
+          <a:p>
+            <a:pPr algn="ctr"/>
+            <a:r>
+              <a:rPr lang="en-US" dirty="0"/>
+              <a:t>4</a:t>
+            </a:r>
+          </a:p>
+        </p:txBody>
+      </p:sp>
+      <p:cxnSp>
+        <p:nvCxnSpPr>
+          <p:cNvPr id="20" name="Straight Arrow Connector 19">
+            <a:extLst>
+              <a:ext uri="{FF2B5EF4-FFF2-40B4-BE49-F238E27FC236}">
+                <a16:creationId xmlns:a16="http://schemas.microsoft.com/office/drawing/2014/main" id="{1C6A22F7-34CE-4788-ACBD-CF407BE46B80}"/>
+              </a:ext>
+            </a:extLst>
+          </p:cNvPr>
+          <p:cNvCxnSpPr>
+            <a:stCxn id="16" idx="6"/>
+            <a:endCxn id="17" idx="2"/>
+          </p:cNvCxnSpPr>
+          <p:nvPr/>
+        </p:nvCxnSpPr>
+        <p:spPr>
+          <a:xfrm>
+            <a:off x="1066800" y="4274821"/>
+            <a:ext cx="609600" cy="0"/>
+          </a:xfrm>
+          <a:prstGeom prst="straightConnector1">
+            <a:avLst/>
+          </a:prstGeom>
+          <a:ln>
+            <a:tailEnd type="triangle"/>
+          </a:ln>
+        </p:spPr>
+        <p:style>
+          <a:lnRef idx="1">
+            <a:schemeClr val="accent1"/>
+          </a:lnRef>
+          <a:fillRef idx="0">
+            <a:schemeClr val="accent1"/>
+          </a:fillRef>
+          <a:effectRef idx="0">
+            <a:schemeClr val="accent1"/>
+          </a:effectRef>
+          <a:fontRef idx="minor">
+            <a:schemeClr val="tx1"/>
+          </a:fontRef>
+        </p:style>
+      </p:cxnSp>
+      <p:cxnSp>
+        <p:nvCxnSpPr>
+          <p:cNvPr id="21" name="Straight Arrow Connector 20">
+            <a:extLst>
+              <a:ext uri="{FF2B5EF4-FFF2-40B4-BE49-F238E27FC236}">
+                <a16:creationId xmlns:a16="http://schemas.microsoft.com/office/drawing/2014/main" id="{621D7B3B-B241-4450-B61A-82649AB4DDFF}"/>
+              </a:ext>
+            </a:extLst>
+          </p:cNvPr>
+          <p:cNvCxnSpPr>
+            <a:cxnSpLocks/>
+            <a:stCxn id="17" idx="6"/>
+            <a:endCxn id="18" idx="2"/>
+          </p:cNvCxnSpPr>
+          <p:nvPr/>
+        </p:nvCxnSpPr>
+        <p:spPr>
+          <a:xfrm>
+            <a:off x="2133600" y="4274821"/>
+            <a:ext cx="685800" cy="0"/>
+          </a:xfrm>
+          <a:prstGeom prst="straightConnector1">
+            <a:avLst/>
+          </a:prstGeom>
+          <a:ln>
+            <a:tailEnd type="triangle"/>
+          </a:ln>
+        </p:spPr>
+        <p:style>
+          <a:lnRef idx="1">
+            <a:schemeClr val="accent1"/>
+          </a:lnRef>
+          <a:fillRef idx="0">
+            <a:schemeClr val="accent1"/>
+          </a:fillRef>
+          <a:effectRef idx="0">
+            <a:schemeClr val="accent1"/>
+          </a:effectRef>
+          <a:fontRef idx="minor">
+            <a:schemeClr val="tx1"/>
+          </a:fontRef>
+        </p:style>
+      </p:cxnSp>
+      <p:cxnSp>
+        <p:nvCxnSpPr>
+          <p:cNvPr id="22" name="Straight Arrow Connector 21">
+            <a:extLst>
+              <a:ext uri="{FF2B5EF4-FFF2-40B4-BE49-F238E27FC236}">
+                <a16:creationId xmlns:a16="http://schemas.microsoft.com/office/drawing/2014/main" id="{02465ABA-6780-46AE-BDCE-D5242A457934}"/>
+              </a:ext>
+            </a:extLst>
+          </p:cNvPr>
+          <p:cNvCxnSpPr>
+            <a:cxnSpLocks/>
+            <a:stCxn id="18" idx="6"/>
+            <a:endCxn id="19" idx="2"/>
+          </p:cNvCxnSpPr>
+          <p:nvPr/>
+        </p:nvCxnSpPr>
+        <p:spPr>
+          <a:xfrm>
+            <a:off x="3276600" y="4274821"/>
+            <a:ext cx="609600" cy="15240"/>
+          </a:xfrm>
+          <a:prstGeom prst="straightConnector1">
+            <a:avLst/>
+          </a:prstGeom>
+          <a:ln>
+            <a:tailEnd type="triangle"/>
+          </a:ln>
+        </p:spPr>
+        <p:style>
+          <a:lnRef idx="1">
+            <a:schemeClr val="accent1"/>
+          </a:lnRef>
+          <a:fillRef idx="0">
+            <a:schemeClr val="accent1"/>
+          </a:fillRef>
+          <a:effectRef idx="0">
+            <a:schemeClr val="accent1"/>
+          </a:effectRef>
+          <a:fontRef idx="minor">
+            <a:schemeClr val="tx1"/>
+          </a:fontRef>
+        </p:style>
+      </p:cxnSp>
+      <p:sp>
+        <p:nvSpPr>
+          <p:cNvPr id="23" name="Oval 22">
+            <a:extLst>
+              <a:ext uri="{FF2B5EF4-FFF2-40B4-BE49-F238E27FC236}">
+                <a16:creationId xmlns:a16="http://schemas.microsoft.com/office/drawing/2014/main" id="{54D8924C-EFA2-4B28-B91A-72B530CF9C1E}"/>
+              </a:ext>
+            </a:extLst>
+          </p:cNvPr>
+          <p:cNvSpPr/>
+          <p:nvPr/>
+        </p:nvSpPr>
+        <p:spPr>
+          <a:xfrm>
+            <a:off x="2796209" y="4784699"/>
+            <a:ext cx="457200" cy="457200"/>
+          </a:xfrm>
+          <a:prstGeom prst="ellipse">
+            <a:avLst/>
+          </a:prstGeom>
+        </p:spPr>
+        <p:style>
+          <a:lnRef idx="2">
+            <a:schemeClr val="accent1">
+              <a:shade val="50000"/>
+            </a:schemeClr>
+          </a:lnRef>
+          <a:fillRef idx="1">
+            <a:schemeClr val="accent1"/>
+          </a:fillRef>
+          <a:effectRef idx="0">
+            <a:schemeClr val="accent1"/>
+          </a:effectRef>
+          <a:fontRef idx="minor">
+            <a:schemeClr val="lt1"/>
+          </a:fontRef>
+        </p:style>
+        <p:txBody>
+          <a:bodyPr rtlCol="0" anchor="ctr"/>
+          <a:lstStyle/>
+          <a:p>
+            <a:pPr algn="ctr"/>
+            <a:r>
+              <a:rPr lang="en-US" dirty="0"/>
+              <a:t>5</a:t>
+            </a:r>
+          </a:p>
+        </p:txBody>
+      </p:sp>
+      <p:sp>
+        <p:nvSpPr>
+          <p:cNvPr id="24" name="Oval 23">
+            <a:extLst>
+              <a:ext uri="{FF2B5EF4-FFF2-40B4-BE49-F238E27FC236}">
+                <a16:creationId xmlns:a16="http://schemas.microsoft.com/office/drawing/2014/main" id="{758CF69A-739D-4140-AD11-3A648C219FEB}"/>
+              </a:ext>
+            </a:extLst>
+          </p:cNvPr>
+          <p:cNvSpPr/>
+          <p:nvPr/>
+        </p:nvSpPr>
+        <p:spPr>
+          <a:xfrm>
+            <a:off x="3863009" y="4799939"/>
+            <a:ext cx="457200" cy="457200"/>
+          </a:xfrm>
+          <a:prstGeom prst="ellipse">
+            <a:avLst/>
+          </a:prstGeom>
+        </p:spPr>
+        <p:style>
+          <a:lnRef idx="2">
+            <a:schemeClr val="accent1">
+              <a:shade val="50000"/>
+            </a:schemeClr>
+          </a:lnRef>
+          <a:fillRef idx="1">
+            <a:schemeClr val="accent1"/>
+          </a:fillRef>
+          <a:effectRef idx="0">
+            <a:schemeClr val="accent1"/>
+          </a:effectRef>
+          <a:fontRef idx="minor">
+            <a:schemeClr val="lt1"/>
+          </a:fontRef>
+        </p:style>
+        <p:txBody>
+          <a:bodyPr rtlCol="0" anchor="ctr"/>
+          <a:lstStyle/>
+          <a:p>
+            <a:pPr algn="ctr"/>
+            <a:r>
+              <a:rPr lang="en-US" dirty="0"/>
+              <a:t>6</a:t>
+            </a:r>
+          </a:p>
+        </p:txBody>
+      </p:sp>
+      <p:cxnSp>
+        <p:nvCxnSpPr>
+          <p:cNvPr id="25" name="Straight Arrow Connector 24">
+            <a:extLst>
+              <a:ext uri="{FF2B5EF4-FFF2-40B4-BE49-F238E27FC236}">
+                <a16:creationId xmlns:a16="http://schemas.microsoft.com/office/drawing/2014/main" id="{66EDB9D0-1AD7-4986-AB20-3B0564D70E0E}"/>
+              </a:ext>
+            </a:extLst>
+          </p:cNvPr>
+          <p:cNvCxnSpPr>
+            <a:cxnSpLocks/>
+            <a:stCxn id="17" idx="6"/>
+            <a:endCxn id="23" idx="2"/>
+          </p:cNvCxnSpPr>
+          <p:nvPr/>
+        </p:nvCxnSpPr>
+        <p:spPr>
+          <a:xfrm>
+            <a:off x="2133600" y="4274821"/>
+            <a:ext cx="662609" cy="738478"/>
+          </a:xfrm>
+          <a:prstGeom prst="straightConnector1">
+            <a:avLst/>
+          </a:prstGeom>
+          <a:ln>
+            <a:tailEnd type="triangle"/>
+          </a:ln>
+        </p:spPr>
+        <p:style>
+          <a:lnRef idx="1">
+            <a:schemeClr val="accent1"/>
+          </a:lnRef>
+          <a:fillRef idx="0">
+            <a:schemeClr val="accent1"/>
+          </a:fillRef>
+          <a:effectRef idx="0">
+            <a:schemeClr val="accent1"/>
+          </a:effectRef>
+          <a:fontRef idx="minor">
+            <a:schemeClr val="tx1"/>
+          </a:fontRef>
+        </p:style>
+      </p:cxnSp>
+      <p:cxnSp>
+        <p:nvCxnSpPr>
+          <p:cNvPr id="26" name="Straight Arrow Connector 25">
+            <a:extLst>
+              <a:ext uri="{FF2B5EF4-FFF2-40B4-BE49-F238E27FC236}">
+                <a16:creationId xmlns:a16="http://schemas.microsoft.com/office/drawing/2014/main" id="{C6668293-FB7A-4198-8FD6-40E1F4B08836}"/>
+              </a:ext>
+            </a:extLst>
+          </p:cNvPr>
+          <p:cNvCxnSpPr>
+            <a:cxnSpLocks/>
+            <a:stCxn id="23" idx="6"/>
+            <a:endCxn id="24" idx="2"/>
+          </p:cNvCxnSpPr>
+          <p:nvPr/>
+        </p:nvCxnSpPr>
+        <p:spPr>
+          <a:xfrm>
+            <a:off x="3253409" y="5013299"/>
+            <a:ext cx="609600" cy="15240"/>
+          </a:xfrm>
+          <a:prstGeom prst="straightConnector1">
+            <a:avLst/>
+          </a:prstGeom>
+          <a:ln>
+            <a:tailEnd type="triangle"/>
+          </a:ln>
+        </p:spPr>
+        <p:style>
+          <a:lnRef idx="1">
+            <a:schemeClr val="accent1"/>
+          </a:lnRef>
+          <a:fillRef idx="0">
+            <a:schemeClr val="accent1"/>
+          </a:fillRef>
+          <a:effectRef idx="0">
+            <a:schemeClr val="accent1"/>
+          </a:effectRef>
+          <a:fontRef idx="minor">
+            <a:schemeClr val="tx1"/>
+          </a:fontRef>
+        </p:style>
+      </p:cxnSp>
+      <p:sp>
+        <p:nvSpPr>
+          <p:cNvPr id="28" name="Oval 27">
+            <a:extLst>
+              <a:ext uri="{FF2B5EF4-FFF2-40B4-BE49-F238E27FC236}">
+                <a16:creationId xmlns:a16="http://schemas.microsoft.com/office/drawing/2014/main" id="{4DD56538-0980-4E42-B3E3-C305264B82A1}"/>
+              </a:ext>
+            </a:extLst>
+          </p:cNvPr>
+          <p:cNvSpPr/>
+          <p:nvPr/>
+        </p:nvSpPr>
+        <p:spPr>
+          <a:xfrm>
+            <a:off x="609600" y="5507937"/>
+            <a:ext cx="457200" cy="457200"/>
+          </a:xfrm>
+          <a:prstGeom prst="ellipse">
+            <a:avLst/>
+          </a:prstGeom>
+        </p:spPr>
+        <p:style>
+          <a:lnRef idx="2">
+            <a:schemeClr val="accent1">
+              <a:shade val="50000"/>
+            </a:schemeClr>
+          </a:lnRef>
+          <a:fillRef idx="1">
+            <a:schemeClr val="accent1"/>
+          </a:fillRef>
+          <a:effectRef idx="0">
+            <a:schemeClr val="accent1"/>
+          </a:effectRef>
+          <a:fontRef idx="minor">
+            <a:schemeClr val="lt1"/>
+          </a:fontRef>
+        </p:style>
+        <p:txBody>
+          <a:bodyPr rtlCol="0" anchor="ctr"/>
+          <a:lstStyle/>
+          <a:p>
+            <a:pPr algn="ctr"/>
+            <a:r>
+              <a:rPr lang="en-US" dirty="0"/>
+              <a:t>1</a:t>
+            </a:r>
+          </a:p>
+        </p:txBody>
+      </p:sp>
+      <p:sp>
+        <p:nvSpPr>
+          <p:cNvPr id="29" name="Oval 28">
+            <a:extLst>
+              <a:ext uri="{FF2B5EF4-FFF2-40B4-BE49-F238E27FC236}">
+                <a16:creationId xmlns:a16="http://schemas.microsoft.com/office/drawing/2014/main" id="{611679AF-77BA-421B-B95D-A89EE7792B29}"/>
+              </a:ext>
+            </a:extLst>
+          </p:cNvPr>
+          <p:cNvSpPr/>
+          <p:nvPr/>
+        </p:nvSpPr>
+        <p:spPr>
+          <a:xfrm>
+            <a:off x="1676400" y="5507937"/>
+            <a:ext cx="457200" cy="457200"/>
+          </a:xfrm>
+          <a:prstGeom prst="ellipse">
+            <a:avLst/>
+          </a:prstGeom>
+        </p:spPr>
+        <p:style>
+          <a:lnRef idx="2">
+            <a:schemeClr val="accent1">
+              <a:shade val="50000"/>
+            </a:schemeClr>
+          </a:lnRef>
+          <a:fillRef idx="1">
+            <a:schemeClr val="accent1"/>
+          </a:fillRef>
+          <a:effectRef idx="0">
+            <a:schemeClr val="accent1"/>
+          </a:effectRef>
+          <a:fontRef idx="minor">
+            <a:schemeClr val="lt1"/>
+          </a:fontRef>
+        </p:style>
+        <p:txBody>
+          <a:bodyPr rtlCol="0" anchor="ctr"/>
+          <a:lstStyle/>
+          <a:p>
+            <a:pPr algn="ctr"/>
+            <a:r>
+              <a:rPr lang="en-US" dirty="0"/>
+              <a:t>2</a:t>
+            </a:r>
+          </a:p>
+        </p:txBody>
+      </p:sp>
+      <p:sp>
+        <p:nvSpPr>
+          <p:cNvPr id="30" name="Oval 29">
+            <a:extLst>
+              <a:ext uri="{FF2B5EF4-FFF2-40B4-BE49-F238E27FC236}">
+                <a16:creationId xmlns:a16="http://schemas.microsoft.com/office/drawing/2014/main" id="{ECAAC291-7295-4EB1-958B-93CBFDE420C3}"/>
+              </a:ext>
+            </a:extLst>
+          </p:cNvPr>
+          <p:cNvSpPr/>
+          <p:nvPr/>
+        </p:nvSpPr>
+        <p:spPr>
+          <a:xfrm>
+            <a:off x="2819400" y="5410200"/>
+            <a:ext cx="457200" cy="457200"/>
+          </a:xfrm>
+          <a:prstGeom prst="ellipse">
+            <a:avLst/>
+          </a:prstGeom>
+        </p:spPr>
+        <p:style>
+          <a:lnRef idx="2">
+            <a:schemeClr val="accent1">
+              <a:shade val="50000"/>
+            </a:schemeClr>
+          </a:lnRef>
+          <a:fillRef idx="1">
+            <a:schemeClr val="accent1"/>
+          </a:fillRef>
+          <a:effectRef idx="0">
+            <a:schemeClr val="accent1"/>
+          </a:effectRef>
+          <a:fontRef idx="minor">
+            <a:schemeClr val="lt1"/>
+          </a:fontRef>
+        </p:style>
+        <p:txBody>
+          <a:bodyPr rtlCol="0" anchor="ctr"/>
+          <a:lstStyle/>
+          <a:p>
+            <a:pPr algn="ctr"/>
+            <a:r>
+              <a:rPr lang="en-US" dirty="0"/>
+              <a:t>3</a:t>
+            </a:r>
+          </a:p>
+        </p:txBody>
+      </p:sp>
+      <p:sp>
+        <p:nvSpPr>
+          <p:cNvPr id="31" name="Oval 30">
+            <a:extLst>
+              <a:ext uri="{FF2B5EF4-FFF2-40B4-BE49-F238E27FC236}">
+                <a16:creationId xmlns:a16="http://schemas.microsoft.com/office/drawing/2014/main" id="{129E8979-1C30-473B-B0FF-97C5D6FFCB2F}"/>
+              </a:ext>
+            </a:extLst>
+          </p:cNvPr>
+          <p:cNvSpPr/>
+          <p:nvPr/>
+        </p:nvSpPr>
+        <p:spPr>
+          <a:xfrm>
+            <a:off x="3886200" y="5425440"/>
+            <a:ext cx="457200" cy="457200"/>
+          </a:xfrm>
+          <a:prstGeom prst="ellipse">
+            <a:avLst/>
+          </a:prstGeom>
+        </p:spPr>
+        <p:style>
+          <a:lnRef idx="2">
+            <a:schemeClr val="accent1">
+              <a:shade val="50000"/>
+            </a:schemeClr>
+          </a:lnRef>
+          <a:fillRef idx="1">
+            <a:schemeClr val="accent1"/>
+          </a:fillRef>
+          <a:effectRef idx="0">
+            <a:schemeClr val="accent1"/>
+          </a:effectRef>
+          <a:fontRef idx="minor">
+            <a:schemeClr val="lt1"/>
+          </a:fontRef>
+        </p:style>
+        <p:txBody>
+          <a:bodyPr rtlCol="0" anchor="ctr"/>
+          <a:lstStyle/>
+          <a:p>
+            <a:pPr algn="ctr"/>
+            <a:r>
+              <a:rPr lang="en-US" dirty="0"/>
+              <a:t>4</a:t>
+            </a:r>
+          </a:p>
+        </p:txBody>
+      </p:sp>
+      <p:cxnSp>
+        <p:nvCxnSpPr>
+          <p:cNvPr id="32" name="Straight Arrow Connector 31">
+            <a:extLst>
+              <a:ext uri="{FF2B5EF4-FFF2-40B4-BE49-F238E27FC236}">
+                <a16:creationId xmlns:a16="http://schemas.microsoft.com/office/drawing/2014/main" id="{43A038B2-EA7E-44AA-A3D5-164C9559EE7B}"/>
+              </a:ext>
+            </a:extLst>
+          </p:cNvPr>
+          <p:cNvCxnSpPr>
+            <a:stCxn id="28" idx="6"/>
+            <a:endCxn id="29" idx="2"/>
+          </p:cNvCxnSpPr>
+          <p:nvPr/>
+        </p:nvCxnSpPr>
+        <p:spPr>
+          <a:xfrm>
+            <a:off x="1066800" y="5736537"/>
+            <a:ext cx="609600" cy="0"/>
+          </a:xfrm>
+          <a:prstGeom prst="straightConnector1">
+            <a:avLst/>
+          </a:prstGeom>
+          <a:ln>
+            <a:tailEnd type="triangle"/>
+          </a:ln>
+        </p:spPr>
+        <p:style>
+          <a:lnRef idx="1">
+            <a:schemeClr val="accent1"/>
+          </a:lnRef>
+          <a:fillRef idx="0">
+            <a:schemeClr val="accent1"/>
+          </a:fillRef>
+          <a:effectRef idx="0">
+            <a:schemeClr val="accent1"/>
+          </a:effectRef>
+          <a:fontRef idx="minor">
+            <a:schemeClr val="tx1"/>
+          </a:fontRef>
+        </p:style>
+      </p:cxnSp>
+      <p:cxnSp>
+        <p:nvCxnSpPr>
+          <p:cNvPr id="33" name="Straight Arrow Connector 32">
+            <a:extLst>
+              <a:ext uri="{FF2B5EF4-FFF2-40B4-BE49-F238E27FC236}">
+                <a16:creationId xmlns:a16="http://schemas.microsoft.com/office/drawing/2014/main" id="{176758C0-6A5B-47AF-B051-DC9151F383FA}"/>
+              </a:ext>
+            </a:extLst>
+          </p:cNvPr>
+          <p:cNvCxnSpPr>
+            <a:cxnSpLocks/>
+            <a:stCxn id="29" idx="6"/>
+            <a:endCxn id="30" idx="2"/>
+          </p:cNvCxnSpPr>
+          <p:nvPr/>
+        </p:nvCxnSpPr>
+        <p:spPr>
+          <a:xfrm flipV="1">
+            <a:off x="2133600" y="5638800"/>
+            <a:ext cx="685800" cy="97737"/>
+          </a:xfrm>
+          <a:prstGeom prst="straightConnector1">
+            <a:avLst/>
+          </a:prstGeom>
+          <a:ln>
+            <a:tailEnd type="triangle"/>
+          </a:ln>
+        </p:spPr>
+        <p:style>
+          <a:lnRef idx="1">
+            <a:schemeClr val="accent1"/>
+          </a:lnRef>
+          <a:fillRef idx="0">
+            <a:schemeClr val="accent1"/>
+          </a:fillRef>
+          <a:effectRef idx="0">
+            <a:schemeClr val="accent1"/>
+          </a:effectRef>
+          <a:fontRef idx="minor">
+            <a:schemeClr val="tx1"/>
+          </a:fontRef>
+        </p:style>
+      </p:cxnSp>
+      <p:cxnSp>
+        <p:nvCxnSpPr>
+          <p:cNvPr id="34" name="Straight Arrow Connector 33">
+            <a:extLst>
+              <a:ext uri="{FF2B5EF4-FFF2-40B4-BE49-F238E27FC236}">
+                <a16:creationId xmlns:a16="http://schemas.microsoft.com/office/drawing/2014/main" id="{35E76CE9-4B5D-4CE2-9AD0-22FFAE3F5DE6}"/>
+              </a:ext>
+            </a:extLst>
+          </p:cNvPr>
+          <p:cNvCxnSpPr>
+            <a:cxnSpLocks/>
+            <a:stCxn id="30" idx="6"/>
+            <a:endCxn id="31" idx="2"/>
+          </p:cNvCxnSpPr>
+          <p:nvPr/>
+        </p:nvCxnSpPr>
+        <p:spPr>
+          <a:xfrm>
+            <a:off x="3276600" y="5638800"/>
+            <a:ext cx="609600" cy="15240"/>
+          </a:xfrm>
+          <a:prstGeom prst="straightConnector1">
+            <a:avLst/>
+          </a:prstGeom>
+          <a:ln>
+            <a:tailEnd type="triangle"/>
+          </a:ln>
+        </p:spPr>
+        <p:style>
+          <a:lnRef idx="1">
+            <a:schemeClr val="accent1"/>
+          </a:lnRef>
+          <a:fillRef idx="0">
+            <a:schemeClr val="accent1"/>
+          </a:fillRef>
+          <a:effectRef idx="0">
+            <a:schemeClr val="accent1"/>
+          </a:effectRef>
+          <a:fontRef idx="minor">
+            <a:schemeClr val="tx1"/>
+          </a:fontRef>
+        </p:style>
+      </p:cxnSp>
+      <p:sp>
+        <p:nvSpPr>
+          <p:cNvPr id="35" name="Oval 34">
+            <a:extLst>
+              <a:ext uri="{FF2B5EF4-FFF2-40B4-BE49-F238E27FC236}">
+                <a16:creationId xmlns:a16="http://schemas.microsoft.com/office/drawing/2014/main" id="{074EB741-5A5D-4EF1-A977-607CC5141BC3}"/>
+              </a:ext>
+            </a:extLst>
+          </p:cNvPr>
+          <p:cNvSpPr/>
+          <p:nvPr/>
+        </p:nvSpPr>
+        <p:spPr>
+          <a:xfrm>
+            <a:off x="2796209" y="6246415"/>
+            <a:ext cx="457200" cy="457200"/>
+          </a:xfrm>
+          <a:prstGeom prst="ellipse">
+            <a:avLst/>
+          </a:prstGeom>
+        </p:spPr>
+        <p:style>
+          <a:lnRef idx="2">
+            <a:schemeClr val="accent1">
+              <a:shade val="50000"/>
+            </a:schemeClr>
+          </a:lnRef>
+          <a:fillRef idx="1">
+            <a:schemeClr val="accent1"/>
+          </a:fillRef>
+          <a:effectRef idx="0">
+            <a:schemeClr val="accent1"/>
+          </a:effectRef>
+          <a:fontRef idx="minor">
+            <a:schemeClr val="lt1"/>
+          </a:fontRef>
+        </p:style>
+        <p:txBody>
+          <a:bodyPr rtlCol="0" anchor="ctr"/>
+          <a:lstStyle/>
+          <a:p>
+            <a:pPr algn="ctr"/>
+            <a:r>
+              <a:rPr lang="en-US" dirty="0"/>
+              <a:t>5</a:t>
+            </a:r>
+          </a:p>
+        </p:txBody>
+      </p:sp>
+      <p:sp>
+        <p:nvSpPr>
+          <p:cNvPr id="36" name="Oval 35">
+            <a:extLst>
+              <a:ext uri="{FF2B5EF4-FFF2-40B4-BE49-F238E27FC236}">
+                <a16:creationId xmlns:a16="http://schemas.microsoft.com/office/drawing/2014/main" id="{2A74EA34-2564-43AD-98AE-FE4D2B6FDD1C}"/>
+              </a:ext>
+            </a:extLst>
+          </p:cNvPr>
+          <p:cNvSpPr/>
+          <p:nvPr/>
+        </p:nvSpPr>
+        <p:spPr>
+          <a:xfrm>
+            <a:off x="3863009" y="6261655"/>
+            <a:ext cx="457200" cy="457200"/>
+          </a:xfrm>
+          <a:prstGeom prst="ellipse">
+            <a:avLst/>
+          </a:prstGeom>
+        </p:spPr>
+        <p:style>
+          <a:lnRef idx="2">
+            <a:schemeClr val="accent1">
+              <a:shade val="50000"/>
+            </a:schemeClr>
+          </a:lnRef>
+          <a:fillRef idx="1">
+            <a:schemeClr val="accent1"/>
+          </a:fillRef>
+          <a:effectRef idx="0">
+            <a:schemeClr val="accent1"/>
+          </a:effectRef>
+          <a:fontRef idx="minor">
+            <a:schemeClr val="lt1"/>
+          </a:fontRef>
+        </p:style>
+        <p:txBody>
+          <a:bodyPr rtlCol="0" anchor="ctr"/>
+          <a:lstStyle/>
+          <a:p>
+            <a:pPr algn="ctr"/>
+            <a:r>
+              <a:rPr lang="en-US" dirty="0"/>
+              <a:t>6</a:t>
+            </a:r>
+          </a:p>
+        </p:txBody>
+      </p:sp>
+      <p:cxnSp>
+        <p:nvCxnSpPr>
+          <p:cNvPr id="37" name="Straight Arrow Connector 36">
+            <a:extLst>
+              <a:ext uri="{FF2B5EF4-FFF2-40B4-BE49-F238E27FC236}">
+                <a16:creationId xmlns:a16="http://schemas.microsoft.com/office/drawing/2014/main" id="{C4575140-E9AE-4B3E-8295-3BD8FFB31AFA}"/>
+              </a:ext>
+            </a:extLst>
+          </p:cNvPr>
+          <p:cNvCxnSpPr>
+            <a:cxnSpLocks/>
+            <a:stCxn id="29" idx="6"/>
+            <a:endCxn id="35" idx="2"/>
+          </p:cNvCxnSpPr>
+          <p:nvPr/>
+        </p:nvCxnSpPr>
+        <p:spPr>
+          <a:xfrm>
+            <a:off x="2133600" y="5736537"/>
+            <a:ext cx="662609" cy="738478"/>
+          </a:xfrm>
+          <a:prstGeom prst="straightConnector1">
+            <a:avLst/>
+          </a:prstGeom>
+          <a:ln>
+            <a:tailEnd type="triangle"/>
+          </a:ln>
+        </p:spPr>
+        <p:style>
+          <a:lnRef idx="1">
+            <a:schemeClr val="accent1"/>
+          </a:lnRef>
+          <a:fillRef idx="0">
+            <a:schemeClr val="accent1"/>
+          </a:fillRef>
+          <a:effectRef idx="0">
+            <a:schemeClr val="accent1"/>
+          </a:effectRef>
+          <a:fontRef idx="minor">
+            <a:schemeClr val="tx1"/>
+          </a:fontRef>
+        </p:style>
+      </p:cxnSp>
+      <p:cxnSp>
+        <p:nvCxnSpPr>
+          <p:cNvPr id="38" name="Straight Arrow Connector 37">
+            <a:extLst>
+              <a:ext uri="{FF2B5EF4-FFF2-40B4-BE49-F238E27FC236}">
+                <a16:creationId xmlns:a16="http://schemas.microsoft.com/office/drawing/2014/main" id="{CCDC09D8-E4A8-44AF-952D-81962CC12C95}"/>
+              </a:ext>
+            </a:extLst>
+          </p:cNvPr>
+          <p:cNvCxnSpPr>
+            <a:cxnSpLocks/>
+            <a:stCxn id="35" idx="6"/>
+            <a:endCxn id="36" idx="2"/>
+          </p:cNvCxnSpPr>
+          <p:nvPr/>
+        </p:nvCxnSpPr>
+        <p:spPr>
+          <a:xfrm>
+            <a:off x="3253409" y="6475015"/>
+            <a:ext cx="609600" cy="15240"/>
+          </a:xfrm>
+          <a:prstGeom prst="straightConnector1">
+            <a:avLst/>
+          </a:prstGeom>
+          <a:ln>
+            <a:tailEnd type="triangle"/>
+          </a:ln>
+        </p:spPr>
+        <p:style>
+          <a:lnRef idx="1">
+            <a:schemeClr val="accent1"/>
+          </a:lnRef>
+          <a:fillRef idx="0">
+            <a:schemeClr val="accent1"/>
+          </a:fillRef>
+          <a:effectRef idx="0">
+            <a:schemeClr val="accent1"/>
+          </a:effectRef>
+          <a:fontRef idx="minor">
+            <a:schemeClr val="tx1"/>
+          </a:fontRef>
+        </p:style>
+      </p:cxnSp>
+      <p:cxnSp>
+        <p:nvCxnSpPr>
+          <p:cNvPr id="39" name="Straight Arrow Connector 38">
+            <a:extLst>
+              <a:ext uri="{FF2B5EF4-FFF2-40B4-BE49-F238E27FC236}">
+                <a16:creationId xmlns:a16="http://schemas.microsoft.com/office/drawing/2014/main" id="{DDA688BA-A652-4D13-BBFF-1FFB71EAC87C}"/>
+              </a:ext>
+            </a:extLst>
+          </p:cNvPr>
+          <p:cNvCxnSpPr>
+            <a:cxnSpLocks/>
+            <a:stCxn id="29" idx="6"/>
+            <a:endCxn id="36" idx="1"/>
+          </p:cNvCxnSpPr>
+          <p:nvPr/>
+        </p:nvCxnSpPr>
+        <p:spPr>
+          <a:xfrm>
+            <a:off x="2133600" y="5736537"/>
+            <a:ext cx="1796364" cy="592073"/>
+          </a:xfrm>
+          <a:prstGeom prst="straightConnector1">
+            <a:avLst/>
+          </a:prstGeom>
+          <a:ln>
+            <a:tailEnd type="triangle"/>
+          </a:ln>
+        </p:spPr>
+        <p:style>
+          <a:lnRef idx="1">
+            <a:schemeClr val="accent1"/>
+          </a:lnRef>
+          <a:fillRef idx="0">
+            <a:schemeClr val="accent1"/>
+          </a:fillRef>
+          <a:effectRef idx="0">
+            <a:schemeClr val="accent1"/>
+          </a:effectRef>
+          <a:fontRef idx="minor">
+            <a:schemeClr val="tx1"/>
+          </a:fontRef>
+        </p:style>
+      </p:cxnSp>
+      <p:sp>
+        <p:nvSpPr>
+          <p:cNvPr id="42" name="Oval 41">
+            <a:extLst>
+              <a:ext uri="{FF2B5EF4-FFF2-40B4-BE49-F238E27FC236}">
+                <a16:creationId xmlns:a16="http://schemas.microsoft.com/office/drawing/2014/main" id="{2D1042C7-848D-441F-9E1F-DB27577C5D37}"/>
+              </a:ext>
+            </a:extLst>
+          </p:cNvPr>
+          <p:cNvSpPr/>
+          <p:nvPr/>
+        </p:nvSpPr>
+        <p:spPr>
+          <a:xfrm>
+            <a:off x="5002695" y="4290061"/>
+            <a:ext cx="457200" cy="457200"/>
+          </a:xfrm>
+          <a:prstGeom prst="ellipse">
+            <a:avLst/>
+          </a:prstGeom>
+        </p:spPr>
+        <p:style>
+          <a:lnRef idx="2">
+            <a:schemeClr val="accent1">
+              <a:shade val="50000"/>
+            </a:schemeClr>
+          </a:lnRef>
+          <a:fillRef idx="1">
+            <a:schemeClr val="accent1"/>
+          </a:fillRef>
+          <a:effectRef idx="0">
+            <a:schemeClr val="accent1"/>
+          </a:effectRef>
+          <a:fontRef idx="minor">
+            <a:schemeClr val="lt1"/>
+          </a:fontRef>
+        </p:style>
+        <p:txBody>
+          <a:bodyPr rtlCol="0" anchor="ctr"/>
+          <a:lstStyle/>
+          <a:p>
+            <a:pPr algn="ctr"/>
+            <a:r>
+              <a:rPr lang="en-US" dirty="0"/>
+              <a:t>1</a:t>
+            </a:r>
+          </a:p>
+        </p:txBody>
+      </p:sp>
+      <p:sp>
+        <p:nvSpPr>
+          <p:cNvPr id="43" name="Oval 42">
+            <a:extLst>
+              <a:ext uri="{FF2B5EF4-FFF2-40B4-BE49-F238E27FC236}">
+                <a16:creationId xmlns:a16="http://schemas.microsoft.com/office/drawing/2014/main" id="{0EF6948F-4F48-4CAC-B1A6-1F65AD11D090}"/>
+              </a:ext>
+            </a:extLst>
+          </p:cNvPr>
+          <p:cNvSpPr/>
+          <p:nvPr/>
+        </p:nvSpPr>
+        <p:spPr>
+          <a:xfrm>
+            <a:off x="5943600" y="3680460"/>
+            <a:ext cx="457200" cy="457200"/>
+          </a:xfrm>
+          <a:prstGeom prst="ellipse">
+            <a:avLst/>
+          </a:prstGeom>
+        </p:spPr>
+        <p:style>
+          <a:lnRef idx="2">
+            <a:schemeClr val="accent1">
+              <a:shade val="50000"/>
+            </a:schemeClr>
+          </a:lnRef>
+          <a:fillRef idx="1">
+            <a:schemeClr val="accent1"/>
+          </a:fillRef>
+          <a:effectRef idx="0">
+            <a:schemeClr val="accent1"/>
+          </a:effectRef>
+          <a:fontRef idx="minor">
+            <a:schemeClr val="lt1"/>
+          </a:fontRef>
+        </p:style>
+        <p:txBody>
+          <a:bodyPr rtlCol="0" anchor="ctr"/>
+          <a:lstStyle/>
+          <a:p>
+            <a:pPr algn="ctr"/>
+            <a:r>
+              <a:rPr lang="en-US" dirty="0"/>
+              <a:t>2</a:t>
+            </a:r>
+          </a:p>
+        </p:txBody>
+      </p:sp>
+      <p:sp>
+        <p:nvSpPr>
+          <p:cNvPr id="44" name="Oval 43">
+            <a:extLst>
+              <a:ext uri="{FF2B5EF4-FFF2-40B4-BE49-F238E27FC236}">
+                <a16:creationId xmlns:a16="http://schemas.microsoft.com/office/drawing/2014/main" id="{7CE069C8-8377-444D-A500-BA96DD78FB2D}"/>
+              </a:ext>
+            </a:extLst>
+          </p:cNvPr>
+          <p:cNvSpPr/>
+          <p:nvPr/>
+        </p:nvSpPr>
+        <p:spPr>
+          <a:xfrm>
+            <a:off x="7212495" y="3680460"/>
+            <a:ext cx="457200" cy="457200"/>
+          </a:xfrm>
+          <a:prstGeom prst="ellipse">
+            <a:avLst/>
+          </a:prstGeom>
+        </p:spPr>
+        <p:style>
+          <a:lnRef idx="2">
+            <a:schemeClr val="accent1">
+              <a:shade val="50000"/>
+            </a:schemeClr>
+          </a:lnRef>
+          <a:fillRef idx="1">
+            <a:schemeClr val="accent1"/>
+          </a:fillRef>
+          <a:effectRef idx="0">
+            <a:schemeClr val="accent1"/>
+          </a:effectRef>
+          <a:fontRef idx="minor">
+            <a:schemeClr val="lt1"/>
+          </a:fontRef>
+        </p:style>
+        <p:txBody>
+          <a:bodyPr rtlCol="0" anchor="ctr"/>
+          <a:lstStyle/>
+          <a:p>
+            <a:pPr algn="ctr"/>
+            <a:r>
+              <a:rPr lang="en-US" dirty="0"/>
+              <a:t>3</a:t>
+            </a:r>
+          </a:p>
+        </p:txBody>
+      </p:sp>
+      <p:sp>
+        <p:nvSpPr>
+          <p:cNvPr id="45" name="Oval 44">
+            <a:extLst>
+              <a:ext uri="{FF2B5EF4-FFF2-40B4-BE49-F238E27FC236}">
+                <a16:creationId xmlns:a16="http://schemas.microsoft.com/office/drawing/2014/main" id="{BC70844E-C8C7-42B9-A38C-8E4B4B2B04A5}"/>
+              </a:ext>
+            </a:extLst>
+          </p:cNvPr>
+          <p:cNvSpPr/>
+          <p:nvPr/>
+        </p:nvSpPr>
+        <p:spPr>
+          <a:xfrm>
+            <a:off x="7374172" y="4818657"/>
+            <a:ext cx="457200" cy="457200"/>
+          </a:xfrm>
+          <a:prstGeom prst="ellipse">
+            <a:avLst/>
+          </a:prstGeom>
+        </p:spPr>
+        <p:style>
+          <a:lnRef idx="2">
+            <a:schemeClr val="accent1">
+              <a:shade val="50000"/>
+            </a:schemeClr>
+          </a:lnRef>
+          <a:fillRef idx="1">
+            <a:schemeClr val="accent1"/>
+          </a:fillRef>
+          <a:effectRef idx="0">
+            <a:schemeClr val="accent1"/>
+          </a:effectRef>
+          <a:fontRef idx="minor">
+            <a:schemeClr val="lt1"/>
+          </a:fontRef>
+        </p:style>
+        <p:txBody>
+          <a:bodyPr rtlCol="0" anchor="ctr"/>
+          <a:lstStyle/>
+          <a:p>
+            <a:pPr algn="ctr"/>
+            <a:r>
+              <a:rPr lang="en-US" dirty="0"/>
+              <a:t>5</a:t>
+            </a:r>
+          </a:p>
+        </p:txBody>
+      </p:sp>
+      <p:cxnSp>
+        <p:nvCxnSpPr>
+          <p:cNvPr id="46" name="Straight Arrow Connector 45">
+            <a:extLst>
+              <a:ext uri="{FF2B5EF4-FFF2-40B4-BE49-F238E27FC236}">
+                <a16:creationId xmlns:a16="http://schemas.microsoft.com/office/drawing/2014/main" id="{10989A51-2451-4827-9DC5-926051C338BF}"/>
+              </a:ext>
+            </a:extLst>
+          </p:cNvPr>
+          <p:cNvCxnSpPr>
+            <a:stCxn id="42" idx="6"/>
+            <a:endCxn id="43" idx="2"/>
+          </p:cNvCxnSpPr>
+          <p:nvPr/>
+        </p:nvCxnSpPr>
+        <p:spPr>
+          <a:xfrm flipV="1">
+            <a:off x="5459895" y="3909060"/>
+            <a:ext cx="483705" cy="609601"/>
+          </a:xfrm>
+          <a:prstGeom prst="straightConnector1">
+            <a:avLst/>
+          </a:prstGeom>
+          <a:ln>
+            <a:tailEnd type="triangle"/>
+          </a:ln>
+        </p:spPr>
+        <p:style>
+          <a:lnRef idx="1">
+            <a:schemeClr val="accent1"/>
+          </a:lnRef>
+          <a:fillRef idx="0">
+            <a:schemeClr val="accent1"/>
+          </a:fillRef>
+          <a:effectRef idx="0">
+            <a:schemeClr val="accent1"/>
+          </a:effectRef>
+          <a:fontRef idx="minor">
+            <a:schemeClr val="tx1"/>
+          </a:fontRef>
+        </p:style>
+      </p:cxnSp>
+      <p:cxnSp>
+        <p:nvCxnSpPr>
+          <p:cNvPr id="47" name="Straight Arrow Connector 46">
+            <a:extLst>
+              <a:ext uri="{FF2B5EF4-FFF2-40B4-BE49-F238E27FC236}">
+                <a16:creationId xmlns:a16="http://schemas.microsoft.com/office/drawing/2014/main" id="{396C16B2-EAF3-4661-90FC-4B7F35924CFF}"/>
+              </a:ext>
+            </a:extLst>
+          </p:cNvPr>
+          <p:cNvCxnSpPr>
+            <a:cxnSpLocks/>
+            <a:stCxn id="43" idx="6"/>
+            <a:endCxn id="44" idx="2"/>
+          </p:cNvCxnSpPr>
+          <p:nvPr/>
+        </p:nvCxnSpPr>
+        <p:spPr>
+          <a:xfrm>
+            <a:off x="6400800" y="3909060"/>
+            <a:ext cx="811695" cy="0"/>
+          </a:xfrm>
+          <a:prstGeom prst="straightConnector1">
+            <a:avLst/>
+          </a:prstGeom>
+          <a:ln>
+            <a:tailEnd type="triangle"/>
+          </a:ln>
+        </p:spPr>
+        <p:style>
+          <a:lnRef idx="1">
+            <a:schemeClr val="accent1"/>
+          </a:lnRef>
+          <a:fillRef idx="0">
+            <a:schemeClr val="accent1"/>
+          </a:fillRef>
+          <a:effectRef idx="0">
+            <a:schemeClr val="accent1"/>
+          </a:effectRef>
+          <a:fontRef idx="minor">
+            <a:schemeClr val="tx1"/>
+          </a:fontRef>
+        </p:style>
+      </p:cxnSp>
+      <p:cxnSp>
+        <p:nvCxnSpPr>
+          <p:cNvPr id="48" name="Straight Arrow Connector 47">
+            <a:extLst>
+              <a:ext uri="{FF2B5EF4-FFF2-40B4-BE49-F238E27FC236}">
+                <a16:creationId xmlns:a16="http://schemas.microsoft.com/office/drawing/2014/main" id="{1426AD86-4C81-469D-807B-610ACC5D7F54}"/>
+              </a:ext>
+            </a:extLst>
+          </p:cNvPr>
+          <p:cNvCxnSpPr>
+            <a:cxnSpLocks/>
+            <a:stCxn id="44" idx="6"/>
+            <a:endCxn id="50" idx="1"/>
+          </p:cNvCxnSpPr>
+          <p:nvPr/>
+        </p:nvCxnSpPr>
+        <p:spPr>
+          <a:xfrm>
+            <a:off x="7669695" y="3909060"/>
+            <a:ext cx="726250" cy="371755"/>
+          </a:xfrm>
+          <a:prstGeom prst="straightConnector1">
+            <a:avLst/>
+          </a:prstGeom>
+          <a:ln>
+            <a:tailEnd type="triangle"/>
+          </a:ln>
+        </p:spPr>
+        <p:style>
+          <a:lnRef idx="1">
+            <a:schemeClr val="accent1"/>
+          </a:lnRef>
+          <a:fillRef idx="0">
+            <a:schemeClr val="accent1"/>
+          </a:fillRef>
+          <a:effectRef idx="0">
+            <a:schemeClr val="accent1"/>
+          </a:effectRef>
+          <a:fontRef idx="minor">
+            <a:schemeClr val="tx1"/>
+          </a:fontRef>
+        </p:style>
+      </p:cxnSp>
+      <p:sp>
+        <p:nvSpPr>
+          <p:cNvPr id="49" name="Oval 48">
+            <a:extLst>
+              <a:ext uri="{FF2B5EF4-FFF2-40B4-BE49-F238E27FC236}">
+                <a16:creationId xmlns:a16="http://schemas.microsoft.com/office/drawing/2014/main" id="{584762B9-EB3B-45A1-A4E7-5597B9046E08}"/>
+              </a:ext>
+            </a:extLst>
+          </p:cNvPr>
+          <p:cNvSpPr/>
+          <p:nvPr/>
+        </p:nvSpPr>
+        <p:spPr>
+          <a:xfrm>
+            <a:off x="6019800" y="4815510"/>
+            <a:ext cx="457200" cy="457200"/>
+          </a:xfrm>
+          <a:prstGeom prst="ellipse">
+            <a:avLst/>
+          </a:prstGeom>
+        </p:spPr>
+        <p:style>
+          <a:lnRef idx="2">
+            <a:schemeClr val="accent1">
+              <a:shade val="50000"/>
+            </a:schemeClr>
+          </a:lnRef>
+          <a:fillRef idx="1">
+            <a:schemeClr val="accent1"/>
+          </a:fillRef>
+          <a:effectRef idx="0">
+            <a:schemeClr val="accent1"/>
+          </a:effectRef>
+          <a:fontRef idx="minor">
+            <a:schemeClr val="lt1"/>
+          </a:fontRef>
+        </p:style>
+        <p:txBody>
+          <a:bodyPr rtlCol="0" anchor="ctr"/>
+          <a:lstStyle/>
+          <a:p>
+            <a:pPr algn="ctr"/>
+            <a:r>
+              <a:rPr lang="en-US" dirty="0"/>
+              <a:t>4</a:t>
+            </a:r>
+          </a:p>
+        </p:txBody>
+      </p:sp>
+      <p:sp>
+        <p:nvSpPr>
+          <p:cNvPr id="50" name="Oval 49">
+            <a:extLst>
+              <a:ext uri="{FF2B5EF4-FFF2-40B4-BE49-F238E27FC236}">
+                <a16:creationId xmlns:a16="http://schemas.microsoft.com/office/drawing/2014/main" id="{7D68266E-A35C-4D86-9F65-95A2221C73E0}"/>
+              </a:ext>
+            </a:extLst>
+          </p:cNvPr>
+          <p:cNvSpPr/>
+          <p:nvPr/>
+        </p:nvSpPr>
+        <p:spPr>
+          <a:xfrm>
+            <a:off x="8328990" y="4213860"/>
+            <a:ext cx="457200" cy="457200"/>
+          </a:xfrm>
+          <a:prstGeom prst="ellipse">
+            <a:avLst/>
+          </a:prstGeom>
+        </p:spPr>
+        <p:style>
+          <a:lnRef idx="2">
+            <a:schemeClr val="accent1">
+              <a:shade val="50000"/>
+            </a:schemeClr>
+          </a:lnRef>
+          <a:fillRef idx="1">
+            <a:schemeClr val="accent1"/>
+          </a:fillRef>
+          <a:effectRef idx="0">
+            <a:schemeClr val="accent1"/>
+          </a:effectRef>
+          <a:fontRef idx="minor">
+            <a:schemeClr val="lt1"/>
+          </a:fontRef>
+        </p:style>
+        <p:txBody>
+          <a:bodyPr rtlCol="0" anchor="ctr"/>
+          <a:lstStyle/>
+          <a:p>
+            <a:pPr algn="ctr"/>
+            <a:r>
+              <a:rPr lang="en-US" dirty="0"/>
+              <a:t>9</a:t>
+            </a:r>
+          </a:p>
+        </p:txBody>
+      </p:sp>
+      <p:cxnSp>
+        <p:nvCxnSpPr>
+          <p:cNvPr id="51" name="Straight Arrow Connector 50">
+            <a:extLst>
+              <a:ext uri="{FF2B5EF4-FFF2-40B4-BE49-F238E27FC236}">
+                <a16:creationId xmlns:a16="http://schemas.microsoft.com/office/drawing/2014/main" id="{CECEC791-37C0-4373-AF0F-6D7E82657703}"/>
+              </a:ext>
+            </a:extLst>
+          </p:cNvPr>
+          <p:cNvCxnSpPr>
+            <a:cxnSpLocks/>
+            <a:stCxn id="42" idx="6"/>
+            <a:endCxn id="49" idx="2"/>
+          </p:cNvCxnSpPr>
+          <p:nvPr/>
+        </p:nvCxnSpPr>
+        <p:spPr>
+          <a:xfrm>
+            <a:off x="5459895" y="4518661"/>
+            <a:ext cx="559905" cy="525449"/>
+          </a:xfrm>
+          <a:prstGeom prst="straightConnector1">
+            <a:avLst/>
+          </a:prstGeom>
+          <a:ln>
+            <a:tailEnd type="triangle"/>
+          </a:ln>
+        </p:spPr>
+        <p:style>
+          <a:lnRef idx="1">
+            <a:schemeClr val="accent1"/>
+          </a:lnRef>
+          <a:fillRef idx="0">
+            <a:schemeClr val="accent1"/>
+          </a:fillRef>
+          <a:effectRef idx="0">
+            <a:schemeClr val="accent1"/>
+          </a:effectRef>
+          <a:fontRef idx="minor">
+            <a:schemeClr val="tx1"/>
+          </a:fontRef>
+        </p:style>
+      </p:cxnSp>
+      <p:cxnSp>
+        <p:nvCxnSpPr>
+          <p:cNvPr id="52" name="Straight Arrow Connector 51">
+            <a:extLst>
+              <a:ext uri="{FF2B5EF4-FFF2-40B4-BE49-F238E27FC236}">
+                <a16:creationId xmlns:a16="http://schemas.microsoft.com/office/drawing/2014/main" id="{928661EB-F0D2-4AA1-8E2B-95B2CAD4E82A}"/>
+              </a:ext>
+            </a:extLst>
+          </p:cNvPr>
+          <p:cNvCxnSpPr>
+            <a:cxnSpLocks/>
+            <a:stCxn id="49" idx="6"/>
+            <a:endCxn id="45" idx="2"/>
+          </p:cNvCxnSpPr>
+          <p:nvPr/>
+        </p:nvCxnSpPr>
+        <p:spPr>
+          <a:xfrm>
+            <a:off x="6477000" y="5044110"/>
+            <a:ext cx="897172" cy="3147"/>
+          </a:xfrm>
+          <a:prstGeom prst="straightConnector1">
+            <a:avLst/>
+          </a:prstGeom>
+          <a:ln>
+            <a:tailEnd type="triangle"/>
+          </a:ln>
+        </p:spPr>
+        <p:style>
+          <a:lnRef idx="1">
+            <a:schemeClr val="accent1"/>
+          </a:lnRef>
+          <a:fillRef idx="0">
+            <a:schemeClr val="accent1"/>
+          </a:fillRef>
+          <a:effectRef idx="0">
+            <a:schemeClr val="accent1"/>
+          </a:effectRef>
+          <a:fontRef idx="minor">
+            <a:schemeClr val="tx1"/>
+          </a:fontRef>
+        </p:style>
+      </p:cxnSp>
+      <p:cxnSp>
+        <p:nvCxnSpPr>
+          <p:cNvPr id="75" name="Straight Arrow Connector 74">
+            <a:extLst>
+              <a:ext uri="{FF2B5EF4-FFF2-40B4-BE49-F238E27FC236}">
+                <a16:creationId xmlns:a16="http://schemas.microsoft.com/office/drawing/2014/main" id="{421EFCD0-03CF-40BC-8847-CF91F373E8C6}"/>
+              </a:ext>
+            </a:extLst>
+          </p:cNvPr>
+          <p:cNvCxnSpPr>
+            <a:cxnSpLocks/>
+            <a:stCxn id="45" idx="6"/>
+            <a:endCxn id="50" idx="3"/>
+          </p:cNvCxnSpPr>
+          <p:nvPr/>
+        </p:nvCxnSpPr>
+        <p:spPr>
+          <a:xfrm flipV="1">
+            <a:off x="7831372" y="4604105"/>
+            <a:ext cx="564573" cy="443152"/>
+          </a:xfrm>
+          <a:prstGeom prst="straightConnector1">
+            <a:avLst/>
+          </a:prstGeom>
+          <a:ln>
+            <a:tailEnd type="triangle"/>
+          </a:ln>
+        </p:spPr>
+        <p:style>
+          <a:lnRef idx="1">
+            <a:schemeClr val="accent1"/>
+          </a:lnRef>
+          <a:fillRef idx="0">
+            <a:schemeClr val="accent1"/>
+          </a:fillRef>
+          <a:effectRef idx="0">
+            <a:schemeClr val="accent1"/>
+          </a:effectRef>
+          <a:fontRef idx="minor">
+            <a:schemeClr val="tx1"/>
+          </a:fontRef>
+        </p:style>
+      </p:cxnSp>
+      <p:sp>
+        <p:nvSpPr>
+          <p:cNvPr id="79" name="Oval 78">
+            <a:extLst>
+              <a:ext uri="{FF2B5EF4-FFF2-40B4-BE49-F238E27FC236}">
+                <a16:creationId xmlns:a16="http://schemas.microsoft.com/office/drawing/2014/main" id="{4283BD51-B337-4116-AEDE-04640C5B4209}"/>
+              </a:ext>
+            </a:extLst>
+          </p:cNvPr>
+          <p:cNvSpPr/>
+          <p:nvPr/>
+        </p:nvSpPr>
+        <p:spPr>
+          <a:xfrm>
+            <a:off x="7363571" y="5675680"/>
+            <a:ext cx="457200" cy="457200"/>
+          </a:xfrm>
+          <a:prstGeom prst="ellipse">
+            <a:avLst/>
+          </a:prstGeom>
+        </p:spPr>
+        <p:style>
+          <a:lnRef idx="2">
+            <a:schemeClr val="accent1">
+              <a:shade val="50000"/>
+            </a:schemeClr>
+          </a:lnRef>
+          <a:fillRef idx="1">
+            <a:schemeClr val="accent1"/>
+          </a:fillRef>
+          <a:effectRef idx="0">
+            <a:schemeClr val="accent1"/>
+          </a:effectRef>
+          <a:fontRef idx="minor">
+            <a:schemeClr val="lt1"/>
+          </a:fontRef>
+        </p:style>
+        <p:txBody>
+          <a:bodyPr rtlCol="0" anchor="ctr"/>
+          <a:lstStyle/>
+          <a:p>
+            <a:pPr algn="ctr"/>
+            <a:r>
+              <a:rPr lang="en-US" dirty="0"/>
+              <a:t>7</a:t>
+            </a:r>
+          </a:p>
+        </p:txBody>
+      </p:sp>
+      <p:sp>
+        <p:nvSpPr>
+          <p:cNvPr id="80" name="Oval 79">
+            <a:extLst>
+              <a:ext uri="{FF2B5EF4-FFF2-40B4-BE49-F238E27FC236}">
+                <a16:creationId xmlns:a16="http://schemas.microsoft.com/office/drawing/2014/main" id="{11A139C4-12FE-434F-9F8C-DD2CBEB69297}"/>
+              </a:ext>
+            </a:extLst>
+          </p:cNvPr>
+          <p:cNvSpPr/>
+          <p:nvPr/>
+        </p:nvSpPr>
+        <p:spPr>
+          <a:xfrm>
+            <a:off x="6009199" y="5672533"/>
+            <a:ext cx="457200" cy="457200"/>
+          </a:xfrm>
+          <a:prstGeom prst="ellipse">
+            <a:avLst/>
+          </a:prstGeom>
+        </p:spPr>
+        <p:style>
+          <a:lnRef idx="2">
+            <a:schemeClr val="accent1">
+              <a:shade val="50000"/>
+            </a:schemeClr>
+          </a:lnRef>
+          <a:fillRef idx="1">
+            <a:schemeClr val="accent1"/>
+          </a:fillRef>
+          <a:effectRef idx="0">
+            <a:schemeClr val="accent1"/>
+          </a:effectRef>
+          <a:fontRef idx="minor">
+            <a:schemeClr val="lt1"/>
+          </a:fontRef>
+        </p:style>
+        <p:txBody>
+          <a:bodyPr rtlCol="0" anchor="ctr"/>
+          <a:lstStyle/>
+          <a:p>
+            <a:pPr algn="ctr"/>
+            <a:r>
+              <a:rPr lang="en-US" dirty="0"/>
+              <a:t>6</a:t>
+            </a:r>
+          </a:p>
+        </p:txBody>
+      </p:sp>
+      <p:cxnSp>
+        <p:nvCxnSpPr>
+          <p:cNvPr id="81" name="Straight Arrow Connector 80">
+            <a:extLst>
+              <a:ext uri="{FF2B5EF4-FFF2-40B4-BE49-F238E27FC236}">
+                <a16:creationId xmlns:a16="http://schemas.microsoft.com/office/drawing/2014/main" id="{24B3D967-25F1-4E60-ACBE-A521247CCCEF}"/>
+              </a:ext>
+            </a:extLst>
+          </p:cNvPr>
+          <p:cNvCxnSpPr>
+            <a:cxnSpLocks/>
+            <a:stCxn id="42" idx="5"/>
+            <a:endCxn id="80" idx="2"/>
+          </p:cNvCxnSpPr>
+          <p:nvPr/>
+        </p:nvCxnSpPr>
+        <p:spPr>
+          <a:xfrm>
+            <a:off x="5392940" y="4680306"/>
+            <a:ext cx="616259" cy="1220827"/>
+          </a:xfrm>
+          <a:prstGeom prst="straightConnector1">
+            <a:avLst/>
+          </a:prstGeom>
+          <a:ln>
+            <a:tailEnd type="triangle"/>
+          </a:ln>
+        </p:spPr>
+        <p:style>
+          <a:lnRef idx="1">
+            <a:schemeClr val="accent1"/>
+          </a:lnRef>
+          <a:fillRef idx="0">
+            <a:schemeClr val="accent1"/>
+          </a:fillRef>
+          <a:effectRef idx="0">
+            <a:schemeClr val="accent1"/>
+          </a:effectRef>
+          <a:fontRef idx="minor">
+            <a:schemeClr val="tx1"/>
+          </a:fontRef>
+        </p:style>
+      </p:cxnSp>
+      <p:cxnSp>
+        <p:nvCxnSpPr>
+          <p:cNvPr id="82" name="Straight Arrow Connector 81">
+            <a:extLst>
+              <a:ext uri="{FF2B5EF4-FFF2-40B4-BE49-F238E27FC236}">
+                <a16:creationId xmlns:a16="http://schemas.microsoft.com/office/drawing/2014/main" id="{DAC5254E-B13B-45EF-8C20-75D5F5E2256D}"/>
+              </a:ext>
+            </a:extLst>
+          </p:cNvPr>
+          <p:cNvCxnSpPr>
+            <a:cxnSpLocks/>
+            <a:stCxn id="80" idx="6"/>
+            <a:endCxn id="79" idx="2"/>
+          </p:cNvCxnSpPr>
+          <p:nvPr/>
+        </p:nvCxnSpPr>
+        <p:spPr>
+          <a:xfrm>
+            <a:off x="6466399" y="5901133"/>
+            <a:ext cx="897172" cy="3147"/>
+          </a:xfrm>
+          <a:prstGeom prst="straightConnector1">
+            <a:avLst/>
+          </a:prstGeom>
+          <a:ln>
+            <a:tailEnd type="triangle"/>
+          </a:ln>
+        </p:spPr>
+        <p:style>
+          <a:lnRef idx="1">
+            <a:schemeClr val="accent1"/>
+          </a:lnRef>
+          <a:fillRef idx="0">
+            <a:schemeClr val="accent1"/>
+          </a:fillRef>
+          <a:effectRef idx="0">
+            <a:schemeClr val="accent1"/>
+          </a:effectRef>
+          <a:fontRef idx="minor">
+            <a:schemeClr val="tx1"/>
+          </a:fontRef>
+        </p:style>
+      </p:cxnSp>
+      <p:cxnSp>
+        <p:nvCxnSpPr>
+          <p:cNvPr id="83" name="Straight Arrow Connector 82">
+            <a:extLst>
+              <a:ext uri="{FF2B5EF4-FFF2-40B4-BE49-F238E27FC236}">
+                <a16:creationId xmlns:a16="http://schemas.microsoft.com/office/drawing/2014/main" id="{46C1A43F-97B1-4E8B-AA2B-F00B58F3DF1E}"/>
+              </a:ext>
+            </a:extLst>
+          </p:cNvPr>
+          <p:cNvCxnSpPr>
+            <a:cxnSpLocks/>
+            <a:stCxn id="79" idx="6"/>
+            <a:endCxn id="50" idx="4"/>
+          </p:cNvCxnSpPr>
+          <p:nvPr/>
+        </p:nvCxnSpPr>
+        <p:spPr>
+          <a:xfrm flipV="1">
+            <a:off x="7820771" y="4671060"/>
+            <a:ext cx="736819" cy="1233220"/>
+          </a:xfrm>
+          <a:prstGeom prst="straightConnector1">
+            <a:avLst/>
+          </a:prstGeom>
+          <a:ln>
+            <a:tailEnd type="triangle"/>
+          </a:ln>
+        </p:spPr>
+        <p:style>
+          <a:lnRef idx="1">
+            <a:schemeClr val="accent1"/>
+          </a:lnRef>
+          <a:fillRef idx="0">
+            <a:schemeClr val="accent1"/>
+          </a:fillRef>
+          <a:effectRef idx="0">
+            <a:schemeClr val="accent1"/>
+          </a:effectRef>
+          <a:fontRef idx="minor">
+            <a:schemeClr val="tx1"/>
+          </a:fontRef>
+        </p:style>
+      </p:cxnSp>
+      <p:cxnSp>
+        <p:nvCxnSpPr>
+          <p:cNvPr id="86" name="Straight Arrow Connector 85">
+            <a:extLst>
+              <a:ext uri="{FF2B5EF4-FFF2-40B4-BE49-F238E27FC236}">
+                <a16:creationId xmlns:a16="http://schemas.microsoft.com/office/drawing/2014/main" id="{5E0A2D11-A2BB-434E-B7DE-7F5F97919186}"/>
+              </a:ext>
+            </a:extLst>
+          </p:cNvPr>
+          <p:cNvCxnSpPr>
+            <a:cxnSpLocks/>
+            <a:stCxn id="49" idx="5"/>
+            <a:endCxn id="79" idx="1"/>
+          </p:cNvCxnSpPr>
+          <p:nvPr/>
+        </p:nvCxnSpPr>
+        <p:spPr>
+          <a:xfrm>
+            <a:off x="6410045" y="5205755"/>
+            <a:ext cx="1020481" cy="536880"/>
+          </a:xfrm>
+          <a:prstGeom prst="straightConnector1">
+            <a:avLst/>
+          </a:prstGeom>
+          <a:ln>
+            <a:tailEnd type="triangle"/>
+          </a:ln>
+        </p:spPr>
+        <p:style>
+          <a:lnRef idx="1">
+            <a:schemeClr val="accent1"/>
+          </a:lnRef>
+          <a:fillRef idx="0">
+            <a:schemeClr val="accent1"/>
+          </a:fillRef>
+          <a:effectRef idx="0">
+            <a:schemeClr val="accent1"/>
+          </a:effectRef>
+          <a:fontRef idx="minor">
+            <a:schemeClr val="tx1"/>
+          </a:fontRef>
+        </p:style>
+      </p:cxnSp>
+      <p:cxnSp>
+        <p:nvCxnSpPr>
+          <p:cNvPr id="89" name="Straight Arrow Connector 88">
+            <a:extLst>
+              <a:ext uri="{FF2B5EF4-FFF2-40B4-BE49-F238E27FC236}">
+                <a16:creationId xmlns:a16="http://schemas.microsoft.com/office/drawing/2014/main" id="{76A61777-6C1A-4315-B4B5-470C7065FEDF}"/>
+              </a:ext>
+            </a:extLst>
+          </p:cNvPr>
+          <p:cNvCxnSpPr>
+            <a:cxnSpLocks/>
+            <a:stCxn id="43" idx="5"/>
+            <a:endCxn id="45" idx="1"/>
+          </p:cNvCxnSpPr>
+          <p:nvPr/>
+        </p:nvCxnSpPr>
+        <p:spPr>
+          <a:xfrm>
+            <a:off x="6333845" y="4070705"/>
+            <a:ext cx="1107282" cy="814907"/>
+          </a:xfrm>
+          <a:prstGeom prst="straightConnector1">
+            <a:avLst/>
+          </a:prstGeom>
+          <a:ln>
+            <a:tailEnd type="triangle"/>
+          </a:ln>
+        </p:spPr>
+        <p:style>
+          <a:lnRef idx="1">
+            <a:schemeClr val="accent1"/>
+          </a:lnRef>
+          <a:fillRef idx="0">
+            <a:schemeClr val="accent1"/>
+          </a:fillRef>
+          <a:effectRef idx="0">
+            <a:schemeClr val="accent1"/>
+          </a:effectRef>
+          <a:fontRef idx="minor">
+            <a:schemeClr val="tx1"/>
+          </a:fontRef>
+        </p:style>
+      </p:cxnSp>
+    </p:spTree>
+    <p:extLst>
+      <p:ext uri="{BB962C8B-B14F-4D97-AF65-F5344CB8AC3E}">
+        <p14:creationId xmlns:p14="http://schemas.microsoft.com/office/powerpoint/2010/main" val="4048942356"/>
+      </p:ext>
+    </p:extLst>
+  </p:cSld>
+  <p:clrMapOvr>
+    <a:masterClrMapping/>
+  </p:clrMapOvr>
+</p:sld>
+</file>
+
+<file path=ppt/slides/slide48.xml><?xml version="1.0" encoding="utf-8"?>
+<p:sld xmlns:a="http://schemas.openxmlformats.org/drawingml/2006/main" xmlns:r="http://schemas.openxmlformats.org/officeDocument/2006/relationships" xmlns:p="http://schemas.openxmlformats.org/presentationml/2006/main">
+  <p:cSld>
+    <p:spTree>
+      <p:nvGrpSpPr>
+        <p:cNvPr id="1" name=""/>
+        <p:cNvGrpSpPr/>
+        <p:nvPr/>
+      </p:nvGrpSpPr>
+      <p:grpSpPr>
+        <a:xfrm>
+          <a:off x="0" y="0"/>
+          <a:ext cx="0" cy="0"/>
+          <a:chOff x="0" y="0"/>
+          <a:chExt cx="0" cy="0"/>
+        </a:xfrm>
+      </p:grpSpPr>
+      <p:sp>
+        <p:nvSpPr>
           <p:cNvPr id="14337" name="Title 1"/>
           <p:cNvSpPr>
             <a:spLocks noGrp="1"/>
@@ -25223,14 +27577,14 @@
           <a:noFill/>
           <a:extLst>
             <a:ext uri="{909E8E84-426E-40dd-AFC4-6F175D3DCCD1}">
-              <a14:hiddenFill xmlns="" xmlns:a14="http://schemas.microsoft.com/office/drawing/2010/main">
+              <a14:hiddenFill xmlns:a14="http://schemas.microsoft.com/office/drawing/2010/main" xmlns="">
                 <a:solidFill>
                   <a:srgbClr val="FFFFFF"/>
                 </a:solidFill>
               </a14:hiddenFill>
             </a:ext>
             <a:ext uri="{91240B29-F687-4f45-9708-019B960494DF}">
-              <a14:hiddenLine xmlns="" xmlns:a14="http://schemas.microsoft.com/office/drawing/2010/main" w="9525">
+              <a14:hiddenLine xmlns:a14="http://schemas.microsoft.com/office/drawing/2010/main" xmlns="" w="9525">
                 <a:solidFill>
                   <a:srgbClr val="000000"/>
                 </a:solidFill>
@@ -25240,7 +27594,7 @@
               </a14:hiddenLine>
             </a:ext>
             <a:ext uri="{FAA26D3D-D897-4be2-8F04-BA451C77F1D7}">
-              <ma14:placeholderFlag xmlns="" xmlns:ma14="http://schemas.microsoft.com/office/mac/drawingml/2011/main" val="1"/>
+              <ma14:placeholderFlag xmlns:ma14="http://schemas.microsoft.com/office/mac/drawingml/2011/main" xmlns="" val="1"/>
             </a:ext>
           </a:extLst>
         </p:spPr>
@@ -25276,14 +27630,14 @@
           <a:noFill/>
           <a:extLst>
             <a:ext uri="{909E8E84-426E-40dd-AFC4-6F175D3DCCD1}">
-              <a14:hiddenFill xmlns="" xmlns:a14="http://schemas.microsoft.com/office/drawing/2010/main">
+              <a14:hiddenFill xmlns:a14="http://schemas.microsoft.com/office/drawing/2010/main" xmlns="">
                 <a:solidFill>
                   <a:srgbClr val="FFFFFF"/>
                 </a:solidFill>
               </a14:hiddenFill>
             </a:ext>
             <a:ext uri="{91240B29-F687-4f45-9708-019B960494DF}">
-              <a14:hiddenLine xmlns="" xmlns:a14="http://schemas.microsoft.com/office/drawing/2010/main" w="9525">
+              <a14:hiddenLine xmlns:a14="http://schemas.microsoft.com/office/drawing/2010/main" xmlns="" w="9525">
                 <a:solidFill>
                   <a:srgbClr val="000000"/>
                 </a:solidFill>
@@ -25293,7 +27647,7 @@
               </a14:hiddenLine>
             </a:ext>
             <a:ext uri="{FAA26D3D-D897-4be2-8F04-BA451C77F1D7}">
-              <ma14:placeholderFlag xmlns="" xmlns:ma14="http://schemas.microsoft.com/office/mac/drawingml/2011/main" val="1"/>
+              <ma14:placeholderFlag xmlns:ma14="http://schemas.microsoft.com/office/mac/drawingml/2011/main" xmlns="" val="1"/>
             </a:ext>
           </a:extLst>
         </p:spPr>

--- a/dsa2017-java-online/handouts/data-day07-graph/Lecture 12 - Chapter 08 - Graphs - Part 1.pptx
+++ b/dsa2017-java-online/handouts/data-day07-graph/Lecture 12 - Chapter 08 - Graphs - Part 1.pptx
@@ -5,7 +5,7 @@
     <p:sldMasterId id="2147483648" r:id="rId1"/>
   </p:sldMasterIdLst>
   <p:notesMasterIdLst>
-    <p:notesMasterId r:id="rId50"/>
+    <p:notesMasterId r:id="rId51"/>
   </p:notesMasterIdLst>
   <p:sldIdLst>
     <p:sldId id="279" r:id="rId2"/>
@@ -55,7 +55,8 @@
     <p:sldId id="328" r:id="rId46"/>
     <p:sldId id="329" r:id="rId47"/>
     <p:sldId id="332" r:id="rId48"/>
-    <p:sldId id="283" r:id="rId49"/>
+    <p:sldId id="333" r:id="rId49"/>
+    <p:sldId id="283" r:id="rId50"/>
   </p:sldIdLst>
   <p:sldSz cx="9144000" cy="6858000" type="screen4x3"/>
   <p:notesSz cx="6858000" cy="9144000"/>
@@ -729,7 +730,7 @@
           <a:p>
             <a:fld id="{0F700D64-C8A8-F44C-A3D6-898140BB9211}" type="slidenum">
               <a:rPr lang="en-US" smtClean="0"/>
-              <a:t>48</a:t>
+              <a:t>49</a:t>
             </a:fld>
             <a:endParaRPr lang="en-US"/>
           </a:p>
@@ -4564,7 +4565,7 @@
           <a:graphicData uri="http://schemas.openxmlformats.org/presentationml/2006/ole">
             <mc:AlternateContent xmlns:mc="http://schemas.openxmlformats.org/markup-compatibility/2006">
               <mc:Choice xmlns:v="urn:schemas-microsoft-com:vml" Requires="v">
-                <p:oleObj spid="_x0000_s1312" name="Equation" r:id="rId3" imgW="1244600" imgH="203200" progId="Equation.3">
+                <p:oleObj spid="_x0000_s1313" name="Equation" r:id="rId3" imgW="1244600" imgH="203200" progId="Equation.3">
                   <p:embed/>
                 </p:oleObj>
               </mc:Choice>
@@ -26683,7 +26684,7 @@
         </p:nvSpPr>
         <p:spPr>
           <a:xfrm>
-            <a:off x="5002695" y="4290061"/>
+            <a:off x="4862854" y="4543478"/>
             <a:ext cx="457200" cy="457200"/>
           </a:xfrm>
           <a:prstGeom prst="ellipse">
@@ -26830,7 +26831,7 @@
         </p:nvSpPr>
         <p:spPr>
           <a:xfrm>
-            <a:off x="7374172" y="4818657"/>
+            <a:off x="7239000" y="4572000"/>
             <a:ext cx="457200" cy="457200"/>
           </a:xfrm>
           <a:prstGeom prst="ellipse">
@@ -26875,15 +26876,16 @@
             </a:extLst>
           </p:cNvPr>
           <p:cNvCxnSpPr>
-            <a:stCxn id="42" idx="6"/>
-            <a:endCxn id="43" idx="2"/>
+            <a:cxnSpLocks/>
+            <a:stCxn id="42" idx="7"/>
+            <a:endCxn id="43" idx="3"/>
           </p:cNvCxnSpPr>
           <p:nvPr/>
         </p:nvCxnSpPr>
         <p:spPr>
           <a:xfrm flipV="1">
-            <a:off x="5459895" y="3909060"/>
-            <a:ext cx="483705" cy="609601"/>
+            <a:off x="5253099" y="4070705"/>
+            <a:ext cx="757456" cy="539728"/>
           </a:xfrm>
           <a:prstGeom prst="straightConnector1">
             <a:avLst/>
@@ -26969,7 +26971,7 @@
         <p:spPr>
           <a:xfrm>
             <a:off x="7669695" y="3909060"/>
-            <a:ext cx="726250" cy="371755"/>
+            <a:ext cx="703060" cy="653695"/>
           </a:xfrm>
           <a:prstGeom prst="straightConnector1">
             <a:avLst/>
@@ -27007,7 +27009,7 @@
         </p:nvSpPr>
         <p:spPr>
           <a:xfrm>
-            <a:off x="6019800" y="4815510"/>
+            <a:off x="6019800" y="4648200"/>
             <a:ext cx="457200" cy="457200"/>
           </a:xfrm>
           <a:prstGeom prst="ellipse">
@@ -27056,7 +27058,7 @@
         </p:nvSpPr>
         <p:spPr>
           <a:xfrm>
-            <a:off x="8328990" y="4213860"/>
+            <a:off x="8305800" y="4495800"/>
             <a:ext cx="457200" cy="457200"/>
           </a:xfrm>
           <a:prstGeom prst="ellipse">
@@ -27109,8 +27111,8 @@
         </p:nvCxnSpPr>
         <p:spPr>
           <a:xfrm>
-            <a:off x="5459895" y="4518661"/>
-            <a:ext cx="559905" cy="525449"/>
+            <a:off x="5320054" y="4772078"/>
+            <a:ext cx="699746" cy="104722"/>
           </a:xfrm>
           <a:prstGeom prst="straightConnector1">
             <a:avLst/>
@@ -27151,9 +27153,9 @@
           <p:nvPr/>
         </p:nvCxnSpPr>
         <p:spPr>
-          <a:xfrm>
-            <a:off x="6477000" y="5044110"/>
-            <a:ext cx="897172" cy="3147"/>
+          <a:xfrm flipV="1">
+            <a:off x="6477000" y="4800600"/>
+            <a:ext cx="762000" cy="76200"/>
           </a:xfrm>
           <a:prstGeom prst="straightConnector1">
             <a:avLst/>
@@ -27189,14 +27191,14 @@
           <p:cNvCxnSpPr>
             <a:cxnSpLocks/>
             <a:stCxn id="45" idx="6"/>
-            <a:endCxn id="50" idx="3"/>
+            <a:endCxn id="50" idx="2"/>
           </p:cNvCxnSpPr>
           <p:nvPr/>
         </p:nvCxnSpPr>
         <p:spPr>
           <a:xfrm flipV="1">
-            <a:off x="7831372" y="4604105"/>
-            <a:ext cx="564573" cy="443152"/>
+            <a:off x="7696200" y="4724400"/>
+            <a:ext cx="609600" cy="76200"/>
           </a:xfrm>
           <a:prstGeom prst="straightConnector1">
             <a:avLst/>
@@ -27234,7 +27236,7 @@
         </p:nvSpPr>
         <p:spPr>
           <a:xfrm>
-            <a:off x="7363571" y="5675680"/>
+            <a:off x="7363571" y="5486400"/>
             <a:ext cx="457200" cy="457200"/>
           </a:xfrm>
           <a:prstGeom prst="ellipse">
@@ -27336,8 +27338,8 @@
         </p:nvCxnSpPr>
         <p:spPr>
           <a:xfrm>
-            <a:off x="5392940" y="4680306"/>
-            <a:ext cx="616259" cy="1220827"/>
+            <a:off x="5253099" y="4933723"/>
+            <a:ext cx="756100" cy="967410"/>
           </a:xfrm>
           <a:prstGeom prst="straightConnector1">
             <a:avLst/>
@@ -27378,9 +27380,9 @@
           <p:nvPr/>
         </p:nvCxnSpPr>
         <p:spPr>
-          <a:xfrm>
-            <a:off x="6466399" y="5901133"/>
-            <a:ext cx="897172" cy="3147"/>
+          <a:xfrm flipV="1">
+            <a:off x="6466399" y="5715000"/>
+            <a:ext cx="897172" cy="186133"/>
           </a:xfrm>
           <a:prstGeom prst="straightConnector1">
             <a:avLst/>
@@ -27416,14 +27418,14 @@
           <p:cNvCxnSpPr>
             <a:cxnSpLocks/>
             <a:stCxn id="79" idx="6"/>
-            <a:endCxn id="50" idx="4"/>
+            <a:endCxn id="50" idx="3"/>
           </p:cNvCxnSpPr>
           <p:nvPr/>
         </p:nvCxnSpPr>
         <p:spPr>
           <a:xfrm flipV="1">
-            <a:off x="7820771" y="4671060"/>
-            <a:ext cx="736819" cy="1233220"/>
+            <a:off x="7820771" y="4886045"/>
+            <a:ext cx="551984" cy="828955"/>
           </a:xfrm>
           <a:prstGeom prst="straightConnector1">
             <a:avLst/>
@@ -27465,8 +27467,8 @@
         </p:nvCxnSpPr>
         <p:spPr>
           <a:xfrm>
-            <a:off x="6410045" y="5205755"/>
-            <a:ext cx="1020481" cy="536880"/>
+            <a:off x="6410045" y="5038445"/>
+            <a:ext cx="1020481" cy="514910"/>
           </a:xfrm>
           <a:prstGeom prst="straightConnector1">
             <a:avLst/>
@@ -27509,7 +27511,7 @@
         <p:spPr>
           <a:xfrm>
             <a:off x="6333845" y="4070705"/>
-            <a:ext cx="1107282" cy="814907"/>
+            <a:ext cx="972110" cy="568250"/>
           </a:xfrm>
           <a:prstGeom prst="straightConnector1">
             <a:avLst/>
@@ -27547,6 +27549,1587 @@
 </file>
 
 <file path=ppt/slides/slide48.xml><?xml version="1.0" encoding="utf-8"?>
+<p:sld xmlns:a="http://schemas.openxmlformats.org/drawingml/2006/main" xmlns:r="http://schemas.openxmlformats.org/officeDocument/2006/relationships" xmlns:p="http://schemas.openxmlformats.org/presentationml/2006/main">
+  <p:cSld>
+    <p:spTree>
+      <p:nvGrpSpPr>
+        <p:cNvPr id="1" name=""/>
+        <p:cNvGrpSpPr/>
+        <p:nvPr/>
+      </p:nvGrpSpPr>
+      <p:grpSpPr>
+        <a:xfrm>
+          <a:off x="0" y="0"/>
+          <a:ext cx="0" cy="0"/>
+          <a:chOff x="0" y="0"/>
+          <a:chExt cx="0" cy="0"/>
+        </a:xfrm>
+      </p:grpSpPr>
+      <p:sp>
+        <p:nvSpPr>
+          <p:cNvPr id="2" name="Title 1">
+            <a:extLst>
+              <a:ext uri="{FF2B5EF4-FFF2-40B4-BE49-F238E27FC236}">
+                <a16:creationId xmlns:a16="http://schemas.microsoft.com/office/drawing/2014/main" id="{CD4E5145-9257-4598-A095-97EB443132ED}"/>
+              </a:ext>
+            </a:extLst>
+          </p:cNvPr>
+          <p:cNvSpPr>
+            <a:spLocks noGrp="1"/>
+          </p:cNvSpPr>
+          <p:nvPr>
+            <p:ph type="title"/>
+          </p:nvPr>
+        </p:nvSpPr>
+        <p:spPr/>
+        <p:txBody>
+          <a:bodyPr/>
+          <a:lstStyle/>
+          <a:p>
+            <a:r>
+              <a:rPr lang="en-US" dirty="0"/>
+              <a:t>More tests on chains</a:t>
+            </a:r>
+          </a:p>
+        </p:txBody>
+      </p:sp>
+      <p:sp>
+        <p:nvSpPr>
+          <p:cNvPr id="4" name="Oval 3">
+            <a:extLst>
+              <a:ext uri="{FF2B5EF4-FFF2-40B4-BE49-F238E27FC236}">
+                <a16:creationId xmlns:a16="http://schemas.microsoft.com/office/drawing/2014/main" id="{F8DEE5D8-43E6-4B15-BD27-00A5B2C3A78D}"/>
+              </a:ext>
+            </a:extLst>
+          </p:cNvPr>
+          <p:cNvSpPr/>
+          <p:nvPr/>
+        </p:nvSpPr>
+        <p:spPr>
+          <a:xfrm>
+            <a:off x="609600" y="2560320"/>
+            <a:ext cx="457200" cy="457200"/>
+          </a:xfrm>
+          <a:prstGeom prst="ellipse">
+            <a:avLst/>
+          </a:prstGeom>
+        </p:spPr>
+        <p:style>
+          <a:lnRef idx="2">
+            <a:schemeClr val="accent1">
+              <a:shade val="50000"/>
+            </a:schemeClr>
+          </a:lnRef>
+          <a:fillRef idx="1">
+            <a:schemeClr val="accent1"/>
+          </a:fillRef>
+          <a:effectRef idx="0">
+            <a:schemeClr val="accent1"/>
+          </a:effectRef>
+          <a:fontRef idx="minor">
+            <a:schemeClr val="lt1"/>
+          </a:fontRef>
+        </p:style>
+        <p:txBody>
+          <a:bodyPr rtlCol="0" anchor="ctr"/>
+          <a:lstStyle/>
+          <a:p>
+            <a:pPr algn="ctr"/>
+            <a:r>
+              <a:rPr lang="en-US" dirty="0"/>
+              <a:t>1</a:t>
+            </a:r>
+          </a:p>
+        </p:txBody>
+      </p:sp>
+      <p:sp>
+        <p:nvSpPr>
+          <p:cNvPr id="5" name="Oval 4">
+            <a:extLst>
+              <a:ext uri="{FF2B5EF4-FFF2-40B4-BE49-F238E27FC236}">
+                <a16:creationId xmlns:a16="http://schemas.microsoft.com/office/drawing/2014/main" id="{A3998014-8CE7-466B-AB19-89B56CA38D1A}"/>
+              </a:ext>
+            </a:extLst>
+          </p:cNvPr>
+          <p:cNvSpPr/>
+          <p:nvPr/>
+        </p:nvSpPr>
+        <p:spPr>
+          <a:xfrm>
+            <a:off x="1676400" y="2560320"/>
+            <a:ext cx="457200" cy="457200"/>
+          </a:xfrm>
+          <a:prstGeom prst="ellipse">
+            <a:avLst/>
+          </a:prstGeom>
+        </p:spPr>
+        <p:style>
+          <a:lnRef idx="2">
+            <a:schemeClr val="accent1">
+              <a:shade val="50000"/>
+            </a:schemeClr>
+          </a:lnRef>
+          <a:fillRef idx="1">
+            <a:schemeClr val="accent1"/>
+          </a:fillRef>
+          <a:effectRef idx="0">
+            <a:schemeClr val="accent1"/>
+          </a:effectRef>
+          <a:fontRef idx="minor">
+            <a:schemeClr val="lt1"/>
+          </a:fontRef>
+        </p:style>
+        <p:txBody>
+          <a:bodyPr rtlCol="0" anchor="ctr"/>
+          <a:lstStyle/>
+          <a:p>
+            <a:pPr algn="ctr"/>
+            <a:r>
+              <a:rPr lang="en-US" dirty="0"/>
+              <a:t>2</a:t>
+            </a:r>
+          </a:p>
+        </p:txBody>
+      </p:sp>
+      <p:sp>
+        <p:nvSpPr>
+          <p:cNvPr id="6" name="Oval 5">
+            <a:extLst>
+              <a:ext uri="{FF2B5EF4-FFF2-40B4-BE49-F238E27FC236}">
+                <a16:creationId xmlns:a16="http://schemas.microsoft.com/office/drawing/2014/main" id="{94BBF443-A06E-4F74-B029-D26F59F7AA43}"/>
+              </a:ext>
+            </a:extLst>
+          </p:cNvPr>
+          <p:cNvSpPr/>
+          <p:nvPr/>
+        </p:nvSpPr>
+        <p:spPr>
+          <a:xfrm>
+            <a:off x="2819400" y="2560320"/>
+            <a:ext cx="457200" cy="457200"/>
+          </a:xfrm>
+          <a:prstGeom prst="ellipse">
+            <a:avLst/>
+          </a:prstGeom>
+        </p:spPr>
+        <p:style>
+          <a:lnRef idx="2">
+            <a:schemeClr val="accent1">
+              <a:shade val="50000"/>
+            </a:schemeClr>
+          </a:lnRef>
+          <a:fillRef idx="1">
+            <a:schemeClr val="accent1"/>
+          </a:fillRef>
+          <a:effectRef idx="0">
+            <a:schemeClr val="accent1"/>
+          </a:effectRef>
+          <a:fontRef idx="minor">
+            <a:schemeClr val="lt1"/>
+          </a:fontRef>
+        </p:style>
+        <p:txBody>
+          <a:bodyPr rtlCol="0" anchor="ctr"/>
+          <a:lstStyle/>
+          <a:p>
+            <a:pPr algn="ctr"/>
+            <a:r>
+              <a:rPr lang="en-US" dirty="0"/>
+              <a:t>3</a:t>
+            </a:r>
+          </a:p>
+        </p:txBody>
+      </p:sp>
+      <p:sp>
+        <p:nvSpPr>
+          <p:cNvPr id="7" name="Oval 6">
+            <a:extLst>
+              <a:ext uri="{FF2B5EF4-FFF2-40B4-BE49-F238E27FC236}">
+                <a16:creationId xmlns:a16="http://schemas.microsoft.com/office/drawing/2014/main" id="{9F1ED2EF-B697-42F2-93BD-72201BBF8AB9}"/>
+              </a:ext>
+            </a:extLst>
+          </p:cNvPr>
+          <p:cNvSpPr/>
+          <p:nvPr/>
+        </p:nvSpPr>
+        <p:spPr>
+          <a:xfrm>
+            <a:off x="3886200" y="2575560"/>
+            <a:ext cx="457200" cy="457200"/>
+          </a:xfrm>
+          <a:prstGeom prst="ellipse">
+            <a:avLst/>
+          </a:prstGeom>
+        </p:spPr>
+        <p:style>
+          <a:lnRef idx="2">
+            <a:schemeClr val="accent1">
+              <a:shade val="50000"/>
+            </a:schemeClr>
+          </a:lnRef>
+          <a:fillRef idx="1">
+            <a:schemeClr val="accent1"/>
+          </a:fillRef>
+          <a:effectRef idx="0">
+            <a:schemeClr val="accent1"/>
+          </a:effectRef>
+          <a:fontRef idx="minor">
+            <a:schemeClr val="lt1"/>
+          </a:fontRef>
+        </p:style>
+        <p:txBody>
+          <a:bodyPr rtlCol="0" anchor="ctr"/>
+          <a:lstStyle/>
+          <a:p>
+            <a:pPr algn="ctr"/>
+            <a:r>
+              <a:rPr lang="en-US" dirty="0"/>
+              <a:t>4</a:t>
+            </a:r>
+          </a:p>
+        </p:txBody>
+      </p:sp>
+      <p:cxnSp>
+        <p:nvCxnSpPr>
+          <p:cNvPr id="8" name="Straight Arrow Connector 7">
+            <a:extLst>
+              <a:ext uri="{FF2B5EF4-FFF2-40B4-BE49-F238E27FC236}">
+                <a16:creationId xmlns:a16="http://schemas.microsoft.com/office/drawing/2014/main" id="{CC96E086-7E04-4BC2-8C11-D672F23284AF}"/>
+              </a:ext>
+            </a:extLst>
+          </p:cNvPr>
+          <p:cNvCxnSpPr>
+            <a:stCxn id="4" idx="6"/>
+            <a:endCxn id="5" idx="2"/>
+          </p:cNvCxnSpPr>
+          <p:nvPr/>
+        </p:nvCxnSpPr>
+        <p:spPr>
+          <a:xfrm>
+            <a:off x="1066800" y="2788920"/>
+            <a:ext cx="609600" cy="0"/>
+          </a:xfrm>
+          <a:prstGeom prst="straightConnector1">
+            <a:avLst/>
+          </a:prstGeom>
+          <a:ln>
+            <a:tailEnd type="triangle"/>
+          </a:ln>
+        </p:spPr>
+        <p:style>
+          <a:lnRef idx="1">
+            <a:schemeClr val="accent1"/>
+          </a:lnRef>
+          <a:fillRef idx="0">
+            <a:schemeClr val="accent1"/>
+          </a:fillRef>
+          <a:effectRef idx="0">
+            <a:schemeClr val="accent1"/>
+          </a:effectRef>
+          <a:fontRef idx="minor">
+            <a:schemeClr val="tx1"/>
+          </a:fontRef>
+        </p:style>
+      </p:cxnSp>
+      <p:cxnSp>
+        <p:nvCxnSpPr>
+          <p:cNvPr id="9" name="Straight Arrow Connector 8">
+            <a:extLst>
+              <a:ext uri="{FF2B5EF4-FFF2-40B4-BE49-F238E27FC236}">
+                <a16:creationId xmlns:a16="http://schemas.microsoft.com/office/drawing/2014/main" id="{C8B58AA3-2DC4-4756-9F37-9A7F70274C4C}"/>
+              </a:ext>
+            </a:extLst>
+          </p:cNvPr>
+          <p:cNvCxnSpPr>
+            <a:cxnSpLocks/>
+            <a:stCxn id="5" idx="6"/>
+            <a:endCxn id="6" idx="2"/>
+          </p:cNvCxnSpPr>
+          <p:nvPr/>
+        </p:nvCxnSpPr>
+        <p:spPr>
+          <a:xfrm>
+            <a:off x="2133600" y="2788920"/>
+            <a:ext cx="685800" cy="0"/>
+          </a:xfrm>
+          <a:prstGeom prst="straightConnector1">
+            <a:avLst/>
+          </a:prstGeom>
+          <a:ln>
+            <a:tailEnd type="triangle"/>
+          </a:ln>
+        </p:spPr>
+        <p:style>
+          <a:lnRef idx="1">
+            <a:schemeClr val="accent1"/>
+          </a:lnRef>
+          <a:fillRef idx="0">
+            <a:schemeClr val="accent1"/>
+          </a:fillRef>
+          <a:effectRef idx="0">
+            <a:schemeClr val="accent1"/>
+          </a:effectRef>
+          <a:fontRef idx="minor">
+            <a:schemeClr val="tx1"/>
+          </a:fontRef>
+        </p:style>
+      </p:cxnSp>
+      <p:cxnSp>
+        <p:nvCxnSpPr>
+          <p:cNvPr id="10" name="Straight Arrow Connector 9">
+            <a:extLst>
+              <a:ext uri="{FF2B5EF4-FFF2-40B4-BE49-F238E27FC236}">
+                <a16:creationId xmlns:a16="http://schemas.microsoft.com/office/drawing/2014/main" id="{AE2D8E44-B4C8-4C01-A2A6-0E82204881A6}"/>
+              </a:ext>
+            </a:extLst>
+          </p:cNvPr>
+          <p:cNvCxnSpPr>
+            <a:cxnSpLocks/>
+            <a:stCxn id="6" idx="6"/>
+            <a:endCxn id="7" idx="2"/>
+          </p:cNvCxnSpPr>
+          <p:nvPr/>
+        </p:nvCxnSpPr>
+        <p:spPr>
+          <a:xfrm>
+            <a:off x="3276600" y="2788920"/>
+            <a:ext cx="609600" cy="15240"/>
+          </a:xfrm>
+          <a:prstGeom prst="straightConnector1">
+            <a:avLst/>
+          </a:prstGeom>
+          <a:ln>
+            <a:tailEnd type="triangle"/>
+          </a:ln>
+        </p:spPr>
+        <p:style>
+          <a:lnRef idx="1">
+            <a:schemeClr val="accent1"/>
+          </a:lnRef>
+          <a:fillRef idx="0">
+            <a:schemeClr val="accent1"/>
+          </a:fillRef>
+          <a:effectRef idx="0">
+            <a:schemeClr val="accent1"/>
+          </a:effectRef>
+          <a:fontRef idx="minor">
+            <a:schemeClr val="tx1"/>
+          </a:fontRef>
+        </p:style>
+      </p:cxnSp>
+      <p:sp>
+        <p:nvSpPr>
+          <p:cNvPr id="11" name="Oval 10">
+            <a:extLst>
+              <a:ext uri="{FF2B5EF4-FFF2-40B4-BE49-F238E27FC236}">
+                <a16:creationId xmlns:a16="http://schemas.microsoft.com/office/drawing/2014/main" id="{6274228E-4628-4BCA-B77E-52687D7B30B5}"/>
+              </a:ext>
+            </a:extLst>
+          </p:cNvPr>
+          <p:cNvSpPr/>
+          <p:nvPr/>
+        </p:nvSpPr>
+        <p:spPr>
+          <a:xfrm>
+            <a:off x="5029200" y="2575560"/>
+            <a:ext cx="457200" cy="457200"/>
+          </a:xfrm>
+          <a:prstGeom prst="ellipse">
+            <a:avLst/>
+          </a:prstGeom>
+        </p:spPr>
+        <p:style>
+          <a:lnRef idx="2">
+            <a:schemeClr val="accent1">
+              <a:shade val="50000"/>
+            </a:schemeClr>
+          </a:lnRef>
+          <a:fillRef idx="1">
+            <a:schemeClr val="accent1"/>
+          </a:fillRef>
+          <a:effectRef idx="0">
+            <a:schemeClr val="accent1"/>
+          </a:effectRef>
+          <a:fontRef idx="minor">
+            <a:schemeClr val="lt1"/>
+          </a:fontRef>
+        </p:style>
+        <p:txBody>
+          <a:bodyPr rtlCol="0" anchor="ctr"/>
+          <a:lstStyle/>
+          <a:p>
+            <a:pPr algn="ctr"/>
+            <a:r>
+              <a:rPr lang="en-US" dirty="0"/>
+              <a:t>5</a:t>
+            </a:r>
+          </a:p>
+        </p:txBody>
+      </p:sp>
+      <p:sp>
+        <p:nvSpPr>
+          <p:cNvPr id="12" name="Oval 11">
+            <a:extLst>
+              <a:ext uri="{FF2B5EF4-FFF2-40B4-BE49-F238E27FC236}">
+                <a16:creationId xmlns:a16="http://schemas.microsoft.com/office/drawing/2014/main" id="{1A25D6F7-97D3-4DEE-8E48-A5A346ACF683}"/>
+              </a:ext>
+            </a:extLst>
+          </p:cNvPr>
+          <p:cNvSpPr/>
+          <p:nvPr/>
+        </p:nvSpPr>
+        <p:spPr>
+          <a:xfrm>
+            <a:off x="6096000" y="2590800"/>
+            <a:ext cx="457200" cy="457200"/>
+          </a:xfrm>
+          <a:prstGeom prst="ellipse">
+            <a:avLst/>
+          </a:prstGeom>
+        </p:spPr>
+        <p:style>
+          <a:lnRef idx="2">
+            <a:schemeClr val="accent1">
+              <a:shade val="50000"/>
+            </a:schemeClr>
+          </a:lnRef>
+          <a:fillRef idx="1">
+            <a:schemeClr val="accent1"/>
+          </a:fillRef>
+          <a:effectRef idx="0">
+            <a:schemeClr val="accent1"/>
+          </a:effectRef>
+          <a:fontRef idx="minor">
+            <a:schemeClr val="lt1"/>
+          </a:fontRef>
+        </p:style>
+        <p:txBody>
+          <a:bodyPr rtlCol="0" anchor="ctr"/>
+          <a:lstStyle/>
+          <a:p>
+            <a:pPr algn="ctr"/>
+            <a:r>
+              <a:rPr lang="en-US" dirty="0"/>
+              <a:t>6</a:t>
+            </a:r>
+          </a:p>
+        </p:txBody>
+      </p:sp>
+      <p:cxnSp>
+        <p:nvCxnSpPr>
+          <p:cNvPr id="13" name="Straight Arrow Connector 12">
+            <a:extLst>
+              <a:ext uri="{FF2B5EF4-FFF2-40B4-BE49-F238E27FC236}">
+                <a16:creationId xmlns:a16="http://schemas.microsoft.com/office/drawing/2014/main" id="{264B97A7-1E7A-4F94-8B39-F00D7FA5AEFE}"/>
+              </a:ext>
+            </a:extLst>
+          </p:cNvPr>
+          <p:cNvCxnSpPr>
+            <a:cxnSpLocks/>
+            <a:stCxn id="7" idx="6"/>
+            <a:endCxn id="11" idx="2"/>
+          </p:cNvCxnSpPr>
+          <p:nvPr/>
+        </p:nvCxnSpPr>
+        <p:spPr>
+          <a:xfrm>
+            <a:off x="4343400" y="2804160"/>
+            <a:ext cx="685800" cy="0"/>
+          </a:xfrm>
+          <a:prstGeom prst="straightConnector1">
+            <a:avLst/>
+          </a:prstGeom>
+          <a:ln>
+            <a:tailEnd type="triangle"/>
+          </a:ln>
+        </p:spPr>
+        <p:style>
+          <a:lnRef idx="1">
+            <a:schemeClr val="accent1"/>
+          </a:lnRef>
+          <a:fillRef idx="0">
+            <a:schemeClr val="accent1"/>
+          </a:fillRef>
+          <a:effectRef idx="0">
+            <a:schemeClr val="accent1"/>
+          </a:effectRef>
+          <a:fontRef idx="minor">
+            <a:schemeClr val="tx1"/>
+          </a:fontRef>
+        </p:style>
+      </p:cxnSp>
+      <p:cxnSp>
+        <p:nvCxnSpPr>
+          <p:cNvPr id="14" name="Straight Arrow Connector 13">
+            <a:extLst>
+              <a:ext uri="{FF2B5EF4-FFF2-40B4-BE49-F238E27FC236}">
+                <a16:creationId xmlns:a16="http://schemas.microsoft.com/office/drawing/2014/main" id="{F9112904-DDD2-46F1-8FBD-3CDB40CC28FE}"/>
+              </a:ext>
+            </a:extLst>
+          </p:cNvPr>
+          <p:cNvCxnSpPr>
+            <a:cxnSpLocks/>
+            <a:stCxn id="11" idx="6"/>
+            <a:endCxn id="12" idx="2"/>
+          </p:cNvCxnSpPr>
+          <p:nvPr/>
+        </p:nvCxnSpPr>
+        <p:spPr>
+          <a:xfrm>
+            <a:off x="5486400" y="2804160"/>
+            <a:ext cx="609600" cy="15240"/>
+          </a:xfrm>
+          <a:prstGeom prst="straightConnector1">
+            <a:avLst/>
+          </a:prstGeom>
+          <a:ln>
+            <a:tailEnd type="triangle"/>
+          </a:ln>
+        </p:spPr>
+        <p:style>
+          <a:lnRef idx="1">
+            <a:schemeClr val="accent1"/>
+          </a:lnRef>
+          <a:fillRef idx="0">
+            <a:schemeClr val="accent1"/>
+          </a:fillRef>
+          <a:effectRef idx="0">
+            <a:schemeClr val="accent1"/>
+          </a:effectRef>
+          <a:fontRef idx="minor">
+            <a:schemeClr val="tx1"/>
+          </a:fontRef>
+        </p:style>
+      </p:cxnSp>
+      <p:sp>
+        <p:nvSpPr>
+          <p:cNvPr id="16" name="Freeform: Shape 15">
+            <a:extLst>
+              <a:ext uri="{FF2B5EF4-FFF2-40B4-BE49-F238E27FC236}">
+                <a16:creationId xmlns:a16="http://schemas.microsoft.com/office/drawing/2014/main" id="{160796C2-0DCD-452A-AEFC-6490D16C2CD2}"/>
+              </a:ext>
+            </a:extLst>
+          </p:cNvPr>
+          <p:cNvSpPr/>
+          <p:nvPr/>
+        </p:nvSpPr>
+        <p:spPr>
+          <a:xfrm>
+            <a:off x="4267200" y="3017520"/>
+            <a:ext cx="1895061" cy="438008"/>
+          </a:xfrm>
+          <a:custGeom>
+            <a:avLst/>
+            <a:gdLst>
+              <a:gd name="connsiteX0" fmla="*/ 0 w 1876508"/>
+              <a:gd name="connsiteY0" fmla="*/ 0 h 461199"/>
+              <a:gd name="connsiteX1" fmla="*/ 747423 w 1876508"/>
+              <a:gd name="connsiteY1" fmla="*/ 461176 h 461199"/>
+              <a:gd name="connsiteX2" fmla="*/ 1876508 w 1876508"/>
+              <a:gd name="connsiteY2" fmla="*/ 15903 h 461199"/>
+            </a:gdLst>
+            <a:ahLst/>
+            <a:cxnLst>
+              <a:cxn ang="0">
+                <a:pos x="connsiteX0" y="connsiteY0"/>
+              </a:cxn>
+              <a:cxn ang="0">
+                <a:pos x="connsiteX1" y="connsiteY1"/>
+              </a:cxn>
+              <a:cxn ang="0">
+                <a:pos x="connsiteX2" y="connsiteY2"/>
+              </a:cxn>
+            </a:cxnLst>
+            <a:rect l="l" t="t" r="r" b="b"/>
+            <a:pathLst>
+              <a:path w="1876508" h="461199">
+                <a:moveTo>
+                  <a:pt x="0" y="0"/>
+                </a:moveTo>
+                <a:cubicBezTo>
+                  <a:pt x="217336" y="229263"/>
+                  <a:pt x="434672" y="458526"/>
+                  <a:pt x="747423" y="461176"/>
+                </a:cubicBezTo>
+                <a:cubicBezTo>
+                  <a:pt x="1060174" y="463826"/>
+                  <a:pt x="1468341" y="239864"/>
+                  <a:pt x="1876508" y="15903"/>
+                </a:cubicBezTo>
+              </a:path>
+            </a:pathLst>
+          </a:custGeom>
+          <a:ln>
+            <a:tailEnd type="triangle"/>
+          </a:ln>
+        </p:spPr>
+        <p:style>
+          <a:lnRef idx="1">
+            <a:schemeClr val="accent1"/>
+          </a:lnRef>
+          <a:fillRef idx="0">
+            <a:schemeClr val="accent1"/>
+          </a:fillRef>
+          <a:effectRef idx="0">
+            <a:schemeClr val="accent1"/>
+          </a:effectRef>
+          <a:fontRef idx="minor">
+            <a:schemeClr val="tx1"/>
+          </a:fontRef>
+        </p:style>
+        <p:txBody>
+          <a:bodyPr rtlCol="0" anchor="ctr"/>
+          <a:lstStyle/>
+          <a:p>
+            <a:pPr algn="ctr"/>
+            <a:endParaRPr lang="en-US"/>
+          </a:p>
+        </p:txBody>
+      </p:sp>
+      <p:sp>
+        <p:nvSpPr>
+          <p:cNvPr id="17" name="Freeform: Shape 16">
+            <a:extLst>
+              <a:ext uri="{FF2B5EF4-FFF2-40B4-BE49-F238E27FC236}">
+                <a16:creationId xmlns:a16="http://schemas.microsoft.com/office/drawing/2014/main" id="{14976F2D-2290-412E-BD26-E5CA4F246FBA}"/>
+              </a:ext>
+            </a:extLst>
+          </p:cNvPr>
+          <p:cNvSpPr/>
+          <p:nvPr/>
+        </p:nvSpPr>
+        <p:spPr>
+          <a:xfrm flipV="1">
+            <a:off x="3187148" y="2011681"/>
+            <a:ext cx="1938130" cy="548639"/>
+          </a:xfrm>
+          <a:custGeom>
+            <a:avLst/>
+            <a:gdLst>
+              <a:gd name="connsiteX0" fmla="*/ 0 w 1876508"/>
+              <a:gd name="connsiteY0" fmla="*/ 0 h 461199"/>
+              <a:gd name="connsiteX1" fmla="*/ 747423 w 1876508"/>
+              <a:gd name="connsiteY1" fmla="*/ 461176 h 461199"/>
+              <a:gd name="connsiteX2" fmla="*/ 1876508 w 1876508"/>
+              <a:gd name="connsiteY2" fmla="*/ 15903 h 461199"/>
+            </a:gdLst>
+            <a:ahLst/>
+            <a:cxnLst>
+              <a:cxn ang="0">
+                <a:pos x="connsiteX0" y="connsiteY0"/>
+              </a:cxn>
+              <a:cxn ang="0">
+                <a:pos x="connsiteX1" y="connsiteY1"/>
+              </a:cxn>
+              <a:cxn ang="0">
+                <a:pos x="connsiteX2" y="connsiteY2"/>
+              </a:cxn>
+            </a:cxnLst>
+            <a:rect l="l" t="t" r="r" b="b"/>
+            <a:pathLst>
+              <a:path w="1876508" h="461199">
+                <a:moveTo>
+                  <a:pt x="0" y="0"/>
+                </a:moveTo>
+                <a:cubicBezTo>
+                  <a:pt x="217336" y="229263"/>
+                  <a:pt x="434672" y="458526"/>
+                  <a:pt x="747423" y="461176"/>
+                </a:cubicBezTo>
+                <a:cubicBezTo>
+                  <a:pt x="1060174" y="463826"/>
+                  <a:pt x="1468341" y="239864"/>
+                  <a:pt x="1876508" y="15903"/>
+                </a:cubicBezTo>
+              </a:path>
+            </a:pathLst>
+          </a:custGeom>
+          <a:ln>
+            <a:tailEnd type="triangle"/>
+          </a:ln>
+        </p:spPr>
+        <p:style>
+          <a:lnRef idx="1">
+            <a:schemeClr val="accent1"/>
+          </a:lnRef>
+          <a:fillRef idx="0">
+            <a:schemeClr val="accent1"/>
+          </a:fillRef>
+          <a:effectRef idx="0">
+            <a:schemeClr val="accent1"/>
+          </a:effectRef>
+          <a:fontRef idx="minor">
+            <a:schemeClr val="tx1"/>
+          </a:fontRef>
+        </p:style>
+        <p:txBody>
+          <a:bodyPr rtlCol="0" anchor="ctr"/>
+          <a:lstStyle/>
+          <a:p>
+            <a:pPr algn="ctr"/>
+            <a:endParaRPr lang="en-US"/>
+          </a:p>
+        </p:txBody>
+      </p:sp>
+      <p:sp>
+        <p:nvSpPr>
+          <p:cNvPr id="18" name="Oval 17">
+            <a:extLst>
+              <a:ext uri="{FF2B5EF4-FFF2-40B4-BE49-F238E27FC236}">
+                <a16:creationId xmlns:a16="http://schemas.microsoft.com/office/drawing/2014/main" id="{A30E8255-1669-40FB-BDD7-8A3FDA89B93E}"/>
+              </a:ext>
+            </a:extLst>
+          </p:cNvPr>
+          <p:cNvSpPr/>
+          <p:nvPr/>
+        </p:nvSpPr>
+        <p:spPr>
+          <a:xfrm>
+            <a:off x="609600" y="4724400"/>
+            <a:ext cx="457200" cy="457200"/>
+          </a:xfrm>
+          <a:prstGeom prst="ellipse">
+            <a:avLst/>
+          </a:prstGeom>
+        </p:spPr>
+        <p:style>
+          <a:lnRef idx="2">
+            <a:schemeClr val="accent1">
+              <a:shade val="50000"/>
+            </a:schemeClr>
+          </a:lnRef>
+          <a:fillRef idx="1">
+            <a:schemeClr val="accent1"/>
+          </a:fillRef>
+          <a:effectRef idx="0">
+            <a:schemeClr val="accent1"/>
+          </a:effectRef>
+          <a:fontRef idx="minor">
+            <a:schemeClr val="lt1"/>
+          </a:fontRef>
+        </p:style>
+        <p:txBody>
+          <a:bodyPr rtlCol="0" anchor="ctr"/>
+          <a:lstStyle/>
+          <a:p>
+            <a:pPr algn="ctr"/>
+            <a:r>
+              <a:rPr lang="en-US" dirty="0"/>
+              <a:t>1</a:t>
+            </a:r>
+          </a:p>
+        </p:txBody>
+      </p:sp>
+      <p:sp>
+        <p:nvSpPr>
+          <p:cNvPr id="19" name="Oval 18">
+            <a:extLst>
+              <a:ext uri="{FF2B5EF4-FFF2-40B4-BE49-F238E27FC236}">
+                <a16:creationId xmlns:a16="http://schemas.microsoft.com/office/drawing/2014/main" id="{9D925705-0025-4EDC-B3C5-F771151D16A7}"/>
+              </a:ext>
+            </a:extLst>
+          </p:cNvPr>
+          <p:cNvSpPr/>
+          <p:nvPr/>
+        </p:nvSpPr>
+        <p:spPr>
+          <a:xfrm>
+            <a:off x="1676400" y="4724400"/>
+            <a:ext cx="457200" cy="457200"/>
+          </a:xfrm>
+          <a:prstGeom prst="ellipse">
+            <a:avLst/>
+          </a:prstGeom>
+        </p:spPr>
+        <p:style>
+          <a:lnRef idx="2">
+            <a:schemeClr val="accent1">
+              <a:shade val="50000"/>
+            </a:schemeClr>
+          </a:lnRef>
+          <a:fillRef idx="1">
+            <a:schemeClr val="accent1"/>
+          </a:fillRef>
+          <a:effectRef idx="0">
+            <a:schemeClr val="accent1"/>
+          </a:effectRef>
+          <a:fontRef idx="minor">
+            <a:schemeClr val="lt1"/>
+          </a:fontRef>
+        </p:style>
+        <p:txBody>
+          <a:bodyPr rtlCol="0" anchor="ctr"/>
+          <a:lstStyle/>
+          <a:p>
+            <a:pPr algn="ctr"/>
+            <a:r>
+              <a:rPr lang="en-US" dirty="0"/>
+              <a:t>2</a:t>
+            </a:r>
+          </a:p>
+        </p:txBody>
+      </p:sp>
+      <p:sp>
+        <p:nvSpPr>
+          <p:cNvPr id="20" name="Oval 19">
+            <a:extLst>
+              <a:ext uri="{FF2B5EF4-FFF2-40B4-BE49-F238E27FC236}">
+                <a16:creationId xmlns:a16="http://schemas.microsoft.com/office/drawing/2014/main" id="{481D5076-FA8B-4094-BB32-98170F6873BF}"/>
+              </a:ext>
+            </a:extLst>
+          </p:cNvPr>
+          <p:cNvSpPr/>
+          <p:nvPr/>
+        </p:nvSpPr>
+        <p:spPr>
+          <a:xfrm>
+            <a:off x="2819400" y="4724400"/>
+            <a:ext cx="457200" cy="457200"/>
+          </a:xfrm>
+          <a:prstGeom prst="ellipse">
+            <a:avLst/>
+          </a:prstGeom>
+        </p:spPr>
+        <p:style>
+          <a:lnRef idx="2">
+            <a:schemeClr val="accent1">
+              <a:shade val="50000"/>
+            </a:schemeClr>
+          </a:lnRef>
+          <a:fillRef idx="1">
+            <a:schemeClr val="accent1"/>
+          </a:fillRef>
+          <a:effectRef idx="0">
+            <a:schemeClr val="accent1"/>
+          </a:effectRef>
+          <a:fontRef idx="minor">
+            <a:schemeClr val="lt1"/>
+          </a:fontRef>
+        </p:style>
+        <p:txBody>
+          <a:bodyPr rtlCol="0" anchor="ctr"/>
+          <a:lstStyle/>
+          <a:p>
+            <a:pPr algn="ctr"/>
+            <a:r>
+              <a:rPr lang="en-US" dirty="0"/>
+              <a:t>3</a:t>
+            </a:r>
+          </a:p>
+        </p:txBody>
+      </p:sp>
+      <p:sp>
+        <p:nvSpPr>
+          <p:cNvPr id="21" name="Oval 20">
+            <a:extLst>
+              <a:ext uri="{FF2B5EF4-FFF2-40B4-BE49-F238E27FC236}">
+                <a16:creationId xmlns:a16="http://schemas.microsoft.com/office/drawing/2014/main" id="{8C231372-C228-4924-84ED-8E00891345FE}"/>
+              </a:ext>
+            </a:extLst>
+          </p:cNvPr>
+          <p:cNvSpPr/>
+          <p:nvPr/>
+        </p:nvSpPr>
+        <p:spPr>
+          <a:xfrm>
+            <a:off x="3886200" y="4739640"/>
+            <a:ext cx="457200" cy="457200"/>
+          </a:xfrm>
+          <a:prstGeom prst="ellipse">
+            <a:avLst/>
+          </a:prstGeom>
+        </p:spPr>
+        <p:style>
+          <a:lnRef idx="2">
+            <a:schemeClr val="accent1">
+              <a:shade val="50000"/>
+            </a:schemeClr>
+          </a:lnRef>
+          <a:fillRef idx="1">
+            <a:schemeClr val="accent1"/>
+          </a:fillRef>
+          <a:effectRef idx="0">
+            <a:schemeClr val="accent1"/>
+          </a:effectRef>
+          <a:fontRef idx="minor">
+            <a:schemeClr val="lt1"/>
+          </a:fontRef>
+        </p:style>
+        <p:txBody>
+          <a:bodyPr rtlCol="0" anchor="ctr"/>
+          <a:lstStyle/>
+          <a:p>
+            <a:pPr algn="ctr"/>
+            <a:r>
+              <a:rPr lang="en-US" dirty="0"/>
+              <a:t>4</a:t>
+            </a:r>
+          </a:p>
+        </p:txBody>
+      </p:sp>
+      <p:cxnSp>
+        <p:nvCxnSpPr>
+          <p:cNvPr id="22" name="Straight Arrow Connector 21">
+            <a:extLst>
+              <a:ext uri="{FF2B5EF4-FFF2-40B4-BE49-F238E27FC236}">
+                <a16:creationId xmlns:a16="http://schemas.microsoft.com/office/drawing/2014/main" id="{CDD022F0-496F-45EE-BED9-EEC060D9FC32}"/>
+              </a:ext>
+            </a:extLst>
+          </p:cNvPr>
+          <p:cNvCxnSpPr>
+            <a:stCxn id="18" idx="6"/>
+            <a:endCxn id="19" idx="2"/>
+          </p:cNvCxnSpPr>
+          <p:nvPr/>
+        </p:nvCxnSpPr>
+        <p:spPr>
+          <a:xfrm>
+            <a:off x="1066800" y="4953000"/>
+            <a:ext cx="609600" cy="0"/>
+          </a:xfrm>
+          <a:prstGeom prst="straightConnector1">
+            <a:avLst/>
+          </a:prstGeom>
+          <a:ln>
+            <a:tailEnd type="triangle"/>
+          </a:ln>
+        </p:spPr>
+        <p:style>
+          <a:lnRef idx="1">
+            <a:schemeClr val="accent1"/>
+          </a:lnRef>
+          <a:fillRef idx="0">
+            <a:schemeClr val="accent1"/>
+          </a:fillRef>
+          <a:effectRef idx="0">
+            <a:schemeClr val="accent1"/>
+          </a:effectRef>
+          <a:fontRef idx="minor">
+            <a:schemeClr val="tx1"/>
+          </a:fontRef>
+        </p:style>
+      </p:cxnSp>
+      <p:cxnSp>
+        <p:nvCxnSpPr>
+          <p:cNvPr id="23" name="Straight Arrow Connector 22">
+            <a:extLst>
+              <a:ext uri="{FF2B5EF4-FFF2-40B4-BE49-F238E27FC236}">
+                <a16:creationId xmlns:a16="http://schemas.microsoft.com/office/drawing/2014/main" id="{E7E8DA50-8DBF-4FDF-AEB8-961262F71AEE}"/>
+              </a:ext>
+            </a:extLst>
+          </p:cNvPr>
+          <p:cNvCxnSpPr>
+            <a:cxnSpLocks/>
+            <a:stCxn id="19" idx="6"/>
+            <a:endCxn id="20" idx="2"/>
+          </p:cNvCxnSpPr>
+          <p:nvPr/>
+        </p:nvCxnSpPr>
+        <p:spPr>
+          <a:xfrm>
+            <a:off x="2133600" y="4953000"/>
+            <a:ext cx="685800" cy="0"/>
+          </a:xfrm>
+          <a:prstGeom prst="straightConnector1">
+            <a:avLst/>
+          </a:prstGeom>
+          <a:ln>
+            <a:tailEnd type="triangle"/>
+          </a:ln>
+        </p:spPr>
+        <p:style>
+          <a:lnRef idx="1">
+            <a:schemeClr val="accent1"/>
+          </a:lnRef>
+          <a:fillRef idx="0">
+            <a:schemeClr val="accent1"/>
+          </a:fillRef>
+          <a:effectRef idx="0">
+            <a:schemeClr val="accent1"/>
+          </a:effectRef>
+          <a:fontRef idx="minor">
+            <a:schemeClr val="tx1"/>
+          </a:fontRef>
+        </p:style>
+      </p:cxnSp>
+      <p:cxnSp>
+        <p:nvCxnSpPr>
+          <p:cNvPr id="24" name="Straight Arrow Connector 23">
+            <a:extLst>
+              <a:ext uri="{FF2B5EF4-FFF2-40B4-BE49-F238E27FC236}">
+                <a16:creationId xmlns:a16="http://schemas.microsoft.com/office/drawing/2014/main" id="{36ADAD74-A4EE-4BC7-A2FD-21E18B05D0EE}"/>
+              </a:ext>
+            </a:extLst>
+          </p:cNvPr>
+          <p:cNvCxnSpPr>
+            <a:cxnSpLocks/>
+            <a:stCxn id="20" idx="6"/>
+            <a:endCxn id="21" idx="2"/>
+          </p:cNvCxnSpPr>
+          <p:nvPr/>
+        </p:nvCxnSpPr>
+        <p:spPr>
+          <a:xfrm>
+            <a:off x="3276600" y="4953000"/>
+            <a:ext cx="609600" cy="15240"/>
+          </a:xfrm>
+          <a:prstGeom prst="straightConnector1">
+            <a:avLst/>
+          </a:prstGeom>
+          <a:ln>
+            <a:tailEnd type="triangle"/>
+          </a:ln>
+        </p:spPr>
+        <p:style>
+          <a:lnRef idx="1">
+            <a:schemeClr val="accent1"/>
+          </a:lnRef>
+          <a:fillRef idx="0">
+            <a:schemeClr val="accent1"/>
+          </a:fillRef>
+          <a:effectRef idx="0">
+            <a:schemeClr val="accent1"/>
+          </a:effectRef>
+          <a:fontRef idx="minor">
+            <a:schemeClr val="tx1"/>
+          </a:fontRef>
+        </p:style>
+      </p:cxnSp>
+      <p:sp>
+        <p:nvSpPr>
+          <p:cNvPr id="25" name="Oval 24">
+            <a:extLst>
+              <a:ext uri="{FF2B5EF4-FFF2-40B4-BE49-F238E27FC236}">
+                <a16:creationId xmlns:a16="http://schemas.microsoft.com/office/drawing/2014/main" id="{4E2EE5E4-18C8-4543-9E4A-AEBB5B768273}"/>
+              </a:ext>
+            </a:extLst>
+          </p:cNvPr>
+          <p:cNvSpPr/>
+          <p:nvPr/>
+        </p:nvSpPr>
+        <p:spPr>
+          <a:xfrm>
+            <a:off x="5029200" y="4739640"/>
+            <a:ext cx="457200" cy="457200"/>
+          </a:xfrm>
+          <a:prstGeom prst="ellipse">
+            <a:avLst/>
+          </a:prstGeom>
+        </p:spPr>
+        <p:style>
+          <a:lnRef idx="2">
+            <a:schemeClr val="accent1">
+              <a:shade val="50000"/>
+            </a:schemeClr>
+          </a:lnRef>
+          <a:fillRef idx="1">
+            <a:schemeClr val="accent1"/>
+          </a:fillRef>
+          <a:effectRef idx="0">
+            <a:schemeClr val="accent1"/>
+          </a:effectRef>
+          <a:fontRef idx="minor">
+            <a:schemeClr val="lt1"/>
+          </a:fontRef>
+        </p:style>
+        <p:txBody>
+          <a:bodyPr rtlCol="0" anchor="ctr"/>
+          <a:lstStyle/>
+          <a:p>
+            <a:pPr algn="ctr"/>
+            <a:r>
+              <a:rPr lang="en-US" dirty="0"/>
+              <a:t>5</a:t>
+            </a:r>
+          </a:p>
+        </p:txBody>
+      </p:sp>
+      <p:sp>
+        <p:nvSpPr>
+          <p:cNvPr id="26" name="Oval 25">
+            <a:extLst>
+              <a:ext uri="{FF2B5EF4-FFF2-40B4-BE49-F238E27FC236}">
+                <a16:creationId xmlns:a16="http://schemas.microsoft.com/office/drawing/2014/main" id="{F743C1E4-CB99-4086-9BFB-F072430BE83C}"/>
+              </a:ext>
+            </a:extLst>
+          </p:cNvPr>
+          <p:cNvSpPr/>
+          <p:nvPr/>
+        </p:nvSpPr>
+        <p:spPr>
+          <a:xfrm>
+            <a:off x="6096000" y="4754880"/>
+            <a:ext cx="457200" cy="457200"/>
+          </a:xfrm>
+          <a:prstGeom prst="ellipse">
+            <a:avLst/>
+          </a:prstGeom>
+        </p:spPr>
+        <p:style>
+          <a:lnRef idx="2">
+            <a:schemeClr val="accent1">
+              <a:shade val="50000"/>
+            </a:schemeClr>
+          </a:lnRef>
+          <a:fillRef idx="1">
+            <a:schemeClr val="accent1"/>
+          </a:fillRef>
+          <a:effectRef idx="0">
+            <a:schemeClr val="accent1"/>
+          </a:effectRef>
+          <a:fontRef idx="minor">
+            <a:schemeClr val="lt1"/>
+          </a:fontRef>
+        </p:style>
+        <p:txBody>
+          <a:bodyPr rtlCol="0" anchor="ctr"/>
+          <a:lstStyle/>
+          <a:p>
+            <a:pPr algn="ctr"/>
+            <a:r>
+              <a:rPr lang="en-US" dirty="0"/>
+              <a:t>6</a:t>
+            </a:r>
+          </a:p>
+        </p:txBody>
+      </p:sp>
+      <p:cxnSp>
+        <p:nvCxnSpPr>
+          <p:cNvPr id="27" name="Straight Arrow Connector 26">
+            <a:extLst>
+              <a:ext uri="{FF2B5EF4-FFF2-40B4-BE49-F238E27FC236}">
+                <a16:creationId xmlns:a16="http://schemas.microsoft.com/office/drawing/2014/main" id="{6C49D91F-827F-49BA-A60D-B828731DFC74}"/>
+              </a:ext>
+            </a:extLst>
+          </p:cNvPr>
+          <p:cNvCxnSpPr>
+            <a:cxnSpLocks/>
+            <a:stCxn id="21" idx="6"/>
+            <a:endCxn id="25" idx="2"/>
+          </p:cNvCxnSpPr>
+          <p:nvPr/>
+        </p:nvCxnSpPr>
+        <p:spPr>
+          <a:xfrm>
+            <a:off x="4343400" y="4968240"/>
+            <a:ext cx="685800" cy="0"/>
+          </a:xfrm>
+          <a:prstGeom prst="straightConnector1">
+            <a:avLst/>
+          </a:prstGeom>
+          <a:ln>
+            <a:tailEnd type="triangle"/>
+          </a:ln>
+        </p:spPr>
+        <p:style>
+          <a:lnRef idx="1">
+            <a:schemeClr val="accent1"/>
+          </a:lnRef>
+          <a:fillRef idx="0">
+            <a:schemeClr val="accent1"/>
+          </a:fillRef>
+          <a:effectRef idx="0">
+            <a:schemeClr val="accent1"/>
+          </a:effectRef>
+          <a:fontRef idx="minor">
+            <a:schemeClr val="tx1"/>
+          </a:fontRef>
+        </p:style>
+      </p:cxnSp>
+      <p:cxnSp>
+        <p:nvCxnSpPr>
+          <p:cNvPr id="28" name="Straight Arrow Connector 27">
+            <a:extLst>
+              <a:ext uri="{FF2B5EF4-FFF2-40B4-BE49-F238E27FC236}">
+                <a16:creationId xmlns:a16="http://schemas.microsoft.com/office/drawing/2014/main" id="{BFE53CDF-5280-4B17-9DA3-CF71FF0EFCAF}"/>
+              </a:ext>
+            </a:extLst>
+          </p:cNvPr>
+          <p:cNvCxnSpPr>
+            <a:cxnSpLocks/>
+            <a:stCxn id="25" idx="6"/>
+            <a:endCxn id="26" idx="2"/>
+          </p:cNvCxnSpPr>
+          <p:nvPr/>
+        </p:nvCxnSpPr>
+        <p:spPr>
+          <a:xfrm>
+            <a:off x="5486400" y="4968240"/>
+            <a:ext cx="609600" cy="15240"/>
+          </a:xfrm>
+          <a:prstGeom prst="straightConnector1">
+            <a:avLst/>
+          </a:prstGeom>
+          <a:ln>
+            <a:tailEnd type="triangle"/>
+          </a:ln>
+        </p:spPr>
+        <p:style>
+          <a:lnRef idx="1">
+            <a:schemeClr val="accent1"/>
+          </a:lnRef>
+          <a:fillRef idx="0">
+            <a:schemeClr val="accent1"/>
+          </a:fillRef>
+          <a:effectRef idx="0">
+            <a:schemeClr val="accent1"/>
+          </a:effectRef>
+          <a:fontRef idx="minor">
+            <a:schemeClr val="tx1"/>
+          </a:fontRef>
+        </p:style>
+      </p:cxnSp>
+      <p:sp>
+        <p:nvSpPr>
+          <p:cNvPr id="29" name="Freeform: Shape 28">
+            <a:extLst>
+              <a:ext uri="{FF2B5EF4-FFF2-40B4-BE49-F238E27FC236}">
+                <a16:creationId xmlns:a16="http://schemas.microsoft.com/office/drawing/2014/main" id="{B9D58148-4FD3-44B3-9F96-97D8698543AC}"/>
+              </a:ext>
+            </a:extLst>
+          </p:cNvPr>
+          <p:cNvSpPr/>
+          <p:nvPr/>
+        </p:nvSpPr>
+        <p:spPr>
+          <a:xfrm>
+            <a:off x="4267200" y="5181600"/>
+            <a:ext cx="1895061" cy="438008"/>
+          </a:xfrm>
+          <a:custGeom>
+            <a:avLst/>
+            <a:gdLst>
+              <a:gd name="connsiteX0" fmla="*/ 0 w 1876508"/>
+              <a:gd name="connsiteY0" fmla="*/ 0 h 461199"/>
+              <a:gd name="connsiteX1" fmla="*/ 747423 w 1876508"/>
+              <a:gd name="connsiteY1" fmla="*/ 461176 h 461199"/>
+              <a:gd name="connsiteX2" fmla="*/ 1876508 w 1876508"/>
+              <a:gd name="connsiteY2" fmla="*/ 15903 h 461199"/>
+            </a:gdLst>
+            <a:ahLst/>
+            <a:cxnLst>
+              <a:cxn ang="0">
+                <a:pos x="connsiteX0" y="connsiteY0"/>
+              </a:cxn>
+              <a:cxn ang="0">
+                <a:pos x="connsiteX1" y="connsiteY1"/>
+              </a:cxn>
+              <a:cxn ang="0">
+                <a:pos x="connsiteX2" y="connsiteY2"/>
+              </a:cxn>
+            </a:cxnLst>
+            <a:rect l="l" t="t" r="r" b="b"/>
+            <a:pathLst>
+              <a:path w="1876508" h="461199">
+                <a:moveTo>
+                  <a:pt x="0" y="0"/>
+                </a:moveTo>
+                <a:cubicBezTo>
+                  <a:pt x="217336" y="229263"/>
+                  <a:pt x="434672" y="458526"/>
+                  <a:pt x="747423" y="461176"/>
+                </a:cubicBezTo>
+                <a:cubicBezTo>
+                  <a:pt x="1060174" y="463826"/>
+                  <a:pt x="1468341" y="239864"/>
+                  <a:pt x="1876508" y="15903"/>
+                </a:cubicBezTo>
+              </a:path>
+            </a:pathLst>
+          </a:custGeom>
+          <a:ln>
+            <a:tailEnd type="triangle"/>
+          </a:ln>
+        </p:spPr>
+        <p:style>
+          <a:lnRef idx="1">
+            <a:schemeClr val="accent1"/>
+          </a:lnRef>
+          <a:fillRef idx="0">
+            <a:schemeClr val="accent1"/>
+          </a:fillRef>
+          <a:effectRef idx="0">
+            <a:schemeClr val="accent1"/>
+          </a:effectRef>
+          <a:fontRef idx="minor">
+            <a:schemeClr val="tx1"/>
+          </a:fontRef>
+        </p:style>
+        <p:txBody>
+          <a:bodyPr rtlCol="0" anchor="ctr"/>
+          <a:lstStyle/>
+          <a:p>
+            <a:pPr algn="ctr"/>
+            <a:endParaRPr lang="en-US"/>
+          </a:p>
+        </p:txBody>
+      </p:sp>
+      <p:sp>
+        <p:nvSpPr>
+          <p:cNvPr id="30" name="Freeform: Shape 29">
+            <a:extLst>
+              <a:ext uri="{FF2B5EF4-FFF2-40B4-BE49-F238E27FC236}">
+                <a16:creationId xmlns:a16="http://schemas.microsoft.com/office/drawing/2014/main" id="{4A3C70B0-81E2-4D63-985A-BB69D85F00C3}"/>
+              </a:ext>
+            </a:extLst>
+          </p:cNvPr>
+          <p:cNvSpPr/>
+          <p:nvPr/>
+        </p:nvSpPr>
+        <p:spPr>
+          <a:xfrm flipV="1">
+            <a:off x="2133600" y="4175760"/>
+            <a:ext cx="2991678" cy="548639"/>
+          </a:xfrm>
+          <a:custGeom>
+            <a:avLst/>
+            <a:gdLst>
+              <a:gd name="connsiteX0" fmla="*/ 0 w 1876508"/>
+              <a:gd name="connsiteY0" fmla="*/ 0 h 461199"/>
+              <a:gd name="connsiteX1" fmla="*/ 747423 w 1876508"/>
+              <a:gd name="connsiteY1" fmla="*/ 461176 h 461199"/>
+              <a:gd name="connsiteX2" fmla="*/ 1876508 w 1876508"/>
+              <a:gd name="connsiteY2" fmla="*/ 15903 h 461199"/>
+            </a:gdLst>
+            <a:ahLst/>
+            <a:cxnLst>
+              <a:cxn ang="0">
+                <a:pos x="connsiteX0" y="connsiteY0"/>
+              </a:cxn>
+              <a:cxn ang="0">
+                <a:pos x="connsiteX1" y="connsiteY1"/>
+              </a:cxn>
+              <a:cxn ang="0">
+                <a:pos x="connsiteX2" y="connsiteY2"/>
+              </a:cxn>
+            </a:cxnLst>
+            <a:rect l="l" t="t" r="r" b="b"/>
+            <a:pathLst>
+              <a:path w="1876508" h="461199">
+                <a:moveTo>
+                  <a:pt x="0" y="0"/>
+                </a:moveTo>
+                <a:cubicBezTo>
+                  <a:pt x="217336" y="229263"/>
+                  <a:pt x="434672" y="458526"/>
+                  <a:pt x="747423" y="461176"/>
+                </a:cubicBezTo>
+                <a:cubicBezTo>
+                  <a:pt x="1060174" y="463826"/>
+                  <a:pt x="1468341" y="239864"/>
+                  <a:pt x="1876508" y="15903"/>
+                </a:cubicBezTo>
+              </a:path>
+            </a:pathLst>
+          </a:custGeom>
+          <a:ln>
+            <a:tailEnd type="triangle"/>
+          </a:ln>
+        </p:spPr>
+        <p:style>
+          <a:lnRef idx="1">
+            <a:schemeClr val="accent1"/>
+          </a:lnRef>
+          <a:fillRef idx="0">
+            <a:schemeClr val="accent1"/>
+          </a:fillRef>
+          <a:effectRef idx="0">
+            <a:schemeClr val="accent1"/>
+          </a:effectRef>
+          <a:fontRef idx="minor">
+            <a:schemeClr val="tx1"/>
+          </a:fontRef>
+        </p:style>
+        <p:txBody>
+          <a:bodyPr rtlCol="0" anchor="ctr"/>
+          <a:lstStyle/>
+          <a:p>
+            <a:pPr algn="ctr"/>
+            <a:endParaRPr lang="en-US"/>
+          </a:p>
+        </p:txBody>
+      </p:sp>
+      <p:sp>
+        <p:nvSpPr>
+          <p:cNvPr id="31" name="Freeform: Shape 30">
+            <a:extLst>
+              <a:ext uri="{FF2B5EF4-FFF2-40B4-BE49-F238E27FC236}">
+                <a16:creationId xmlns:a16="http://schemas.microsoft.com/office/drawing/2014/main" id="{EE7B1BDC-2D4C-4DDD-A7B6-EE8BD0930E3C}"/>
+              </a:ext>
+            </a:extLst>
+          </p:cNvPr>
+          <p:cNvSpPr/>
+          <p:nvPr/>
+        </p:nvSpPr>
+        <p:spPr>
+          <a:xfrm>
+            <a:off x="2133600" y="3053927"/>
+            <a:ext cx="1895061" cy="438008"/>
+          </a:xfrm>
+          <a:custGeom>
+            <a:avLst/>
+            <a:gdLst>
+              <a:gd name="connsiteX0" fmla="*/ 0 w 1876508"/>
+              <a:gd name="connsiteY0" fmla="*/ 0 h 461199"/>
+              <a:gd name="connsiteX1" fmla="*/ 747423 w 1876508"/>
+              <a:gd name="connsiteY1" fmla="*/ 461176 h 461199"/>
+              <a:gd name="connsiteX2" fmla="*/ 1876508 w 1876508"/>
+              <a:gd name="connsiteY2" fmla="*/ 15903 h 461199"/>
+            </a:gdLst>
+            <a:ahLst/>
+            <a:cxnLst>
+              <a:cxn ang="0">
+                <a:pos x="connsiteX0" y="connsiteY0"/>
+              </a:cxn>
+              <a:cxn ang="0">
+                <a:pos x="connsiteX1" y="connsiteY1"/>
+              </a:cxn>
+              <a:cxn ang="0">
+                <a:pos x="connsiteX2" y="connsiteY2"/>
+              </a:cxn>
+            </a:cxnLst>
+            <a:rect l="l" t="t" r="r" b="b"/>
+            <a:pathLst>
+              <a:path w="1876508" h="461199">
+                <a:moveTo>
+                  <a:pt x="0" y="0"/>
+                </a:moveTo>
+                <a:cubicBezTo>
+                  <a:pt x="217336" y="229263"/>
+                  <a:pt x="434672" y="458526"/>
+                  <a:pt x="747423" y="461176"/>
+                </a:cubicBezTo>
+                <a:cubicBezTo>
+                  <a:pt x="1060174" y="463826"/>
+                  <a:pt x="1468341" y="239864"/>
+                  <a:pt x="1876508" y="15903"/>
+                </a:cubicBezTo>
+              </a:path>
+            </a:pathLst>
+          </a:custGeom>
+          <a:ln>
+            <a:tailEnd type="triangle"/>
+          </a:ln>
+        </p:spPr>
+        <p:style>
+          <a:lnRef idx="1">
+            <a:schemeClr val="accent1"/>
+          </a:lnRef>
+          <a:fillRef idx="0">
+            <a:schemeClr val="accent1"/>
+          </a:fillRef>
+          <a:effectRef idx="0">
+            <a:schemeClr val="accent1"/>
+          </a:effectRef>
+          <a:fontRef idx="minor">
+            <a:schemeClr val="tx1"/>
+          </a:fontRef>
+        </p:style>
+        <p:txBody>
+          <a:bodyPr rtlCol="0" anchor="ctr"/>
+          <a:lstStyle/>
+          <a:p>
+            <a:pPr algn="ctr"/>
+            <a:endParaRPr lang="en-US"/>
+          </a:p>
+        </p:txBody>
+      </p:sp>
+      <p:sp>
+        <p:nvSpPr>
+          <p:cNvPr id="32" name="TextBox 31">
+            <a:extLst>
+              <a:ext uri="{FF2B5EF4-FFF2-40B4-BE49-F238E27FC236}">
+                <a16:creationId xmlns:a16="http://schemas.microsoft.com/office/drawing/2014/main" id="{D20FE016-AB54-402F-A83E-31093A190F6D}"/>
+              </a:ext>
+            </a:extLst>
+          </p:cNvPr>
+          <p:cNvSpPr txBox="1"/>
+          <p:nvPr/>
+        </p:nvSpPr>
+        <p:spPr>
+          <a:xfrm>
+            <a:off x="6982570" y="2173069"/>
+            <a:ext cx="1600200" cy="646331"/>
+          </a:xfrm>
+          <a:prstGeom prst="rect">
+            <a:avLst/>
+          </a:prstGeom>
+          <a:noFill/>
+        </p:spPr>
+        <p:txBody>
+          <a:bodyPr wrap="square" rtlCol="0">
+            <a:spAutoFit/>
+          </a:bodyPr>
+          <a:lstStyle/>
+          <a:p>
+            <a:r>
+              <a:rPr lang="en-US" dirty="0"/>
+              <a:t>1-2-4-6</a:t>
+            </a:r>
+          </a:p>
+          <a:p>
+            <a:r>
+              <a:rPr lang="en-US" dirty="0"/>
+              <a:t>1-2-3-5-6</a:t>
+            </a:r>
+          </a:p>
+        </p:txBody>
+      </p:sp>
+      <p:sp>
+        <p:nvSpPr>
+          <p:cNvPr id="33" name="TextBox 32">
+            <a:extLst>
+              <a:ext uri="{FF2B5EF4-FFF2-40B4-BE49-F238E27FC236}">
+                <a16:creationId xmlns:a16="http://schemas.microsoft.com/office/drawing/2014/main" id="{7CDEEBBC-6DEB-462C-97BC-50A793B4CB65}"/>
+              </a:ext>
+            </a:extLst>
+          </p:cNvPr>
+          <p:cNvSpPr txBox="1"/>
+          <p:nvPr/>
+        </p:nvSpPr>
+        <p:spPr>
+          <a:xfrm>
+            <a:off x="7048500" y="4645074"/>
+            <a:ext cx="1600200" cy="646331"/>
+          </a:xfrm>
+          <a:prstGeom prst="rect">
+            <a:avLst/>
+          </a:prstGeom>
+          <a:noFill/>
+        </p:spPr>
+        <p:txBody>
+          <a:bodyPr wrap="square" rtlCol="0">
+            <a:spAutoFit/>
+          </a:bodyPr>
+          <a:lstStyle/>
+          <a:p>
+            <a:r>
+              <a:rPr lang="en-US" dirty="0"/>
+              <a:t>1-2-5-6</a:t>
+            </a:r>
+          </a:p>
+          <a:p>
+            <a:r>
+              <a:rPr lang="en-US" dirty="0"/>
+              <a:t>1-2-3-4-6</a:t>
+            </a:r>
+          </a:p>
+        </p:txBody>
+      </p:sp>
+    </p:spTree>
+    <p:extLst>
+      <p:ext uri="{BB962C8B-B14F-4D97-AF65-F5344CB8AC3E}">
+        <p14:creationId xmlns:p14="http://schemas.microsoft.com/office/powerpoint/2010/main" val="2796848498"/>
+      </p:ext>
+    </p:extLst>
+  </p:cSld>
+  <p:clrMapOvr>
+    <a:masterClrMapping/>
+  </p:clrMapOvr>
+</p:sld>
+</file>
+
+<file path=ppt/slides/slide49.xml><?xml version="1.0" encoding="utf-8"?>
 <p:sld xmlns:a="http://schemas.openxmlformats.org/drawingml/2006/main" xmlns:r="http://schemas.openxmlformats.org/officeDocument/2006/relationships" xmlns:p="http://schemas.openxmlformats.org/presentationml/2006/main">
   <p:cSld>
     <p:spTree>

--- a/dsa2017-java-online/handouts/data-day07-graph/Lecture 12 - Chapter 08 - Graphs - Part 1.pptx
+++ b/dsa2017-java-online/handouts/data-day07-graph/Lecture 12 - Chapter 08 - Graphs - Part 1.pptx
@@ -5,7 +5,7 @@
     <p:sldMasterId id="2147483648" r:id="rId1"/>
   </p:sldMasterIdLst>
   <p:notesMasterIdLst>
-    <p:notesMasterId r:id="rId51"/>
+    <p:notesMasterId r:id="rId52"/>
   </p:notesMasterIdLst>
   <p:sldIdLst>
     <p:sldId id="279" r:id="rId2"/>
@@ -56,7 +56,8 @@
     <p:sldId id="329" r:id="rId47"/>
     <p:sldId id="332" r:id="rId48"/>
     <p:sldId id="333" r:id="rId49"/>
-    <p:sldId id="283" r:id="rId50"/>
+    <p:sldId id="334" r:id="rId50"/>
+    <p:sldId id="283" r:id="rId51"/>
   </p:sldIdLst>
   <p:sldSz cx="9144000" cy="6858000" type="screen4x3"/>
   <p:notesSz cx="6858000" cy="9144000"/>
@@ -730,7 +731,7 @@
           <a:p>
             <a:fld id="{0F700D64-C8A8-F44C-A3D6-898140BB9211}" type="slidenum">
               <a:rPr lang="en-US" smtClean="0"/>
-              <a:t>49</a:t>
+              <a:t>50</a:t>
             </a:fld>
             <a:endParaRPr lang="en-US"/>
           </a:p>
@@ -4127,14 +4128,14 @@
           <a:noFill/>
           <a:extLst>
             <a:ext uri="{909E8E84-426E-40dd-AFC4-6F175D3DCCD1}">
-              <a14:hiddenFill xmlns:a14="http://schemas.microsoft.com/office/drawing/2010/main" xmlns="">
+              <a14:hiddenFill xmlns="" xmlns:a14="http://schemas.microsoft.com/office/drawing/2010/main">
                 <a:solidFill>
                   <a:srgbClr val="FFFFFF"/>
                 </a:solidFill>
               </a14:hiddenFill>
             </a:ext>
             <a:ext uri="{91240B29-F687-4f45-9708-019B960494DF}">
-              <a14:hiddenLine xmlns:a14="http://schemas.microsoft.com/office/drawing/2010/main" xmlns="" w="9525">
+              <a14:hiddenLine xmlns="" xmlns:a14="http://schemas.microsoft.com/office/drawing/2010/main" w="9525">
                 <a:solidFill>
                   <a:srgbClr val="000000"/>
                 </a:solidFill>
@@ -4144,7 +4145,7 @@
               </a14:hiddenLine>
             </a:ext>
             <a:ext uri="{FAA26D3D-D897-4be2-8F04-BA451C77F1D7}">
-              <ma14:placeholderFlag xmlns:ma14="http://schemas.microsoft.com/office/mac/drawingml/2011/main" xmlns="" val="1"/>
+              <ma14:placeholderFlag xmlns="" xmlns:ma14="http://schemas.microsoft.com/office/mac/drawingml/2011/main" val="1"/>
             </a:ext>
           </a:extLst>
         </p:spPr>
@@ -4565,7 +4566,7 @@
           <a:graphicData uri="http://schemas.openxmlformats.org/presentationml/2006/ole">
             <mc:AlternateContent xmlns:mc="http://schemas.openxmlformats.org/markup-compatibility/2006">
               <mc:Choice xmlns:v="urn:schemas-microsoft-com:vml" Requires="v">
-                <p:oleObj spid="_x0000_s1313" name="Equation" r:id="rId3" imgW="1244600" imgH="203200" progId="Equation.3">
+                <p:oleObj spid="_x0000_s1316" name="Equation" r:id="rId3" imgW="1244600" imgH="203200" progId="Equation.3">
                   <p:embed/>
                 </p:oleObj>
               </mc:Choice>
@@ -5601,14 +5602,14 @@
           <a:noFill/>
           <a:extLst>
             <a:ext uri="{909E8E84-426E-40dd-AFC4-6F175D3DCCD1}">
-              <a14:hiddenFill xmlns:a14="http://schemas.microsoft.com/office/drawing/2010/main" xmlns="">
+              <a14:hiddenFill xmlns="" xmlns:a14="http://schemas.microsoft.com/office/drawing/2010/main">
                 <a:solidFill>
                   <a:srgbClr val="FFFFFF"/>
                 </a:solidFill>
               </a14:hiddenFill>
             </a:ext>
             <a:ext uri="{91240B29-F687-4f45-9708-019B960494DF}">
-              <a14:hiddenLine xmlns:a14="http://schemas.microsoft.com/office/drawing/2010/main" xmlns="" w="9525">
+              <a14:hiddenLine xmlns="" xmlns:a14="http://schemas.microsoft.com/office/drawing/2010/main" w="9525">
                 <a:solidFill>
                   <a:srgbClr val="000000"/>
                 </a:solidFill>
@@ -5618,7 +5619,7 @@
               </a14:hiddenLine>
             </a:ext>
             <a:ext uri="{FAA26D3D-D897-4be2-8F04-BA451C77F1D7}">
-              <ma14:placeholderFlag xmlns:ma14="http://schemas.microsoft.com/office/mac/drawingml/2011/main" xmlns="" val="1"/>
+              <ma14:placeholderFlag xmlns="" xmlns:ma14="http://schemas.microsoft.com/office/mac/drawingml/2011/main" val="1"/>
             </a:ext>
           </a:extLst>
         </p:spPr>
@@ -5654,14 +5655,14 @@
           <a:noFill/>
           <a:extLst>
             <a:ext uri="{909E8E84-426E-40dd-AFC4-6F175D3DCCD1}">
-              <a14:hiddenFill xmlns:a14="http://schemas.microsoft.com/office/drawing/2010/main" xmlns="">
+              <a14:hiddenFill xmlns="" xmlns:a14="http://schemas.microsoft.com/office/drawing/2010/main">
                 <a:solidFill>
                   <a:srgbClr val="FFFFFF"/>
                 </a:solidFill>
               </a14:hiddenFill>
             </a:ext>
             <a:ext uri="{91240B29-F687-4f45-9708-019B960494DF}">
-              <a14:hiddenLine xmlns:a14="http://schemas.microsoft.com/office/drawing/2010/main" xmlns="" w="9525">
+              <a14:hiddenLine xmlns="" xmlns:a14="http://schemas.microsoft.com/office/drawing/2010/main" w="9525">
                 <a:solidFill>
                   <a:srgbClr val="000000"/>
                 </a:solidFill>
@@ -5671,7 +5672,7 @@
               </a14:hiddenLine>
             </a:ext>
             <a:ext uri="{FAA26D3D-D897-4be2-8F04-BA451C77F1D7}">
-              <ma14:placeholderFlag xmlns:ma14="http://schemas.microsoft.com/office/mac/drawingml/2011/main" xmlns="" val="1"/>
+              <ma14:placeholderFlag xmlns="" xmlns:ma14="http://schemas.microsoft.com/office/mac/drawingml/2011/main" val="1"/>
             </a:ext>
           </a:extLst>
         </p:spPr>
@@ -28878,7 +28879,7 @@
         </p:nvSpPr>
         <p:spPr>
           <a:xfrm flipV="1">
-            <a:off x="2133600" y="4175760"/>
+            <a:off x="2113722" y="4175760"/>
             <a:ext cx="2991678" cy="548639"/>
           </a:xfrm>
           <a:custGeom>
@@ -29148,7 +29149,13 @@
       </p:grpSpPr>
       <p:sp>
         <p:nvSpPr>
-          <p:cNvPr id="14337" name="Title 1"/>
+          <p:cNvPr id="2" name="Title 1">
+            <a:extLst>
+              <a:ext uri="{FF2B5EF4-FFF2-40B4-BE49-F238E27FC236}">
+                <a16:creationId xmlns:a16="http://schemas.microsoft.com/office/drawing/2014/main" id="{CCB98786-6CDF-4E3E-9514-D2E948D50BD3}"/>
+              </a:ext>
+            </a:extLst>
+          </p:cNvPr>
           <p:cNvSpPr>
             <a:spLocks noGrp="1"/>
           </p:cNvSpPr>
@@ -29156,247 +29163,573 @@
             <p:ph type="title"/>
           </p:nvPr>
         </p:nvSpPr>
-        <p:spPr bwMode="auto">
-          <a:noFill/>
-          <a:extLst>
-            <a:ext uri="{909E8E84-426E-40dd-AFC4-6F175D3DCCD1}">
-              <a14:hiddenFill xmlns:a14="http://schemas.microsoft.com/office/drawing/2010/main" xmlns="">
-                <a:solidFill>
-                  <a:srgbClr val="FFFFFF"/>
-                </a:solidFill>
-              </a14:hiddenFill>
-            </a:ext>
-            <a:ext uri="{91240B29-F687-4f45-9708-019B960494DF}">
-              <a14:hiddenLine xmlns:a14="http://schemas.microsoft.com/office/drawing/2010/main" xmlns="" w="9525">
-                <a:solidFill>
-                  <a:srgbClr val="000000"/>
-                </a:solidFill>
-                <a:miter lim="800000"/>
-                <a:headEnd/>
-                <a:tailEnd/>
-              </a14:hiddenLine>
-            </a:ext>
-            <a:ext uri="{FAA26D3D-D897-4be2-8F04-BA451C77F1D7}">
-              <ma14:placeholderFlag xmlns:ma14="http://schemas.microsoft.com/office/mac/drawingml/2011/main" xmlns="" val="1"/>
-            </a:ext>
-          </a:extLst>
-        </p:spPr>
+        <p:spPr/>
         <p:txBody>
-          <a:bodyPr vert="horz" wrap="square" lIns="91440" tIns="45720" rIns="91440" bIns="45720" numCol="1" anchor="t" anchorCtr="0" compatLnSpc="1">
-            <a:prstTxWarp prst="textNoShape">
-              <a:avLst/>
-            </a:prstTxWarp>
-          </a:bodyPr>
+          <a:bodyPr/>
           <a:lstStyle/>
           <a:p>
-            <a:pPr eaLnBrk="1" hangingPunct="1"/>
-            <a:r>
-              <a:rPr lang="en-US" dirty="0">
-                <a:latin typeface="Calibri" charset="0"/>
-              </a:rPr>
-              <a:t>Summaries</a:t>
+            <a:r>
+              <a:rPr lang="en-US" dirty="0"/>
+              <a:t>Circular cases</a:t>
             </a:r>
           </a:p>
         </p:txBody>
       </p:sp>
       <p:sp>
         <p:nvSpPr>
-          <p:cNvPr id="14338" name="Content Placeholder 2"/>
-          <p:cNvSpPr>
-            <a:spLocks noGrp="1"/>
-          </p:cNvSpPr>
-          <p:nvPr>
-            <p:ph idx="1"/>
-          </p:nvPr>
+          <p:cNvPr id="3" name="Oval 2">
+            <a:extLst>
+              <a:ext uri="{FF2B5EF4-FFF2-40B4-BE49-F238E27FC236}">
+                <a16:creationId xmlns:a16="http://schemas.microsoft.com/office/drawing/2014/main" id="{0CDA4168-EC0B-4614-B046-CA23FE1E59EF}"/>
+              </a:ext>
+            </a:extLst>
+          </p:cNvPr>
+          <p:cNvSpPr/>
+          <p:nvPr/>
         </p:nvSpPr>
-        <p:spPr bwMode="auto">
-          <a:noFill/>
-          <a:extLst>
-            <a:ext uri="{909E8E84-426E-40dd-AFC4-6F175D3DCCD1}">
-              <a14:hiddenFill xmlns:a14="http://schemas.microsoft.com/office/drawing/2010/main" xmlns="">
-                <a:solidFill>
-                  <a:srgbClr val="FFFFFF"/>
-                </a:solidFill>
-              </a14:hiddenFill>
-            </a:ext>
-            <a:ext uri="{91240B29-F687-4f45-9708-019B960494DF}">
-              <a14:hiddenLine xmlns:a14="http://schemas.microsoft.com/office/drawing/2010/main" xmlns="" w="9525">
-                <a:solidFill>
-                  <a:srgbClr val="000000"/>
-                </a:solidFill>
-                <a:miter lim="800000"/>
-                <a:headEnd/>
-                <a:tailEnd/>
-              </a14:hiddenLine>
-            </a:ext>
-            <a:ext uri="{FAA26D3D-D897-4be2-8F04-BA451C77F1D7}">
-              <ma14:placeholderFlag xmlns:ma14="http://schemas.microsoft.com/office/mac/drawingml/2011/main" xmlns="" val="1"/>
-            </a:ext>
-          </a:extLst>
-        </p:spPr>
+        <p:spPr>
+          <a:xfrm>
+            <a:off x="609600" y="2250219"/>
+            <a:ext cx="457200" cy="457200"/>
+          </a:xfrm>
+          <a:prstGeom prst="ellipse">
+            <a:avLst/>
+          </a:prstGeom>
+        </p:spPr>
+        <p:style>
+          <a:lnRef idx="2">
+            <a:schemeClr val="accent1">
+              <a:shade val="50000"/>
+            </a:schemeClr>
+          </a:lnRef>
+          <a:fillRef idx="1">
+            <a:schemeClr val="accent1"/>
+          </a:fillRef>
+          <a:effectRef idx="0">
+            <a:schemeClr val="accent1"/>
+          </a:effectRef>
+          <a:fontRef idx="minor">
+            <a:schemeClr val="lt1"/>
+          </a:fontRef>
+        </p:style>
         <p:txBody>
-          <a:bodyPr vert="horz" wrap="square" lIns="91440" tIns="45720" rIns="91440" bIns="45720" numCol="1" anchor="t" anchorCtr="0" compatLnSpc="1">
-            <a:prstTxWarp prst="textNoShape">
-              <a:avLst/>
-            </a:prstTxWarp>
-            <a:normAutofit fontScale="70000" lnSpcReduction="20000"/>
-          </a:bodyPr>
+          <a:bodyPr rtlCol="0" anchor="ctr"/>
           <a:lstStyle/>
           <a:p>
-            <a:r>
-              <a:rPr lang="en-US" dirty="0">
-                <a:latin typeface="Calibri" charset="0"/>
-              </a:rPr>
-              <a:t>Graphs</a:t>
-            </a:r>
-          </a:p>
-          <a:p>
-            <a:r>
-              <a:rPr lang="en-US" dirty="0">
-                <a:latin typeface="Calibri" charset="0"/>
-              </a:rPr>
-              <a:t>Graph Representation</a:t>
-            </a:r>
-          </a:p>
-          <a:p>
-            <a:r>
-              <a:rPr lang="en-US" dirty="0">
-                <a:latin typeface="Calibri" charset="0"/>
-              </a:rPr>
-              <a:t>Graph Traversals</a:t>
-            </a:r>
-          </a:p>
-          <a:p>
-            <a:r>
-              <a:rPr lang="en-US" dirty="0">
-                <a:latin typeface="Calibri" charset="0"/>
-              </a:rPr>
-              <a:t>Connectivity</a:t>
-            </a:r>
-          </a:p>
-          <a:p>
-            <a:r>
-              <a:rPr lang="en-US" dirty="0">
-                <a:latin typeface="Calibri" charset="0"/>
-              </a:rPr>
-              <a:t>Cycle Detection</a:t>
-            </a:r>
-          </a:p>
-          <a:p>
-            <a:r>
-              <a:rPr lang="en-US" dirty="0">
-                <a:latin typeface="Calibri" charset="0"/>
-              </a:rPr>
-              <a:t>Shortest Paths</a:t>
-            </a:r>
-          </a:p>
-          <a:p>
-            <a:pPr lvl="1"/>
-            <a:r>
-              <a:rPr lang="en-US" dirty="0" err="1">
-                <a:latin typeface="Calibri" charset="0"/>
-              </a:rPr>
-              <a:t>Dijsktra</a:t>
-            </a:r>
-            <a:r>
-              <a:rPr lang="en-US" dirty="0">
-                <a:latin typeface="Calibri" charset="0"/>
-              </a:rPr>
-              <a:t> algorithm</a:t>
-            </a:r>
-          </a:p>
-          <a:p>
-            <a:pPr lvl="1"/>
-            <a:r>
-              <a:rPr lang="en-US" dirty="0">
-                <a:latin typeface="Calibri" charset="0"/>
-              </a:rPr>
-              <a:t>Floyd algorithm</a:t>
-            </a:r>
-          </a:p>
-          <a:p>
-            <a:pPr lvl="1"/>
-            <a:r>
-              <a:rPr lang="en-US" dirty="0">
-                <a:latin typeface="Calibri" charset="0"/>
-              </a:rPr>
-              <a:t>Bellman-Ford algorithm</a:t>
-            </a:r>
-          </a:p>
-          <a:p>
-            <a:r>
-              <a:rPr lang="en-US" dirty="0">
-                <a:latin typeface="Calibri" charset="0"/>
-              </a:rPr>
-              <a:t>Spanning Trees</a:t>
-            </a:r>
-          </a:p>
-          <a:p>
-            <a:pPr lvl="1"/>
-            <a:r>
-              <a:rPr lang="en-US" dirty="0" err="1">
-                <a:latin typeface="Calibri" charset="0"/>
-              </a:rPr>
-              <a:t>Kruskal</a:t>
-            </a:r>
-            <a:r>
-              <a:rPr lang="en-US" dirty="0">
-                <a:latin typeface="Calibri" charset="0"/>
-              </a:rPr>
-              <a:t> algorithm</a:t>
-            </a:r>
-          </a:p>
-          <a:p>
-            <a:pPr lvl="1"/>
-            <a:r>
-              <a:rPr lang="en-US" dirty="0" err="1">
-                <a:latin typeface="Calibri" charset="0"/>
-              </a:rPr>
-              <a:t>Dijktra</a:t>
-            </a:r>
-            <a:r>
-              <a:rPr lang="en-US" dirty="0">
-                <a:latin typeface="Calibri" charset="0"/>
-              </a:rPr>
-              <a:t> algorithm</a:t>
-            </a:r>
-          </a:p>
-          <a:p>
-            <a:r>
-              <a:rPr lang="en-US" dirty="0" err="1">
-                <a:latin typeface="Calibri" charset="0"/>
-              </a:rPr>
-              <a:t>Eulerian</a:t>
-            </a:r>
-            <a:r>
-              <a:rPr lang="en-US" dirty="0">
-                <a:latin typeface="Calibri" charset="0"/>
-              </a:rPr>
-              <a:t> and Hamiltonian Graphs</a:t>
-            </a:r>
-          </a:p>
-          <a:p>
-            <a:r>
-              <a:rPr lang="en-US" dirty="0">
-                <a:latin typeface="Calibri" charset="0"/>
-              </a:rPr>
-              <a:t>Graph coloring</a:t>
-            </a:r>
-          </a:p>
-          <a:p>
-            <a:r>
-              <a:rPr lang="en-US" dirty="0">
-                <a:latin typeface="Calibri" charset="0"/>
-              </a:rPr>
-              <a:t>Reading at home</a:t>
+            <a:pPr algn="ctr"/>
+            <a:r>
+              <a:rPr lang="en-US" dirty="0"/>
+              <a:t>1</a:t>
             </a:r>
           </a:p>
         </p:txBody>
       </p:sp>
+      <p:sp>
+        <p:nvSpPr>
+          <p:cNvPr id="4" name="Oval 3">
+            <a:extLst>
+              <a:ext uri="{FF2B5EF4-FFF2-40B4-BE49-F238E27FC236}">
+                <a16:creationId xmlns:a16="http://schemas.microsoft.com/office/drawing/2014/main" id="{18622012-8E1C-463F-B962-91180F8CAC9B}"/>
+              </a:ext>
+            </a:extLst>
+          </p:cNvPr>
+          <p:cNvSpPr/>
+          <p:nvPr/>
+        </p:nvSpPr>
+        <p:spPr>
+          <a:xfrm>
+            <a:off x="1729093" y="1945719"/>
+            <a:ext cx="457200" cy="457200"/>
+          </a:xfrm>
+          <a:prstGeom prst="ellipse">
+            <a:avLst/>
+          </a:prstGeom>
+        </p:spPr>
+        <p:style>
+          <a:lnRef idx="2">
+            <a:schemeClr val="accent1">
+              <a:shade val="50000"/>
+            </a:schemeClr>
+          </a:lnRef>
+          <a:fillRef idx="1">
+            <a:schemeClr val="accent1"/>
+          </a:fillRef>
+          <a:effectRef idx="0">
+            <a:schemeClr val="accent1"/>
+          </a:effectRef>
+          <a:fontRef idx="minor">
+            <a:schemeClr val="lt1"/>
+          </a:fontRef>
+        </p:style>
+        <p:txBody>
+          <a:bodyPr rtlCol="0" anchor="ctr"/>
+          <a:lstStyle/>
+          <a:p>
+            <a:pPr algn="ctr"/>
+            <a:r>
+              <a:rPr lang="en-US" dirty="0"/>
+              <a:t>2</a:t>
+            </a:r>
+          </a:p>
+        </p:txBody>
+      </p:sp>
+      <p:sp>
+        <p:nvSpPr>
+          <p:cNvPr id="5" name="Oval 4">
+            <a:extLst>
+              <a:ext uri="{FF2B5EF4-FFF2-40B4-BE49-F238E27FC236}">
+                <a16:creationId xmlns:a16="http://schemas.microsoft.com/office/drawing/2014/main" id="{5A6680F9-A81F-47EB-9051-3AA7200F9550}"/>
+              </a:ext>
+            </a:extLst>
+          </p:cNvPr>
+          <p:cNvSpPr/>
+          <p:nvPr/>
+        </p:nvSpPr>
+        <p:spPr>
+          <a:xfrm>
+            <a:off x="2819400" y="1998428"/>
+            <a:ext cx="457200" cy="457200"/>
+          </a:xfrm>
+          <a:prstGeom prst="ellipse">
+            <a:avLst/>
+          </a:prstGeom>
+        </p:spPr>
+        <p:style>
+          <a:lnRef idx="2">
+            <a:schemeClr val="accent1">
+              <a:shade val="50000"/>
+            </a:schemeClr>
+          </a:lnRef>
+          <a:fillRef idx="1">
+            <a:schemeClr val="accent1"/>
+          </a:fillRef>
+          <a:effectRef idx="0">
+            <a:schemeClr val="accent1"/>
+          </a:effectRef>
+          <a:fontRef idx="minor">
+            <a:schemeClr val="lt1"/>
+          </a:fontRef>
+        </p:style>
+        <p:txBody>
+          <a:bodyPr rtlCol="0" anchor="ctr"/>
+          <a:lstStyle/>
+          <a:p>
+            <a:pPr algn="ctr"/>
+            <a:r>
+              <a:rPr lang="en-US" dirty="0"/>
+              <a:t>3</a:t>
+            </a:r>
+          </a:p>
+        </p:txBody>
+      </p:sp>
+      <p:sp>
+        <p:nvSpPr>
+          <p:cNvPr id="6" name="Oval 5">
+            <a:extLst>
+              <a:ext uri="{FF2B5EF4-FFF2-40B4-BE49-F238E27FC236}">
+                <a16:creationId xmlns:a16="http://schemas.microsoft.com/office/drawing/2014/main" id="{0352A03E-F3D8-4C9F-8924-787890EC2072}"/>
+              </a:ext>
+            </a:extLst>
+          </p:cNvPr>
+          <p:cNvSpPr/>
+          <p:nvPr/>
+        </p:nvSpPr>
+        <p:spPr>
+          <a:xfrm>
+            <a:off x="3810000" y="2514600"/>
+            <a:ext cx="457200" cy="457200"/>
+          </a:xfrm>
+          <a:prstGeom prst="ellipse">
+            <a:avLst/>
+          </a:prstGeom>
+        </p:spPr>
+        <p:style>
+          <a:lnRef idx="2">
+            <a:schemeClr val="accent1">
+              <a:shade val="50000"/>
+            </a:schemeClr>
+          </a:lnRef>
+          <a:fillRef idx="1">
+            <a:schemeClr val="accent1"/>
+          </a:fillRef>
+          <a:effectRef idx="0">
+            <a:schemeClr val="accent1"/>
+          </a:effectRef>
+          <a:fontRef idx="minor">
+            <a:schemeClr val="lt1"/>
+          </a:fontRef>
+        </p:style>
+        <p:txBody>
+          <a:bodyPr rtlCol="0" anchor="ctr"/>
+          <a:lstStyle/>
+          <a:p>
+            <a:pPr algn="ctr"/>
+            <a:r>
+              <a:rPr lang="en-US" dirty="0"/>
+              <a:t>4</a:t>
+            </a:r>
+          </a:p>
+        </p:txBody>
+      </p:sp>
+      <p:cxnSp>
+        <p:nvCxnSpPr>
+          <p:cNvPr id="7" name="Straight Arrow Connector 6">
+            <a:extLst>
+              <a:ext uri="{FF2B5EF4-FFF2-40B4-BE49-F238E27FC236}">
+                <a16:creationId xmlns:a16="http://schemas.microsoft.com/office/drawing/2014/main" id="{5AE8589E-9DF8-48FB-B235-3D9B85641A4D}"/>
+              </a:ext>
+            </a:extLst>
+          </p:cNvPr>
+          <p:cNvCxnSpPr>
+            <a:stCxn id="3" idx="6"/>
+            <a:endCxn id="4" idx="2"/>
+          </p:cNvCxnSpPr>
+          <p:nvPr/>
+        </p:nvCxnSpPr>
+        <p:spPr>
+          <a:xfrm flipV="1">
+            <a:off x="1066800" y="2174319"/>
+            <a:ext cx="662293" cy="304500"/>
+          </a:xfrm>
+          <a:prstGeom prst="straightConnector1">
+            <a:avLst/>
+          </a:prstGeom>
+          <a:ln>
+            <a:tailEnd type="triangle"/>
+          </a:ln>
+        </p:spPr>
+        <p:style>
+          <a:lnRef idx="1">
+            <a:schemeClr val="accent1"/>
+          </a:lnRef>
+          <a:fillRef idx="0">
+            <a:schemeClr val="accent1"/>
+          </a:fillRef>
+          <a:effectRef idx="0">
+            <a:schemeClr val="accent1"/>
+          </a:effectRef>
+          <a:fontRef idx="minor">
+            <a:schemeClr val="tx1"/>
+          </a:fontRef>
+        </p:style>
+      </p:cxnSp>
+      <p:cxnSp>
+        <p:nvCxnSpPr>
+          <p:cNvPr id="8" name="Straight Arrow Connector 7">
+            <a:extLst>
+              <a:ext uri="{FF2B5EF4-FFF2-40B4-BE49-F238E27FC236}">
+                <a16:creationId xmlns:a16="http://schemas.microsoft.com/office/drawing/2014/main" id="{17873BFD-9A1D-44EC-9803-2802DA2D974C}"/>
+              </a:ext>
+            </a:extLst>
+          </p:cNvPr>
+          <p:cNvCxnSpPr>
+            <a:cxnSpLocks/>
+            <a:stCxn id="4" idx="6"/>
+            <a:endCxn id="5" idx="2"/>
+          </p:cNvCxnSpPr>
+          <p:nvPr/>
+        </p:nvCxnSpPr>
+        <p:spPr>
+          <a:xfrm>
+            <a:off x="2186293" y="2174319"/>
+            <a:ext cx="633107" cy="52709"/>
+          </a:xfrm>
+          <a:prstGeom prst="straightConnector1">
+            <a:avLst/>
+          </a:prstGeom>
+          <a:ln>
+            <a:tailEnd type="triangle"/>
+          </a:ln>
+        </p:spPr>
+        <p:style>
+          <a:lnRef idx="1">
+            <a:schemeClr val="accent1"/>
+          </a:lnRef>
+          <a:fillRef idx="0">
+            <a:schemeClr val="accent1"/>
+          </a:fillRef>
+          <a:effectRef idx="0">
+            <a:schemeClr val="accent1"/>
+          </a:effectRef>
+          <a:fontRef idx="minor">
+            <a:schemeClr val="tx1"/>
+          </a:fontRef>
+        </p:style>
+      </p:cxnSp>
+      <p:cxnSp>
+        <p:nvCxnSpPr>
+          <p:cNvPr id="9" name="Straight Arrow Connector 8">
+            <a:extLst>
+              <a:ext uri="{FF2B5EF4-FFF2-40B4-BE49-F238E27FC236}">
+                <a16:creationId xmlns:a16="http://schemas.microsoft.com/office/drawing/2014/main" id="{2DC88604-F5BD-4194-8C43-C63A11EBEF6C}"/>
+              </a:ext>
+            </a:extLst>
+          </p:cNvPr>
+          <p:cNvCxnSpPr>
+            <a:cxnSpLocks/>
+            <a:stCxn id="5" idx="6"/>
+            <a:endCxn id="6" idx="2"/>
+          </p:cNvCxnSpPr>
+          <p:nvPr/>
+        </p:nvCxnSpPr>
+        <p:spPr>
+          <a:xfrm>
+            <a:off x="3276600" y="2227028"/>
+            <a:ext cx="533400" cy="516172"/>
+          </a:xfrm>
+          <a:prstGeom prst="straightConnector1">
+            <a:avLst/>
+          </a:prstGeom>
+          <a:ln>
+            <a:tailEnd type="triangle"/>
+          </a:ln>
+        </p:spPr>
+        <p:style>
+          <a:lnRef idx="1">
+            <a:schemeClr val="accent1"/>
+          </a:lnRef>
+          <a:fillRef idx="0">
+            <a:schemeClr val="accent1"/>
+          </a:fillRef>
+          <a:effectRef idx="0">
+            <a:schemeClr val="accent1"/>
+          </a:effectRef>
+          <a:fontRef idx="minor">
+            <a:schemeClr val="tx1"/>
+          </a:fontRef>
+        </p:style>
+      </p:cxnSp>
+      <p:sp>
+        <p:nvSpPr>
+          <p:cNvPr id="16" name="Oval 15">
+            <a:extLst>
+              <a:ext uri="{FF2B5EF4-FFF2-40B4-BE49-F238E27FC236}">
+                <a16:creationId xmlns:a16="http://schemas.microsoft.com/office/drawing/2014/main" id="{BB823525-1B3D-4B9D-A3C5-DC1E385411EB}"/>
+              </a:ext>
+            </a:extLst>
+          </p:cNvPr>
+          <p:cNvSpPr/>
+          <p:nvPr/>
+        </p:nvSpPr>
+        <p:spPr>
+          <a:xfrm>
+            <a:off x="2819400" y="3454179"/>
+            <a:ext cx="457200" cy="457200"/>
+          </a:xfrm>
+          <a:prstGeom prst="ellipse">
+            <a:avLst/>
+          </a:prstGeom>
+        </p:spPr>
+        <p:style>
+          <a:lnRef idx="2">
+            <a:schemeClr val="accent1">
+              <a:shade val="50000"/>
+            </a:schemeClr>
+          </a:lnRef>
+          <a:fillRef idx="1">
+            <a:schemeClr val="accent1"/>
+          </a:fillRef>
+          <a:effectRef idx="0">
+            <a:schemeClr val="accent1"/>
+          </a:effectRef>
+          <a:fontRef idx="minor">
+            <a:schemeClr val="lt1"/>
+          </a:fontRef>
+        </p:style>
+        <p:txBody>
+          <a:bodyPr rtlCol="0" anchor="ctr"/>
+          <a:lstStyle/>
+          <a:p>
+            <a:pPr algn="ctr"/>
+            <a:r>
+              <a:rPr lang="en-US" dirty="0"/>
+              <a:t>5</a:t>
+            </a:r>
+          </a:p>
+        </p:txBody>
+      </p:sp>
+      <p:cxnSp>
+        <p:nvCxnSpPr>
+          <p:cNvPr id="17" name="Straight Arrow Connector 16">
+            <a:extLst>
+              <a:ext uri="{FF2B5EF4-FFF2-40B4-BE49-F238E27FC236}">
+                <a16:creationId xmlns:a16="http://schemas.microsoft.com/office/drawing/2014/main" id="{FD5D5D27-C2F7-43CB-ABEF-26B2380AF0D9}"/>
+              </a:ext>
+            </a:extLst>
+          </p:cNvPr>
+          <p:cNvCxnSpPr>
+            <a:cxnSpLocks/>
+            <a:stCxn id="6" idx="3"/>
+            <a:endCxn id="16" idx="7"/>
+          </p:cNvCxnSpPr>
+          <p:nvPr/>
+        </p:nvCxnSpPr>
+        <p:spPr>
+          <a:xfrm flipH="1">
+            <a:off x="3209645" y="2904845"/>
+            <a:ext cx="667310" cy="616289"/>
+          </a:xfrm>
+          <a:prstGeom prst="straightConnector1">
+            <a:avLst/>
+          </a:prstGeom>
+          <a:ln>
+            <a:tailEnd type="triangle"/>
+          </a:ln>
+        </p:spPr>
+        <p:style>
+          <a:lnRef idx="1">
+            <a:schemeClr val="accent1"/>
+          </a:lnRef>
+          <a:fillRef idx="0">
+            <a:schemeClr val="accent1"/>
+          </a:fillRef>
+          <a:effectRef idx="0">
+            <a:schemeClr val="accent1"/>
+          </a:effectRef>
+          <a:fontRef idx="minor">
+            <a:schemeClr val="tx1"/>
+          </a:fontRef>
+        </p:style>
+      </p:cxnSp>
+      <p:sp>
+        <p:nvSpPr>
+          <p:cNvPr id="18" name="Oval 17">
+            <a:extLst>
+              <a:ext uri="{FF2B5EF4-FFF2-40B4-BE49-F238E27FC236}">
+                <a16:creationId xmlns:a16="http://schemas.microsoft.com/office/drawing/2014/main" id="{E54CBBE4-C816-4AFC-9E59-A40B8EDD7C00}"/>
+              </a:ext>
+            </a:extLst>
+          </p:cNvPr>
+          <p:cNvSpPr/>
+          <p:nvPr/>
+        </p:nvSpPr>
+        <p:spPr>
+          <a:xfrm>
+            <a:off x="1600200" y="3560859"/>
+            <a:ext cx="457200" cy="457200"/>
+          </a:xfrm>
+          <a:prstGeom prst="ellipse">
+            <a:avLst/>
+          </a:prstGeom>
+        </p:spPr>
+        <p:style>
+          <a:lnRef idx="2">
+            <a:schemeClr val="accent1">
+              <a:shade val="50000"/>
+            </a:schemeClr>
+          </a:lnRef>
+          <a:fillRef idx="1">
+            <a:schemeClr val="accent1"/>
+          </a:fillRef>
+          <a:effectRef idx="0">
+            <a:schemeClr val="accent1"/>
+          </a:effectRef>
+          <a:fontRef idx="minor">
+            <a:schemeClr val="lt1"/>
+          </a:fontRef>
+        </p:style>
+        <p:txBody>
+          <a:bodyPr rtlCol="0" anchor="ctr"/>
+          <a:lstStyle/>
+          <a:p>
+            <a:pPr algn="ctr"/>
+            <a:r>
+              <a:rPr lang="en-US" dirty="0"/>
+              <a:t>6</a:t>
+            </a:r>
+          </a:p>
+        </p:txBody>
+      </p:sp>
+      <p:cxnSp>
+        <p:nvCxnSpPr>
+          <p:cNvPr id="19" name="Straight Arrow Connector 18">
+            <a:extLst>
+              <a:ext uri="{FF2B5EF4-FFF2-40B4-BE49-F238E27FC236}">
+                <a16:creationId xmlns:a16="http://schemas.microsoft.com/office/drawing/2014/main" id="{A59955D5-450F-4075-B5CB-D3D866DA3394}"/>
+              </a:ext>
+            </a:extLst>
+          </p:cNvPr>
+          <p:cNvCxnSpPr>
+            <a:cxnSpLocks/>
+            <a:stCxn id="16" idx="2"/>
+            <a:endCxn id="18" idx="6"/>
+          </p:cNvCxnSpPr>
+          <p:nvPr/>
+        </p:nvCxnSpPr>
+        <p:spPr>
+          <a:xfrm flipH="1">
+            <a:off x="2057400" y="3682779"/>
+            <a:ext cx="762000" cy="106680"/>
+          </a:xfrm>
+          <a:prstGeom prst="straightConnector1">
+            <a:avLst/>
+          </a:prstGeom>
+          <a:ln>
+            <a:tailEnd type="triangle"/>
+          </a:ln>
+        </p:spPr>
+        <p:style>
+          <a:lnRef idx="1">
+            <a:schemeClr val="accent1"/>
+          </a:lnRef>
+          <a:fillRef idx="0">
+            <a:schemeClr val="accent1"/>
+          </a:fillRef>
+          <a:effectRef idx="0">
+            <a:schemeClr val="accent1"/>
+          </a:effectRef>
+          <a:fontRef idx="minor">
+            <a:schemeClr val="tx1"/>
+          </a:fontRef>
+        </p:style>
+      </p:cxnSp>
+      <p:cxnSp>
+        <p:nvCxnSpPr>
+          <p:cNvPr id="24" name="Straight Arrow Connector 23">
+            <a:extLst>
+              <a:ext uri="{FF2B5EF4-FFF2-40B4-BE49-F238E27FC236}">
+                <a16:creationId xmlns:a16="http://schemas.microsoft.com/office/drawing/2014/main" id="{C9FAC4ED-C7B0-4E8D-998D-5D286A81ECC0}"/>
+              </a:ext>
+            </a:extLst>
+          </p:cNvPr>
+          <p:cNvCxnSpPr>
+            <a:cxnSpLocks/>
+            <a:stCxn id="18" idx="1"/>
+            <a:endCxn id="3" idx="5"/>
+          </p:cNvCxnSpPr>
+          <p:nvPr/>
+        </p:nvCxnSpPr>
+        <p:spPr>
+          <a:xfrm flipH="1" flipV="1">
+            <a:off x="999845" y="2640464"/>
+            <a:ext cx="667310" cy="987350"/>
+          </a:xfrm>
+          <a:prstGeom prst="straightConnector1">
+            <a:avLst/>
+          </a:prstGeom>
+          <a:ln>
+            <a:tailEnd type="triangle"/>
+          </a:ln>
+        </p:spPr>
+        <p:style>
+          <a:lnRef idx="1">
+            <a:schemeClr val="accent1"/>
+          </a:lnRef>
+          <a:fillRef idx="0">
+            <a:schemeClr val="accent1"/>
+          </a:fillRef>
+          <a:effectRef idx="0">
+            <a:schemeClr val="accent1"/>
+          </a:effectRef>
+          <a:fontRef idx="minor">
+            <a:schemeClr val="tx1"/>
+          </a:fontRef>
+        </p:style>
+      </p:cxnSp>
     </p:spTree>
     <p:extLst>
       <p:ext uri="{BB962C8B-B14F-4D97-AF65-F5344CB8AC3E}">
-        <p14:creationId xmlns:p14="http://schemas.microsoft.com/office/powerpoint/2010/main" val="1837843569"/>
+        <p14:creationId xmlns:p14="http://schemas.microsoft.com/office/powerpoint/2010/main" val="2009208916"/>
       </p:ext>
     </p:extLst>
   </p:cSld>
@@ -30058,6 +30391,283 @@
     <p:extLst>
       <p:ext uri="{BB962C8B-B14F-4D97-AF65-F5344CB8AC3E}">
         <p14:creationId xmlns:p14="http://schemas.microsoft.com/office/powerpoint/2010/main" val="1137283732"/>
+      </p:ext>
+    </p:extLst>
+  </p:cSld>
+  <p:clrMapOvr>
+    <a:masterClrMapping/>
+  </p:clrMapOvr>
+</p:sld>
+</file>
+
+<file path=ppt/slides/slide50.xml><?xml version="1.0" encoding="utf-8"?>
+<p:sld xmlns:a="http://schemas.openxmlformats.org/drawingml/2006/main" xmlns:r="http://schemas.openxmlformats.org/officeDocument/2006/relationships" xmlns:p="http://schemas.openxmlformats.org/presentationml/2006/main">
+  <p:cSld>
+    <p:spTree>
+      <p:nvGrpSpPr>
+        <p:cNvPr id="1" name=""/>
+        <p:cNvGrpSpPr/>
+        <p:nvPr/>
+      </p:nvGrpSpPr>
+      <p:grpSpPr>
+        <a:xfrm>
+          <a:off x="0" y="0"/>
+          <a:ext cx="0" cy="0"/>
+          <a:chOff x="0" y="0"/>
+          <a:chExt cx="0" cy="0"/>
+        </a:xfrm>
+      </p:grpSpPr>
+      <p:sp>
+        <p:nvSpPr>
+          <p:cNvPr id="14337" name="Title 1"/>
+          <p:cNvSpPr>
+            <a:spLocks noGrp="1"/>
+          </p:cNvSpPr>
+          <p:nvPr>
+            <p:ph type="title"/>
+          </p:nvPr>
+        </p:nvSpPr>
+        <p:spPr bwMode="auto">
+          <a:noFill/>
+          <a:extLst>
+            <a:ext uri="{909E8E84-426E-40dd-AFC4-6F175D3DCCD1}">
+              <a14:hiddenFill xmlns="" xmlns:a14="http://schemas.microsoft.com/office/drawing/2010/main">
+                <a:solidFill>
+                  <a:srgbClr val="FFFFFF"/>
+                </a:solidFill>
+              </a14:hiddenFill>
+            </a:ext>
+            <a:ext uri="{91240B29-F687-4f45-9708-019B960494DF}">
+              <a14:hiddenLine xmlns="" xmlns:a14="http://schemas.microsoft.com/office/drawing/2010/main" w="9525">
+                <a:solidFill>
+                  <a:srgbClr val="000000"/>
+                </a:solidFill>
+                <a:miter lim="800000"/>
+                <a:headEnd/>
+                <a:tailEnd/>
+              </a14:hiddenLine>
+            </a:ext>
+            <a:ext uri="{FAA26D3D-D897-4be2-8F04-BA451C77F1D7}">
+              <ma14:placeholderFlag xmlns="" xmlns:ma14="http://schemas.microsoft.com/office/mac/drawingml/2011/main" val="1"/>
+            </a:ext>
+          </a:extLst>
+        </p:spPr>
+        <p:txBody>
+          <a:bodyPr vert="horz" wrap="square" lIns="91440" tIns="45720" rIns="91440" bIns="45720" numCol="1" anchor="t" anchorCtr="0" compatLnSpc="1">
+            <a:prstTxWarp prst="textNoShape">
+              <a:avLst/>
+            </a:prstTxWarp>
+          </a:bodyPr>
+          <a:lstStyle/>
+          <a:p>
+            <a:pPr eaLnBrk="1" hangingPunct="1"/>
+            <a:r>
+              <a:rPr lang="en-US" dirty="0">
+                <a:latin typeface="Calibri" charset="0"/>
+              </a:rPr>
+              <a:t>Summaries</a:t>
+            </a:r>
+          </a:p>
+        </p:txBody>
+      </p:sp>
+      <p:sp>
+        <p:nvSpPr>
+          <p:cNvPr id="14338" name="Content Placeholder 2"/>
+          <p:cNvSpPr>
+            <a:spLocks noGrp="1"/>
+          </p:cNvSpPr>
+          <p:nvPr>
+            <p:ph idx="1"/>
+          </p:nvPr>
+        </p:nvSpPr>
+        <p:spPr bwMode="auto">
+          <a:noFill/>
+          <a:extLst>
+            <a:ext uri="{909E8E84-426E-40dd-AFC4-6F175D3DCCD1}">
+              <a14:hiddenFill xmlns="" xmlns:a14="http://schemas.microsoft.com/office/drawing/2010/main">
+                <a:solidFill>
+                  <a:srgbClr val="FFFFFF"/>
+                </a:solidFill>
+              </a14:hiddenFill>
+            </a:ext>
+            <a:ext uri="{91240B29-F687-4f45-9708-019B960494DF}">
+              <a14:hiddenLine xmlns="" xmlns:a14="http://schemas.microsoft.com/office/drawing/2010/main" w="9525">
+                <a:solidFill>
+                  <a:srgbClr val="000000"/>
+                </a:solidFill>
+                <a:miter lim="800000"/>
+                <a:headEnd/>
+                <a:tailEnd/>
+              </a14:hiddenLine>
+            </a:ext>
+            <a:ext uri="{FAA26D3D-D897-4be2-8F04-BA451C77F1D7}">
+              <ma14:placeholderFlag xmlns="" xmlns:ma14="http://schemas.microsoft.com/office/mac/drawingml/2011/main" val="1"/>
+            </a:ext>
+          </a:extLst>
+        </p:spPr>
+        <p:txBody>
+          <a:bodyPr vert="horz" wrap="square" lIns="91440" tIns="45720" rIns="91440" bIns="45720" numCol="1" anchor="t" anchorCtr="0" compatLnSpc="1">
+            <a:prstTxWarp prst="textNoShape">
+              <a:avLst/>
+            </a:prstTxWarp>
+            <a:normAutofit fontScale="70000" lnSpcReduction="20000"/>
+          </a:bodyPr>
+          <a:lstStyle/>
+          <a:p>
+            <a:r>
+              <a:rPr lang="en-US" dirty="0">
+                <a:latin typeface="Calibri" charset="0"/>
+              </a:rPr>
+              <a:t>Graphs</a:t>
+            </a:r>
+          </a:p>
+          <a:p>
+            <a:r>
+              <a:rPr lang="en-US" dirty="0">
+                <a:latin typeface="Calibri" charset="0"/>
+              </a:rPr>
+              <a:t>Graph Representation</a:t>
+            </a:r>
+          </a:p>
+          <a:p>
+            <a:r>
+              <a:rPr lang="en-US" dirty="0">
+                <a:latin typeface="Calibri" charset="0"/>
+              </a:rPr>
+              <a:t>Graph Traversals</a:t>
+            </a:r>
+          </a:p>
+          <a:p>
+            <a:r>
+              <a:rPr lang="en-US" dirty="0">
+                <a:latin typeface="Calibri" charset="0"/>
+              </a:rPr>
+              <a:t>Connectivity</a:t>
+            </a:r>
+          </a:p>
+          <a:p>
+            <a:r>
+              <a:rPr lang="en-US" dirty="0">
+                <a:latin typeface="Calibri" charset="0"/>
+              </a:rPr>
+              <a:t>Cycle Detection</a:t>
+            </a:r>
+          </a:p>
+          <a:p>
+            <a:r>
+              <a:rPr lang="en-US" dirty="0">
+                <a:latin typeface="Calibri" charset="0"/>
+              </a:rPr>
+              <a:t>Shortest Paths</a:t>
+            </a:r>
+          </a:p>
+          <a:p>
+            <a:pPr lvl="1"/>
+            <a:r>
+              <a:rPr lang="en-US" dirty="0" err="1">
+                <a:latin typeface="Calibri" charset="0"/>
+              </a:rPr>
+              <a:t>Dijsktra</a:t>
+            </a:r>
+            <a:r>
+              <a:rPr lang="en-US" dirty="0">
+                <a:latin typeface="Calibri" charset="0"/>
+              </a:rPr>
+              <a:t> algorithm</a:t>
+            </a:r>
+          </a:p>
+          <a:p>
+            <a:pPr lvl="1"/>
+            <a:r>
+              <a:rPr lang="en-US" dirty="0">
+                <a:latin typeface="Calibri" charset="0"/>
+              </a:rPr>
+              <a:t>Floyd algorithm</a:t>
+            </a:r>
+          </a:p>
+          <a:p>
+            <a:pPr lvl="1"/>
+            <a:r>
+              <a:rPr lang="en-US" dirty="0">
+                <a:latin typeface="Calibri" charset="0"/>
+              </a:rPr>
+              <a:t>Bellman-Ford algorithm</a:t>
+            </a:r>
+          </a:p>
+          <a:p>
+            <a:r>
+              <a:rPr lang="en-US" dirty="0">
+                <a:latin typeface="Calibri" charset="0"/>
+              </a:rPr>
+              <a:t>Spanning Trees</a:t>
+            </a:r>
+          </a:p>
+          <a:p>
+            <a:pPr lvl="1"/>
+            <a:r>
+              <a:rPr lang="en-US" dirty="0" err="1">
+                <a:latin typeface="Calibri" charset="0"/>
+              </a:rPr>
+              <a:t>Kruskal</a:t>
+            </a:r>
+            <a:r>
+              <a:rPr lang="en-US" dirty="0">
+                <a:latin typeface="Calibri" charset="0"/>
+              </a:rPr>
+              <a:t> algorithm</a:t>
+            </a:r>
+          </a:p>
+          <a:p>
+            <a:pPr lvl="1"/>
+            <a:r>
+              <a:rPr lang="en-US" dirty="0" err="1">
+                <a:latin typeface="Calibri" charset="0"/>
+              </a:rPr>
+              <a:t>Dijktra</a:t>
+            </a:r>
+            <a:r>
+              <a:rPr lang="en-US" dirty="0">
+                <a:latin typeface="Calibri" charset="0"/>
+              </a:rPr>
+              <a:t> algorithm</a:t>
+            </a:r>
+          </a:p>
+          <a:p>
+            <a:r>
+              <a:rPr lang="en-US" dirty="0" err="1">
+                <a:latin typeface="Calibri" charset="0"/>
+              </a:rPr>
+              <a:t>Eulerian</a:t>
+            </a:r>
+            <a:r>
+              <a:rPr lang="en-US" dirty="0">
+                <a:latin typeface="Calibri" charset="0"/>
+              </a:rPr>
+              <a:t> and Hamiltonian Graphs</a:t>
+            </a:r>
+          </a:p>
+          <a:p>
+            <a:r>
+              <a:rPr lang="en-US" dirty="0">
+                <a:latin typeface="Calibri" charset="0"/>
+              </a:rPr>
+              <a:t>Graph coloring</a:t>
+            </a:r>
+          </a:p>
+          <a:p>
+            <a:r>
+              <a:rPr lang="en-US" dirty="0">
+                <a:latin typeface="Calibri" charset="0"/>
+              </a:rPr>
+              <a:t>Reading at home</a:t>
+            </a:r>
+          </a:p>
+        </p:txBody>
+      </p:sp>
+    </p:spTree>
+    <p:extLst>
+      <p:ext uri="{BB962C8B-B14F-4D97-AF65-F5344CB8AC3E}">
+        <p14:creationId xmlns:p14="http://schemas.microsoft.com/office/powerpoint/2010/main" val="1837843569"/>
       </p:ext>
     </p:extLst>
   </p:cSld>

--- a/dsa2017-java-online/handouts/data-day07-graph/Lecture 12 - Chapter 08 - Graphs - Part 1.pptx
+++ b/dsa2017-java-online/handouts/data-day07-graph/Lecture 12 - Chapter 08 - Graphs - Part 1.pptx
@@ -291,7 +291,7 @@
           <a:p>
             <a:fld id="{912909EE-3318-2B49-BBCA-50C0EA6484E2}" type="datetimeFigureOut">
               <a:rPr lang="en-US" smtClean="0"/>
-              <a:t>04-Jun-17</a:t>
+              <a:t>05-Jun-17</a:t>
             </a:fld>
             <a:endParaRPr lang="en-US"/>
           </a:p>
@@ -4128,14 +4128,14 @@
           <a:noFill/>
           <a:extLst>
             <a:ext uri="{909E8E84-426E-40dd-AFC4-6F175D3DCCD1}">
-              <a14:hiddenFill xmlns="" xmlns:a14="http://schemas.microsoft.com/office/drawing/2010/main">
+              <a14:hiddenFill xmlns:a14="http://schemas.microsoft.com/office/drawing/2010/main" xmlns="">
                 <a:solidFill>
                   <a:srgbClr val="FFFFFF"/>
                 </a:solidFill>
               </a14:hiddenFill>
             </a:ext>
             <a:ext uri="{91240B29-F687-4f45-9708-019B960494DF}">
-              <a14:hiddenLine xmlns="" xmlns:a14="http://schemas.microsoft.com/office/drawing/2010/main" w="9525">
+              <a14:hiddenLine xmlns:a14="http://schemas.microsoft.com/office/drawing/2010/main" xmlns="" w="9525">
                 <a:solidFill>
                   <a:srgbClr val="000000"/>
                 </a:solidFill>
@@ -4145,7 +4145,7 @@
               </a14:hiddenLine>
             </a:ext>
             <a:ext uri="{FAA26D3D-D897-4be2-8F04-BA451C77F1D7}">
-              <ma14:placeholderFlag xmlns="" xmlns:ma14="http://schemas.microsoft.com/office/mac/drawingml/2011/main" val="1"/>
+              <ma14:placeholderFlag xmlns:ma14="http://schemas.microsoft.com/office/mac/drawingml/2011/main" xmlns="" val="1"/>
             </a:ext>
           </a:extLst>
         </p:spPr>
@@ -4566,7 +4566,7 @@
           <a:graphicData uri="http://schemas.openxmlformats.org/presentationml/2006/ole">
             <mc:AlternateContent xmlns:mc="http://schemas.openxmlformats.org/markup-compatibility/2006">
               <mc:Choice xmlns:v="urn:schemas-microsoft-com:vml" Requires="v">
-                <p:oleObj spid="_x0000_s1316" name="Equation" r:id="rId3" imgW="1244600" imgH="203200" progId="Equation.3">
+                <p:oleObj spid="_x0000_s1317" name="Equation" r:id="rId3" imgW="1244600" imgH="203200" progId="Equation.3">
                   <p:embed/>
                 </p:oleObj>
               </mc:Choice>
@@ -5602,14 +5602,14 @@
           <a:noFill/>
           <a:extLst>
             <a:ext uri="{909E8E84-426E-40dd-AFC4-6F175D3DCCD1}">
-              <a14:hiddenFill xmlns="" xmlns:a14="http://schemas.microsoft.com/office/drawing/2010/main">
+              <a14:hiddenFill xmlns:a14="http://schemas.microsoft.com/office/drawing/2010/main" xmlns="">
                 <a:solidFill>
                   <a:srgbClr val="FFFFFF"/>
                 </a:solidFill>
               </a14:hiddenFill>
             </a:ext>
             <a:ext uri="{91240B29-F687-4f45-9708-019B960494DF}">
-              <a14:hiddenLine xmlns="" xmlns:a14="http://schemas.microsoft.com/office/drawing/2010/main" w="9525">
+              <a14:hiddenLine xmlns:a14="http://schemas.microsoft.com/office/drawing/2010/main" xmlns="" w="9525">
                 <a:solidFill>
                   <a:srgbClr val="000000"/>
                 </a:solidFill>
@@ -5619,7 +5619,7 @@
               </a14:hiddenLine>
             </a:ext>
             <a:ext uri="{FAA26D3D-D897-4be2-8F04-BA451C77F1D7}">
-              <ma14:placeholderFlag xmlns="" xmlns:ma14="http://schemas.microsoft.com/office/mac/drawingml/2011/main" val="1"/>
+              <ma14:placeholderFlag xmlns:ma14="http://schemas.microsoft.com/office/mac/drawingml/2011/main" xmlns="" val="1"/>
             </a:ext>
           </a:extLst>
         </p:spPr>
@@ -5655,14 +5655,14 @@
           <a:noFill/>
           <a:extLst>
             <a:ext uri="{909E8E84-426E-40dd-AFC4-6F175D3DCCD1}">
-              <a14:hiddenFill xmlns="" xmlns:a14="http://schemas.microsoft.com/office/drawing/2010/main">
+              <a14:hiddenFill xmlns:a14="http://schemas.microsoft.com/office/drawing/2010/main" xmlns="">
                 <a:solidFill>
                   <a:srgbClr val="FFFFFF"/>
                 </a:solidFill>
               </a14:hiddenFill>
             </a:ext>
             <a:ext uri="{91240B29-F687-4f45-9708-019B960494DF}">
-              <a14:hiddenLine xmlns="" xmlns:a14="http://schemas.microsoft.com/office/drawing/2010/main" w="9525">
+              <a14:hiddenLine xmlns:a14="http://schemas.microsoft.com/office/drawing/2010/main" xmlns="" w="9525">
                 <a:solidFill>
                   <a:srgbClr val="000000"/>
                 </a:solidFill>
@@ -5672,7 +5672,7 @@
               </a14:hiddenLine>
             </a:ext>
             <a:ext uri="{FAA26D3D-D897-4be2-8F04-BA451C77F1D7}">
-              <ma14:placeholderFlag xmlns="" xmlns:ma14="http://schemas.microsoft.com/office/mac/drawingml/2011/main" val="1"/>
+              <ma14:placeholderFlag xmlns:ma14="http://schemas.microsoft.com/office/mac/drawingml/2011/main" xmlns="" val="1"/>
             </a:ext>
           </a:extLst>
         </p:spPr>
@@ -25280,7 +25280,7 @@
           <a:p>
             <a:r>
               <a:rPr lang="en-US" dirty="0"/>
-              <a:t>The flow</a:t>
+              <a:t>The flow with source and sink</a:t>
             </a:r>
           </a:p>
           <a:p>
@@ -30431,14 +30431,14 @@
           <a:noFill/>
           <a:extLst>
             <a:ext uri="{909E8E84-426E-40dd-AFC4-6F175D3DCCD1}">
-              <a14:hiddenFill xmlns="" xmlns:a14="http://schemas.microsoft.com/office/drawing/2010/main">
+              <a14:hiddenFill xmlns:a14="http://schemas.microsoft.com/office/drawing/2010/main" xmlns="">
                 <a:solidFill>
                   <a:srgbClr val="FFFFFF"/>
                 </a:solidFill>
               </a14:hiddenFill>
             </a:ext>
             <a:ext uri="{91240B29-F687-4f45-9708-019B960494DF}">
-              <a14:hiddenLine xmlns="" xmlns:a14="http://schemas.microsoft.com/office/drawing/2010/main" w="9525">
+              <a14:hiddenLine xmlns:a14="http://schemas.microsoft.com/office/drawing/2010/main" xmlns="" w="9525">
                 <a:solidFill>
                   <a:srgbClr val="000000"/>
                 </a:solidFill>
@@ -30448,7 +30448,7 @@
               </a14:hiddenLine>
             </a:ext>
             <a:ext uri="{FAA26D3D-D897-4be2-8F04-BA451C77F1D7}">
-              <ma14:placeholderFlag xmlns="" xmlns:ma14="http://schemas.microsoft.com/office/mac/drawingml/2011/main" val="1"/>
+              <ma14:placeholderFlag xmlns:ma14="http://schemas.microsoft.com/office/mac/drawingml/2011/main" xmlns="" val="1"/>
             </a:ext>
           </a:extLst>
         </p:spPr>
@@ -30484,14 +30484,14 @@
           <a:noFill/>
           <a:extLst>
             <a:ext uri="{909E8E84-426E-40dd-AFC4-6F175D3DCCD1}">
-              <a14:hiddenFill xmlns="" xmlns:a14="http://schemas.microsoft.com/office/drawing/2010/main">
+              <a14:hiddenFill xmlns:a14="http://schemas.microsoft.com/office/drawing/2010/main" xmlns="">
                 <a:solidFill>
                   <a:srgbClr val="FFFFFF"/>
                 </a:solidFill>
               </a14:hiddenFill>
             </a:ext>
             <a:ext uri="{91240B29-F687-4f45-9708-019B960494DF}">
-              <a14:hiddenLine xmlns="" xmlns:a14="http://schemas.microsoft.com/office/drawing/2010/main" w="9525">
+              <a14:hiddenLine xmlns:a14="http://schemas.microsoft.com/office/drawing/2010/main" xmlns="" w="9525">
                 <a:solidFill>
                   <a:srgbClr val="000000"/>
                 </a:solidFill>
@@ -30501,7 +30501,7 @@
               </a14:hiddenLine>
             </a:ext>
             <a:ext uri="{FAA26D3D-D897-4be2-8F04-BA451C77F1D7}">
-              <ma14:placeholderFlag xmlns="" xmlns:ma14="http://schemas.microsoft.com/office/mac/drawingml/2011/main" val="1"/>
+              <ma14:placeholderFlag xmlns:ma14="http://schemas.microsoft.com/office/mac/drawingml/2011/main" xmlns="" val="1"/>
             </a:ext>
           </a:extLst>
         </p:spPr>
